--- a/Design/Veil Mechanic Example.pptx
+++ b/Design/Veil Mechanic Example.pptx
@@ -6,6 +6,13 @@
   </p:sldMasterIdLst>
   <p:sldIdLst>
     <p:sldId id="256" r:id="rId2"/>
+    <p:sldId id="257" r:id="rId3"/>
+    <p:sldId id="258" r:id="rId4"/>
+    <p:sldId id="259" r:id="rId5"/>
+    <p:sldId id="260" r:id="rId6"/>
+    <p:sldId id="261" r:id="rId7"/>
+    <p:sldId id="262" r:id="rId8"/>
+    <p:sldId id="263" r:id="rId9"/>
   </p:sldIdLst>
   <p:sldSz cx="12192000" cy="6858000"/>
   <p:notesSz cx="6858000" cy="9144000"/>
@@ -104,6 +111,11 @@
       </a:defRPr>
     </a:lvl9pPr>
   </p:defaultTextStyle>
+  <p:extLst>
+    <p:ext uri="{EFAFB233-063F-42B5-8137-9DF3F51BA10A}">
+      <p15:sldGuideLst xmlns:p15="http://schemas.microsoft.com/office/powerpoint/2012/main"/>
+    </p:ext>
+  </p:extLst>
 </p:presentation>
 </file>
 
@@ -238,7 +250,7 @@
           <a:p>
             <a:fld id="{92C4F78A-3E61-441E-830C-D7D20F9DA1BD}" type="datetimeFigureOut">
               <a:rPr lang="en-GB" smtClean="0"/>
-              <a:t>20/09/2018</a:t>
+              <a:t>21/09/2018</a:t>
             </a:fld>
             <a:endParaRPr lang="en-GB"/>
           </a:p>
@@ -408,7 +420,7 @@
           <a:p>
             <a:fld id="{92C4F78A-3E61-441E-830C-D7D20F9DA1BD}" type="datetimeFigureOut">
               <a:rPr lang="en-GB" smtClean="0"/>
-              <a:t>20/09/2018</a:t>
+              <a:t>21/09/2018</a:t>
             </a:fld>
             <a:endParaRPr lang="en-GB"/>
           </a:p>
@@ -588,7 +600,7 @@
           <a:p>
             <a:fld id="{92C4F78A-3E61-441E-830C-D7D20F9DA1BD}" type="datetimeFigureOut">
               <a:rPr lang="en-GB" smtClean="0"/>
-              <a:t>20/09/2018</a:t>
+              <a:t>21/09/2018</a:t>
             </a:fld>
             <a:endParaRPr lang="en-GB"/>
           </a:p>
@@ -758,7 +770,7 @@
           <a:p>
             <a:fld id="{92C4F78A-3E61-441E-830C-D7D20F9DA1BD}" type="datetimeFigureOut">
               <a:rPr lang="en-GB" smtClean="0"/>
-              <a:t>20/09/2018</a:t>
+              <a:t>21/09/2018</a:t>
             </a:fld>
             <a:endParaRPr lang="en-GB"/>
           </a:p>
@@ -1004,7 +1016,7 @@
           <a:p>
             <a:fld id="{92C4F78A-3E61-441E-830C-D7D20F9DA1BD}" type="datetimeFigureOut">
               <a:rPr lang="en-GB" smtClean="0"/>
-              <a:t>20/09/2018</a:t>
+              <a:t>21/09/2018</a:t>
             </a:fld>
             <a:endParaRPr lang="en-GB"/>
           </a:p>
@@ -1236,7 +1248,7 @@
           <a:p>
             <a:fld id="{92C4F78A-3E61-441E-830C-D7D20F9DA1BD}" type="datetimeFigureOut">
               <a:rPr lang="en-GB" smtClean="0"/>
-              <a:t>20/09/2018</a:t>
+              <a:t>21/09/2018</a:t>
             </a:fld>
             <a:endParaRPr lang="en-GB"/>
           </a:p>
@@ -1603,7 +1615,7 @@
           <a:p>
             <a:fld id="{92C4F78A-3E61-441E-830C-D7D20F9DA1BD}" type="datetimeFigureOut">
               <a:rPr lang="en-GB" smtClean="0"/>
-              <a:t>20/09/2018</a:t>
+              <a:t>21/09/2018</a:t>
             </a:fld>
             <a:endParaRPr lang="en-GB"/>
           </a:p>
@@ -1721,7 +1733,7 @@
           <a:p>
             <a:fld id="{92C4F78A-3E61-441E-830C-D7D20F9DA1BD}" type="datetimeFigureOut">
               <a:rPr lang="en-GB" smtClean="0"/>
-              <a:t>20/09/2018</a:t>
+              <a:t>21/09/2018</a:t>
             </a:fld>
             <a:endParaRPr lang="en-GB"/>
           </a:p>
@@ -1816,7 +1828,7 @@
           <a:p>
             <a:fld id="{92C4F78A-3E61-441E-830C-D7D20F9DA1BD}" type="datetimeFigureOut">
               <a:rPr lang="en-GB" smtClean="0"/>
-              <a:t>20/09/2018</a:t>
+              <a:t>21/09/2018</a:t>
             </a:fld>
             <a:endParaRPr lang="en-GB"/>
           </a:p>
@@ -2093,7 +2105,7 @@
           <a:p>
             <a:fld id="{92C4F78A-3E61-441E-830C-D7D20F9DA1BD}" type="datetimeFigureOut">
               <a:rPr lang="en-GB" smtClean="0"/>
-              <a:t>20/09/2018</a:t>
+              <a:t>21/09/2018</a:t>
             </a:fld>
             <a:endParaRPr lang="en-GB"/>
           </a:p>
@@ -2346,7 +2358,7 @@
           <a:p>
             <a:fld id="{92C4F78A-3E61-441E-830C-D7D20F9DA1BD}" type="datetimeFigureOut">
               <a:rPr lang="en-GB" smtClean="0"/>
-              <a:t>20/09/2018</a:t>
+              <a:t>21/09/2018</a:t>
             </a:fld>
             <a:endParaRPr lang="en-GB"/>
           </a:p>
@@ -2559,7 +2571,7 @@
           <a:p>
             <a:fld id="{92C4F78A-3E61-441E-830C-D7D20F9DA1BD}" type="datetimeFigureOut">
               <a:rPr lang="en-GB" smtClean="0"/>
-              <a:t>20/09/2018</a:t>
+              <a:t>21/09/2018</a:t>
             </a:fld>
             <a:endParaRPr lang="en-GB"/>
           </a:p>
@@ -2972,7 +2984,7 @@
         </p:nvSpPr>
         <p:spPr>
           <a:xfrm>
-            <a:off x="3125412" y="1789993"/>
+            <a:off x="2901262" y="2172268"/>
             <a:ext cx="5303520" cy="2409305"/>
           </a:xfrm>
           <a:prstGeom prst="roundRect">
@@ -3916,6 +3928,6738 @@
 </p:sld>
 </file>
 
+<file path=ppt/slides/slide2.xml><?xml version="1.0" encoding="utf-8"?>
+<p:sld xmlns:a="http://schemas.openxmlformats.org/drawingml/2006/main" xmlns:r="http://schemas.openxmlformats.org/officeDocument/2006/relationships" xmlns:p="http://schemas.openxmlformats.org/presentationml/2006/main">
+  <p:cSld>
+    <p:spTree>
+      <p:nvGrpSpPr>
+        <p:cNvPr id="1" name=""/>
+        <p:cNvGrpSpPr/>
+        <p:nvPr/>
+      </p:nvGrpSpPr>
+      <p:grpSpPr>
+        <a:xfrm>
+          <a:off x="0" y="0"/>
+          <a:ext cx="0" cy="0"/>
+          <a:chOff x="0" y="0"/>
+          <a:chExt cx="0" cy="0"/>
+        </a:xfrm>
+      </p:grpSpPr>
+      <p:grpSp>
+        <p:nvGrpSpPr>
+          <p:cNvPr id="33" name="Group 32"/>
+          <p:cNvGrpSpPr/>
+          <p:nvPr/>
+        </p:nvGrpSpPr>
+        <p:grpSpPr>
+          <a:xfrm>
+            <a:off x="2194382" y="2719915"/>
+            <a:ext cx="7970616" cy="2656942"/>
+            <a:chOff x="1543302" y="175585"/>
+            <a:chExt cx="7970616" cy="2656942"/>
+          </a:xfrm>
+        </p:grpSpPr>
+        <p:sp>
+          <p:nvSpPr>
+            <p:cNvPr id="4" name="Rounded Rectangle 3"/>
+            <p:cNvSpPr/>
+            <p:nvPr/>
+          </p:nvSpPr>
+          <p:spPr>
+            <a:xfrm>
+              <a:off x="1543302" y="175585"/>
+              <a:ext cx="7970616" cy="2656942"/>
+            </a:xfrm>
+            <a:prstGeom prst="roundRect">
+              <a:avLst/>
+            </a:prstGeom>
+            <a:solidFill>
+              <a:schemeClr val="bg1"/>
+            </a:solidFill>
+          </p:spPr>
+          <p:style>
+            <a:lnRef idx="2">
+              <a:schemeClr val="accent1">
+                <a:shade val="50000"/>
+              </a:schemeClr>
+            </a:lnRef>
+            <a:fillRef idx="1">
+              <a:schemeClr val="accent1"/>
+            </a:fillRef>
+            <a:effectRef idx="0">
+              <a:schemeClr val="accent1"/>
+            </a:effectRef>
+            <a:fontRef idx="minor">
+              <a:schemeClr val="lt1"/>
+            </a:fontRef>
+          </p:style>
+          <p:txBody>
+            <a:bodyPr rtlCol="0" anchor="ctr"/>
+            <a:lstStyle/>
+            <a:p>
+              <a:pPr algn="ctr"/>
+              <a:endParaRPr lang="en-GB"/>
+            </a:p>
+          </p:txBody>
+        </p:sp>
+        <p:sp>
+          <p:nvSpPr>
+            <p:cNvPr id="23" name="Oval 22"/>
+            <p:cNvSpPr/>
+            <p:nvPr/>
+          </p:nvSpPr>
+          <p:spPr>
+            <a:xfrm>
+              <a:off x="1748236" y="1928553"/>
+              <a:ext cx="817461" cy="774678"/>
+            </a:xfrm>
+            <a:prstGeom prst="ellipse">
+              <a:avLst/>
+            </a:prstGeom>
+          </p:spPr>
+          <p:style>
+            <a:lnRef idx="2">
+              <a:schemeClr val="accent4">
+                <a:shade val="50000"/>
+              </a:schemeClr>
+            </a:lnRef>
+            <a:fillRef idx="1">
+              <a:schemeClr val="accent4"/>
+            </a:fillRef>
+            <a:effectRef idx="0">
+              <a:schemeClr val="accent4"/>
+            </a:effectRef>
+            <a:fontRef idx="minor">
+              <a:schemeClr val="lt1"/>
+            </a:fontRef>
+          </p:style>
+          <p:txBody>
+            <a:bodyPr rtlCol="0" anchor="ctr"/>
+            <a:lstStyle/>
+            <a:p>
+              <a:pPr algn="ctr"/>
+              <a:endParaRPr lang="en-GB"/>
+            </a:p>
+          </p:txBody>
+        </p:sp>
+        <p:sp>
+          <p:nvSpPr>
+            <p:cNvPr id="2" name="Rectangle 1"/>
+            <p:cNvSpPr/>
+            <p:nvPr/>
+          </p:nvSpPr>
+          <p:spPr>
+            <a:xfrm>
+              <a:off x="1543302" y="1421476"/>
+              <a:ext cx="3585651" cy="66502"/>
+            </a:xfrm>
+            <a:prstGeom prst="rect">
+              <a:avLst/>
+            </a:prstGeom>
+          </p:spPr>
+          <p:style>
+            <a:lnRef idx="2">
+              <a:schemeClr val="dk1">
+                <a:shade val="50000"/>
+              </a:schemeClr>
+            </a:lnRef>
+            <a:fillRef idx="1">
+              <a:schemeClr val="dk1"/>
+            </a:fillRef>
+            <a:effectRef idx="0">
+              <a:schemeClr val="dk1"/>
+            </a:effectRef>
+            <a:fontRef idx="minor">
+              <a:schemeClr val="lt1"/>
+            </a:fontRef>
+          </p:style>
+          <p:txBody>
+            <a:bodyPr rtlCol="0" anchor="ctr"/>
+            <a:lstStyle/>
+            <a:p>
+              <a:pPr algn="ctr"/>
+              <a:endParaRPr lang="en-GB"/>
+            </a:p>
+          </p:txBody>
+        </p:sp>
+        <p:sp>
+          <p:nvSpPr>
+            <p:cNvPr id="3" name="Rectangle 2"/>
+            <p:cNvSpPr/>
+            <p:nvPr/>
+          </p:nvSpPr>
+          <p:spPr>
+            <a:xfrm>
+              <a:off x="5037513" y="1487978"/>
+              <a:ext cx="91440" cy="1344549"/>
+            </a:xfrm>
+            <a:prstGeom prst="rect">
+              <a:avLst/>
+            </a:prstGeom>
+          </p:spPr>
+          <p:style>
+            <a:lnRef idx="2">
+              <a:schemeClr val="dk1">
+                <a:shade val="50000"/>
+              </a:schemeClr>
+            </a:lnRef>
+            <a:fillRef idx="1">
+              <a:schemeClr val="dk1"/>
+            </a:fillRef>
+            <a:effectRef idx="0">
+              <a:schemeClr val="dk1"/>
+            </a:effectRef>
+            <a:fontRef idx="minor">
+              <a:schemeClr val="lt1"/>
+            </a:fontRef>
+          </p:style>
+          <p:txBody>
+            <a:bodyPr rtlCol="0" anchor="ctr"/>
+            <a:lstStyle/>
+            <a:p>
+              <a:pPr algn="ctr"/>
+              <a:endParaRPr lang="en-GB"/>
+            </a:p>
+          </p:txBody>
+        </p:sp>
+        <p:sp>
+          <p:nvSpPr>
+            <p:cNvPr id="31" name="Oval 30"/>
+            <p:cNvSpPr/>
+            <p:nvPr/>
+          </p:nvSpPr>
+          <p:spPr>
+            <a:xfrm>
+              <a:off x="8304485" y="1952489"/>
+              <a:ext cx="817461" cy="774678"/>
+            </a:xfrm>
+            <a:prstGeom prst="ellipse">
+              <a:avLst/>
+            </a:prstGeom>
+          </p:spPr>
+          <p:style>
+            <a:lnRef idx="2">
+              <a:schemeClr val="accent4">
+                <a:shade val="50000"/>
+              </a:schemeClr>
+            </a:lnRef>
+            <a:fillRef idx="1">
+              <a:schemeClr val="accent4"/>
+            </a:fillRef>
+            <a:effectRef idx="0">
+              <a:schemeClr val="accent4"/>
+            </a:effectRef>
+            <a:fontRef idx="minor">
+              <a:schemeClr val="lt1"/>
+            </a:fontRef>
+          </p:style>
+          <p:txBody>
+            <a:bodyPr rtlCol="0" anchor="ctr"/>
+            <a:lstStyle/>
+            <a:p>
+              <a:pPr algn="ctr"/>
+              <a:endParaRPr lang="en-GB"/>
+            </a:p>
+          </p:txBody>
+        </p:sp>
+        <p:sp>
+          <p:nvSpPr>
+            <p:cNvPr id="9" name="Rectangle 8"/>
+            <p:cNvSpPr/>
+            <p:nvPr/>
+          </p:nvSpPr>
+          <p:spPr>
+            <a:xfrm>
+              <a:off x="7363178" y="191193"/>
+              <a:ext cx="93338" cy="1296785"/>
+            </a:xfrm>
+            <a:prstGeom prst="rect">
+              <a:avLst/>
+            </a:prstGeom>
+          </p:spPr>
+          <p:style>
+            <a:lnRef idx="2">
+              <a:schemeClr val="dk1">
+                <a:shade val="50000"/>
+              </a:schemeClr>
+            </a:lnRef>
+            <a:fillRef idx="1">
+              <a:schemeClr val="dk1"/>
+            </a:fillRef>
+            <a:effectRef idx="0">
+              <a:schemeClr val="dk1"/>
+            </a:effectRef>
+            <a:fontRef idx="minor">
+              <a:schemeClr val="lt1"/>
+            </a:fontRef>
+          </p:style>
+          <p:txBody>
+            <a:bodyPr rtlCol="0" anchor="ctr"/>
+            <a:lstStyle/>
+            <a:p>
+              <a:pPr algn="ctr"/>
+              <a:endParaRPr lang="en-GB"/>
+            </a:p>
+          </p:txBody>
+        </p:sp>
+        <p:sp>
+          <p:nvSpPr>
+            <p:cNvPr id="10" name="Rectangle 9"/>
+            <p:cNvSpPr/>
+            <p:nvPr/>
+          </p:nvSpPr>
+          <p:spPr>
+            <a:xfrm>
+              <a:off x="7363178" y="1487978"/>
+              <a:ext cx="2150740" cy="91440"/>
+            </a:xfrm>
+            <a:prstGeom prst="rect">
+              <a:avLst/>
+            </a:prstGeom>
+          </p:spPr>
+          <p:style>
+            <a:lnRef idx="2">
+              <a:schemeClr val="dk1">
+                <a:shade val="50000"/>
+              </a:schemeClr>
+            </a:lnRef>
+            <a:fillRef idx="1">
+              <a:schemeClr val="dk1"/>
+            </a:fillRef>
+            <a:effectRef idx="0">
+              <a:schemeClr val="dk1"/>
+            </a:effectRef>
+            <a:fontRef idx="minor">
+              <a:schemeClr val="lt1"/>
+            </a:fontRef>
+          </p:style>
+          <p:txBody>
+            <a:bodyPr rtlCol="0" anchor="ctr"/>
+            <a:lstStyle/>
+            <a:p>
+              <a:pPr algn="ctr"/>
+              <a:endParaRPr lang="en-GB"/>
+            </a:p>
+          </p:txBody>
+        </p:sp>
+        <p:sp>
+          <p:nvSpPr>
+            <p:cNvPr id="17" name="Rectangle 16"/>
+            <p:cNvSpPr/>
+            <p:nvPr/>
+          </p:nvSpPr>
+          <p:spPr>
+            <a:xfrm>
+              <a:off x="6246065" y="1454727"/>
+              <a:ext cx="1117113" cy="141978"/>
+            </a:xfrm>
+            <a:prstGeom prst="rect">
+              <a:avLst/>
+            </a:prstGeom>
+          </p:spPr>
+          <p:style>
+            <a:lnRef idx="2">
+              <a:schemeClr val="dk1">
+                <a:shade val="50000"/>
+              </a:schemeClr>
+            </a:lnRef>
+            <a:fillRef idx="1">
+              <a:schemeClr val="dk1"/>
+            </a:fillRef>
+            <a:effectRef idx="0">
+              <a:schemeClr val="dk1"/>
+            </a:effectRef>
+            <a:fontRef idx="minor">
+              <a:schemeClr val="lt1"/>
+            </a:fontRef>
+          </p:style>
+          <p:txBody>
+            <a:bodyPr rtlCol="0" anchor="ctr"/>
+            <a:lstStyle/>
+            <a:p>
+              <a:pPr algn="ctr"/>
+              <a:endParaRPr lang="en-GB"/>
+            </a:p>
+          </p:txBody>
+        </p:sp>
+        <p:sp>
+          <p:nvSpPr>
+            <p:cNvPr id="32" name="Oval 31"/>
+            <p:cNvSpPr/>
+            <p:nvPr/>
+          </p:nvSpPr>
+          <p:spPr>
+            <a:xfrm>
+              <a:off x="8233801" y="495935"/>
+              <a:ext cx="817461" cy="774678"/>
+            </a:xfrm>
+            <a:prstGeom prst="ellipse">
+              <a:avLst/>
+            </a:prstGeom>
+          </p:spPr>
+          <p:style>
+            <a:lnRef idx="2">
+              <a:schemeClr val="accent4">
+                <a:shade val="50000"/>
+              </a:schemeClr>
+            </a:lnRef>
+            <a:fillRef idx="1">
+              <a:schemeClr val="accent4"/>
+            </a:fillRef>
+            <a:effectRef idx="0">
+              <a:schemeClr val="accent4"/>
+            </a:effectRef>
+            <a:fontRef idx="minor">
+              <a:schemeClr val="lt1"/>
+            </a:fontRef>
+          </p:style>
+          <p:txBody>
+            <a:bodyPr rtlCol="0" anchor="ctr"/>
+            <a:lstStyle/>
+            <a:p>
+              <a:pPr algn="ctr"/>
+              <a:endParaRPr lang="en-GB"/>
+            </a:p>
+          </p:txBody>
+        </p:sp>
+        <p:sp>
+          <p:nvSpPr>
+            <p:cNvPr id="25" name="Left Arrow 24"/>
+            <p:cNvSpPr/>
+            <p:nvPr/>
+          </p:nvSpPr>
+          <p:spPr>
+            <a:xfrm>
+              <a:off x="6966065" y="660243"/>
+              <a:ext cx="805079" cy="460610"/>
+            </a:xfrm>
+            <a:prstGeom prst="leftArrow">
+              <a:avLst/>
+            </a:prstGeom>
+          </p:spPr>
+          <p:style>
+            <a:lnRef idx="1">
+              <a:schemeClr val="accent2"/>
+            </a:lnRef>
+            <a:fillRef idx="2">
+              <a:schemeClr val="accent2"/>
+            </a:fillRef>
+            <a:effectRef idx="1">
+              <a:schemeClr val="accent2"/>
+            </a:effectRef>
+            <a:fontRef idx="minor">
+              <a:schemeClr val="dk1"/>
+            </a:fontRef>
+          </p:style>
+          <p:txBody>
+            <a:bodyPr rtlCol="0" anchor="ctr"/>
+            <a:lstStyle/>
+            <a:p>
+              <a:pPr algn="ctr"/>
+              <a:r>
+                <a:rPr lang="en-GB" dirty="0" smtClean="0"/>
+                <a:t>lock</a:t>
+              </a:r>
+              <a:endParaRPr lang="en-GB" dirty="0"/>
+            </a:p>
+          </p:txBody>
+        </p:sp>
+      </p:grpSp>
+      <p:sp>
+        <p:nvSpPr>
+          <p:cNvPr id="8" name="Right Arrow 7"/>
+          <p:cNvSpPr/>
+          <p:nvPr/>
+        </p:nvSpPr>
+        <p:spPr>
+          <a:xfrm>
+            <a:off x="4664854" y="4475982"/>
+            <a:ext cx="631767" cy="457200"/>
+          </a:xfrm>
+          <a:prstGeom prst="rightArrow">
+            <a:avLst/>
+          </a:prstGeom>
+        </p:spPr>
+        <p:style>
+          <a:lnRef idx="2">
+            <a:schemeClr val="accent1">
+              <a:shade val="50000"/>
+            </a:schemeClr>
+          </a:lnRef>
+          <a:fillRef idx="1">
+            <a:schemeClr val="accent1"/>
+          </a:fillRef>
+          <a:effectRef idx="0">
+            <a:schemeClr val="accent1"/>
+          </a:effectRef>
+          <a:fontRef idx="minor">
+            <a:schemeClr val="lt1"/>
+          </a:fontRef>
+        </p:style>
+        <p:txBody>
+          <a:bodyPr rtlCol="0" anchor="ctr"/>
+          <a:lstStyle/>
+          <a:p>
+            <a:pPr algn="ctr"/>
+            <a:r>
+              <a:rPr lang="en-GB" dirty="0" smtClean="0"/>
+              <a:t>key</a:t>
+            </a:r>
+            <a:endParaRPr lang="en-GB" dirty="0"/>
+          </a:p>
+        </p:txBody>
+      </p:sp>
+      <p:grpSp>
+        <p:nvGrpSpPr>
+          <p:cNvPr id="34" name="Group 33"/>
+          <p:cNvGrpSpPr/>
+          <p:nvPr/>
+        </p:nvGrpSpPr>
+        <p:grpSpPr>
+          <a:xfrm>
+            <a:off x="1764542" y="2735523"/>
+            <a:ext cx="8995582" cy="3584681"/>
+            <a:chOff x="1276555" y="3103022"/>
+            <a:chExt cx="8995582" cy="3584681"/>
+          </a:xfrm>
+        </p:grpSpPr>
+        <p:sp>
+          <p:nvSpPr>
+            <p:cNvPr id="5" name="Rounded Rectangle 4"/>
+            <p:cNvSpPr/>
+            <p:nvPr/>
+          </p:nvSpPr>
+          <p:spPr>
+            <a:xfrm>
+              <a:off x="1276555" y="3103022"/>
+              <a:ext cx="8995582" cy="3546076"/>
+            </a:xfrm>
+            <a:prstGeom prst="roundRect">
+              <a:avLst/>
+            </a:prstGeom>
+            <a:solidFill>
+              <a:schemeClr val="bg1"/>
+            </a:solidFill>
+          </p:spPr>
+          <p:style>
+            <a:lnRef idx="2">
+              <a:schemeClr val="accent1">
+                <a:shade val="50000"/>
+              </a:schemeClr>
+            </a:lnRef>
+            <a:fillRef idx="1">
+              <a:schemeClr val="accent1"/>
+            </a:fillRef>
+            <a:effectRef idx="0">
+              <a:schemeClr val="accent1"/>
+            </a:effectRef>
+            <a:fontRef idx="minor">
+              <a:schemeClr val="lt1"/>
+            </a:fontRef>
+          </p:style>
+          <p:txBody>
+            <a:bodyPr rtlCol="0" anchor="ctr"/>
+            <a:lstStyle/>
+            <a:p>
+              <a:pPr algn="ctr"/>
+              <a:endParaRPr lang="en-GB"/>
+            </a:p>
+          </p:txBody>
+        </p:sp>
+        <p:sp>
+          <p:nvSpPr>
+            <p:cNvPr id="18" name="Oval 17"/>
+            <p:cNvSpPr/>
+            <p:nvPr/>
+          </p:nvSpPr>
+          <p:spPr>
+            <a:xfrm>
+              <a:off x="3989902" y="3443606"/>
+              <a:ext cx="1431682" cy="1398045"/>
+            </a:xfrm>
+            <a:prstGeom prst="ellipse">
+              <a:avLst/>
+            </a:prstGeom>
+          </p:spPr>
+          <p:style>
+            <a:lnRef idx="2">
+              <a:schemeClr val="accent4">
+                <a:shade val="50000"/>
+              </a:schemeClr>
+            </a:lnRef>
+            <a:fillRef idx="1">
+              <a:schemeClr val="accent4"/>
+            </a:fillRef>
+            <a:effectRef idx="0">
+              <a:schemeClr val="accent4"/>
+            </a:effectRef>
+            <a:fontRef idx="minor">
+              <a:schemeClr val="lt1"/>
+            </a:fontRef>
+          </p:style>
+          <p:txBody>
+            <a:bodyPr rtlCol="0" anchor="ctr"/>
+            <a:lstStyle/>
+            <a:p>
+              <a:pPr algn="ctr"/>
+              <a:endParaRPr lang="en-GB"/>
+            </a:p>
+          </p:txBody>
+        </p:sp>
+        <p:sp>
+          <p:nvSpPr>
+            <p:cNvPr id="19" name="Oval 18"/>
+            <p:cNvSpPr/>
+            <p:nvPr/>
+          </p:nvSpPr>
+          <p:spPr>
+            <a:xfrm>
+              <a:off x="6134622" y="5408364"/>
+              <a:ext cx="1228556" cy="1150663"/>
+            </a:xfrm>
+            <a:prstGeom prst="ellipse">
+              <a:avLst/>
+            </a:prstGeom>
+          </p:spPr>
+          <p:style>
+            <a:lnRef idx="2">
+              <a:schemeClr val="accent4">
+                <a:shade val="50000"/>
+              </a:schemeClr>
+            </a:lnRef>
+            <a:fillRef idx="1">
+              <a:schemeClr val="accent4"/>
+            </a:fillRef>
+            <a:effectRef idx="0">
+              <a:schemeClr val="accent4"/>
+            </a:effectRef>
+            <a:fontRef idx="minor">
+              <a:schemeClr val="lt1"/>
+            </a:fontRef>
+          </p:style>
+          <p:txBody>
+            <a:bodyPr rtlCol="0" anchor="ctr"/>
+            <a:lstStyle/>
+            <a:p>
+              <a:pPr algn="ctr"/>
+              <a:endParaRPr lang="en-GB"/>
+            </a:p>
+          </p:txBody>
+        </p:sp>
+        <p:sp>
+          <p:nvSpPr>
+            <p:cNvPr id="22" name="Oval 21"/>
+            <p:cNvSpPr/>
+            <p:nvPr/>
+          </p:nvSpPr>
+          <p:spPr>
+            <a:xfrm>
+              <a:off x="8436984" y="3330070"/>
+              <a:ext cx="1228556" cy="1150663"/>
+            </a:xfrm>
+            <a:prstGeom prst="ellipse">
+              <a:avLst/>
+            </a:prstGeom>
+          </p:spPr>
+          <p:style>
+            <a:lnRef idx="2">
+              <a:schemeClr val="accent4">
+                <a:shade val="50000"/>
+              </a:schemeClr>
+            </a:lnRef>
+            <a:fillRef idx="1">
+              <a:schemeClr val="accent4"/>
+            </a:fillRef>
+            <a:effectRef idx="0">
+              <a:schemeClr val="accent4"/>
+            </a:effectRef>
+            <a:fontRef idx="minor">
+              <a:schemeClr val="lt1"/>
+            </a:fontRef>
+          </p:style>
+          <p:txBody>
+            <a:bodyPr rtlCol="0" anchor="ctr"/>
+            <a:lstStyle/>
+            <a:p>
+              <a:pPr algn="ctr"/>
+              <a:endParaRPr lang="en-GB"/>
+            </a:p>
+          </p:txBody>
+        </p:sp>
+        <p:sp>
+          <p:nvSpPr>
+            <p:cNvPr id="24" name="Oval 23"/>
+            <p:cNvSpPr/>
+            <p:nvPr/>
+          </p:nvSpPr>
+          <p:spPr>
+            <a:xfrm>
+              <a:off x="8495704" y="5349139"/>
+              <a:ext cx="1252485" cy="1190310"/>
+            </a:xfrm>
+            <a:prstGeom prst="ellipse">
+              <a:avLst/>
+            </a:prstGeom>
+          </p:spPr>
+          <p:style>
+            <a:lnRef idx="2">
+              <a:schemeClr val="accent2">
+                <a:shade val="50000"/>
+              </a:schemeClr>
+            </a:lnRef>
+            <a:fillRef idx="1">
+              <a:schemeClr val="accent2"/>
+            </a:fillRef>
+            <a:effectRef idx="0">
+              <a:schemeClr val="accent2"/>
+            </a:effectRef>
+            <a:fontRef idx="minor">
+              <a:schemeClr val="lt1"/>
+            </a:fontRef>
+          </p:style>
+          <p:txBody>
+            <a:bodyPr rtlCol="0" anchor="ctr"/>
+            <a:lstStyle/>
+            <a:p>
+              <a:pPr algn="ctr"/>
+              <a:endParaRPr lang="en-GB"/>
+            </a:p>
+          </p:txBody>
+        </p:sp>
+        <p:sp>
+          <p:nvSpPr>
+            <p:cNvPr id="26" name="Rectangle 25"/>
+            <p:cNvSpPr/>
+            <p:nvPr/>
+          </p:nvSpPr>
+          <p:spPr>
+            <a:xfrm>
+              <a:off x="3966370" y="5387244"/>
+              <a:ext cx="1562240" cy="87597"/>
+            </a:xfrm>
+            <a:prstGeom prst="rect">
+              <a:avLst/>
+            </a:prstGeom>
+          </p:spPr>
+          <p:style>
+            <a:lnRef idx="2">
+              <a:schemeClr val="dk1">
+                <a:shade val="50000"/>
+              </a:schemeClr>
+            </a:lnRef>
+            <a:fillRef idx="1">
+              <a:schemeClr val="dk1"/>
+            </a:fillRef>
+            <a:effectRef idx="0">
+              <a:schemeClr val="dk1"/>
+            </a:effectRef>
+            <a:fontRef idx="minor">
+              <a:schemeClr val="lt1"/>
+            </a:fontRef>
+          </p:style>
+          <p:txBody>
+            <a:bodyPr rtlCol="0" anchor="ctr"/>
+            <a:lstStyle/>
+            <a:p>
+              <a:pPr algn="ctr"/>
+              <a:endParaRPr lang="en-GB"/>
+            </a:p>
+          </p:txBody>
+        </p:sp>
+        <p:sp>
+          <p:nvSpPr>
+            <p:cNvPr id="27" name="Oval 26"/>
+            <p:cNvSpPr/>
+            <p:nvPr/>
+          </p:nvSpPr>
+          <p:spPr>
+            <a:xfrm>
+              <a:off x="1467514" y="5408364"/>
+              <a:ext cx="1098183" cy="1085951"/>
+            </a:xfrm>
+            <a:prstGeom prst="ellipse">
+              <a:avLst/>
+            </a:prstGeom>
+          </p:spPr>
+          <p:style>
+            <a:lnRef idx="2">
+              <a:schemeClr val="accent2">
+                <a:shade val="50000"/>
+              </a:schemeClr>
+            </a:lnRef>
+            <a:fillRef idx="1">
+              <a:schemeClr val="accent2"/>
+            </a:fillRef>
+            <a:effectRef idx="0">
+              <a:schemeClr val="accent2"/>
+            </a:effectRef>
+            <a:fontRef idx="minor">
+              <a:schemeClr val="lt1"/>
+            </a:fontRef>
+          </p:style>
+          <p:txBody>
+            <a:bodyPr rtlCol="0" anchor="ctr"/>
+            <a:lstStyle/>
+            <a:p>
+              <a:pPr algn="ctr"/>
+              <a:endParaRPr lang="en-GB"/>
+            </a:p>
+          </p:txBody>
+        </p:sp>
+        <p:sp>
+          <p:nvSpPr>
+            <p:cNvPr id="21" name="Rectangle 20"/>
+            <p:cNvSpPr/>
+            <p:nvPr/>
+          </p:nvSpPr>
+          <p:spPr>
+            <a:xfrm>
+              <a:off x="5705492" y="3141627"/>
+              <a:ext cx="68854" cy="3546076"/>
+            </a:xfrm>
+            <a:prstGeom prst="rect">
+              <a:avLst/>
+            </a:prstGeom>
+          </p:spPr>
+          <p:style>
+            <a:lnRef idx="2">
+              <a:schemeClr val="dk1">
+                <a:shade val="50000"/>
+              </a:schemeClr>
+            </a:lnRef>
+            <a:fillRef idx="1">
+              <a:schemeClr val="dk1"/>
+            </a:fillRef>
+            <a:effectRef idx="0">
+              <a:schemeClr val="dk1"/>
+            </a:effectRef>
+            <a:fontRef idx="minor">
+              <a:schemeClr val="lt1"/>
+            </a:fontRef>
+          </p:style>
+          <p:txBody>
+            <a:bodyPr rtlCol="0" anchor="ctr"/>
+            <a:lstStyle/>
+            <a:p>
+              <a:pPr algn="ctr"/>
+              <a:endParaRPr lang="en-GB"/>
+            </a:p>
+          </p:txBody>
+        </p:sp>
+      </p:grpSp>
+      <p:sp>
+        <p:nvSpPr>
+          <p:cNvPr id="7" name="Rectangle 6"/>
+          <p:cNvSpPr/>
+          <p:nvPr/>
+        </p:nvSpPr>
+        <p:spPr>
+          <a:xfrm>
+            <a:off x="4421452" y="3788799"/>
+            <a:ext cx="448887" cy="562494"/>
+          </a:xfrm>
+          <a:prstGeom prst="rect">
+            <a:avLst/>
+          </a:prstGeom>
+        </p:spPr>
+        <p:style>
+          <a:lnRef idx="2">
+            <a:schemeClr val="accent1">
+              <a:shade val="50000"/>
+            </a:schemeClr>
+          </a:lnRef>
+          <a:fillRef idx="1">
+            <a:schemeClr val="accent1"/>
+          </a:fillRef>
+          <a:effectRef idx="0">
+            <a:schemeClr val="accent1"/>
+          </a:effectRef>
+          <a:fontRef idx="minor">
+            <a:schemeClr val="lt1"/>
+          </a:fontRef>
+        </p:style>
+        <p:txBody>
+          <a:bodyPr rtlCol="0" anchor="ctr"/>
+          <a:lstStyle/>
+          <a:p>
+            <a:pPr algn="ctr"/>
+            <a:endParaRPr lang="en-GB"/>
+          </a:p>
+        </p:txBody>
+      </p:sp>
+    </p:spTree>
+    <p:extLst>
+      <p:ext uri="{BB962C8B-B14F-4D97-AF65-F5344CB8AC3E}">
+        <p14:creationId xmlns:p14="http://schemas.microsoft.com/office/powerpoint/2010/main" val="4129904300"/>
+      </p:ext>
+    </p:extLst>
+  </p:cSld>
+  <p:clrMapOvr>
+    <a:masterClrMapping/>
+  </p:clrMapOvr>
+  <p:timing>
+    <p:tnLst>
+      <p:par>
+        <p:cTn id="1" dur="indefinite" restart="never" nodeType="tmRoot">
+          <p:childTnLst>
+            <p:seq concurrent="1" nextAc="seek">
+              <p:cTn id="2" dur="indefinite" nodeType="mainSeq">
+                <p:childTnLst>
+                  <p:par>
+                    <p:cTn id="3" fill="hold">
+                      <p:stCondLst>
+                        <p:cond delay="indefinite"/>
+                      </p:stCondLst>
+                      <p:childTnLst>
+                        <p:par>
+                          <p:cTn id="4" fill="hold">
+                            <p:stCondLst>
+                              <p:cond delay="0"/>
+                            </p:stCondLst>
+                            <p:childTnLst>
+                              <p:par>
+                                <p:cTn id="5" presetID="0" presetClass="path" presetSubtype="0" accel="50000" decel="50000" fill="hold" grpId="0" nodeType="clickEffect">
+                                  <p:stCondLst>
+                                    <p:cond delay="0"/>
+                                  </p:stCondLst>
+                                  <p:childTnLst>
+                                    <p:animMotion origin="layout" path="M 4.16667E-7 1.48148E-6 L 4.16667E-7 0.00023 C -0.00169 -0.00208 -0.00339 -0.00394 -0.00482 -0.00602 C -0.01341 -0.01945 -0.00781 -0.01412 -0.0151 -0.02199 C -0.01992 -0.02732 -0.02083 -0.02778 -0.02669 -0.03148 C -0.02865 -0.03287 -0.03086 -0.0338 -0.03281 -0.03519 C -0.04518 -0.04468 -0.02227 -0.03148 -0.04297 -0.04375 C -0.04479 -0.04468 -0.04661 -0.04537 -0.04844 -0.04607 C -0.05052 -0.04699 -0.0526 -0.04792 -0.05456 -0.04861 C -0.05664 -0.04908 -0.05872 -0.04931 -0.06081 -0.04977 C -0.07148 -0.05208 -0.05846 -0.05023 -0.07643 -0.05208 C -0.08138 -0.05185 -0.08646 -0.05162 -0.09141 -0.05093 C -0.09232 -0.05093 -0.09648 -0.04908 -0.09753 -0.04861 C -0.09831 -0.04815 -0.09896 -0.04769 -0.09961 -0.04746 C -0.10143 -0.04653 -0.10339 -0.04653 -0.10508 -0.04491 C -0.10599 -0.04421 -0.1069 -0.04329 -0.10781 -0.04259 C -0.10964 -0.04121 -0.1112 -0.04074 -0.11328 -0.04005 C -0.11367 -0.03935 -0.11406 -0.0382 -0.11458 -0.03773 C -0.1168 -0.03519 -0.11836 -0.03496 -0.1207 -0.03287 C -0.12604 -0.02801 -0.11966 -0.03218 -0.12487 -0.02917 C -0.12721 -0.02477 -0.12513 -0.02824 -0.12891 -0.02431 C -0.13568 -0.01736 -0.12552 -0.02685 -0.13372 -0.01945 C -0.13685 -0.01389 -0.13281 -0.0206 -0.13776 -0.01458 C -0.14154 -0.01019 -0.13646 -0.01389 -0.14115 -0.01088 C -0.14167 -0.01019 -0.14219 -0.00949 -0.14258 -0.00857 C -0.1431 -0.00741 -0.14336 -0.00579 -0.14388 -0.00486 C -0.14466 -0.00371 -0.1457 -0.00324 -0.14661 -0.00255 C -0.1487 0.00301 -0.1474 1.48148E-6 -0.15078 0.00602 C -0.15117 0.00671 -0.15156 0.00787 -0.15208 0.00833 C -0.15456 0.01134 -0.15703 0.01412 -0.15898 0.01805 C -0.15951 0.01921 -0.15977 0.0206 -0.16029 0.02176 C -0.16094 0.02338 -0.16172 0.025 -0.16237 0.02662 C -0.16276 0.02778 -0.16315 0.02917 -0.16367 0.03032 C -0.16589 0.03518 -0.16432 0.02986 -0.16641 0.03634 C -0.16693 0.03796 -0.16719 0.03958 -0.16784 0.0412 C -0.16966 0.04629 -0.16888 0.04051 -0.17057 0.04722 C -0.17109 0.04954 -0.17122 0.05208 -0.17188 0.0544 C -0.17604 0.06921 -0.1707 0.05092 -0.17461 0.06296 C -0.17813 0.07384 -0.17396 0.0625 -0.17734 0.07153 C -0.17773 0.07384 -0.17773 0.07685 -0.17865 0.0787 L -0.18216 0.08472 C -0.18229 0.08611 -0.18242 0.08727 -0.18281 0.08842 C -0.18359 0.09097 -0.18555 0.0956 -0.18555 0.09583 C -0.18737 0.10856 -0.1849 0.09352 -0.1875 0.10417 C -0.18815 0.10648 -0.18815 0.10926 -0.18893 0.11134 C -0.18932 0.11273 -0.18997 0.11389 -0.19023 0.11504 C -0.19063 0.1162 -0.19076 0.11759 -0.19102 0.11875 C -0.19141 0.12083 -0.1918 0.12292 -0.19232 0.12477 C -0.19271 0.12639 -0.19336 0.12801 -0.19375 0.12963 C -0.19401 0.13125 -0.19388 0.1331 -0.1944 0.13449 C -0.19492 0.13588 -0.1957 0.1368 -0.19648 0.13819 C -0.19688 0.14004 -0.1974 0.14213 -0.19779 0.14421 C -0.19805 0.14537 -0.19818 0.14676 -0.19844 0.14792 C -0.19922 0.15046 -0.20065 0.15231 -0.20117 0.15509 C -0.20273 0.16366 -0.20065 0.15301 -0.20326 0.16366 C -0.20352 0.16481 -0.20365 0.16597 -0.20391 0.16713 C -0.2043 0.16852 -0.20495 0.16944 -0.20534 0.17083 C -0.20586 0.17268 -0.20638 0.17754 -0.20664 0.1794 C -0.2069 0.18055 -0.20716 0.18171 -0.20729 0.18287 C -0.20755 0.18449 -0.20781 0.18611 -0.20807 0.18773 C -0.2082 0.18912 -0.20846 0.19028 -0.20872 0.19143 C -0.20898 0.19352 -0.20911 0.1956 -0.20938 0.19745 C -0.20977 0.20046 -0.21003 0.20116 -0.21068 0.2037 L -0.20938 0.20231 " pathEditMode="relative" rAng="0" ptsTypes="AAAAAAAAAAAAAAAAAAAAAAAAAAAAAAAAAAAAAAAAAAAAAAAAAAAAAAAAAAAAAAAA">
+                                      <p:cBhvr>
+                                        <p:cTn id="6" dur="2000" fill="hold"/>
+                                        <p:tgtEl>
+                                          <p:spTgt spid="7"/>
+                                        </p:tgtEl>
+                                        <p:attrNameLst>
+                                          <p:attrName>ppt_x</p:attrName>
+                                          <p:attrName>ppt_y</p:attrName>
+                                        </p:attrNameLst>
+                                      </p:cBhvr>
+                                      <p:rCtr x="-10534" y="7569"/>
+                                    </p:animMotion>
+                                  </p:childTnLst>
+                                </p:cTn>
+                              </p:par>
+                            </p:childTnLst>
+                          </p:cTn>
+                        </p:par>
+                      </p:childTnLst>
+                    </p:cTn>
+                  </p:par>
+                  <p:par>
+                    <p:cTn id="7" fill="hold">
+                      <p:stCondLst>
+                        <p:cond delay="indefinite"/>
+                      </p:stCondLst>
+                      <p:childTnLst>
+                        <p:par>
+                          <p:cTn id="8" fill="hold">
+                            <p:stCondLst>
+                              <p:cond delay="0"/>
+                            </p:stCondLst>
+                            <p:childTnLst>
+                              <p:par>
+                                <p:cTn id="9" presetID="10" presetClass="exit" presetSubtype="0" fill="hold" nodeType="clickEffect">
+                                  <p:stCondLst>
+                                    <p:cond delay="0"/>
+                                  </p:stCondLst>
+                                  <p:childTnLst>
+                                    <p:animEffect transition="out" filter="fade">
+                                      <p:cBhvr>
+                                        <p:cTn id="10" dur="500"/>
+                                        <p:tgtEl>
+                                          <p:spTgt spid="34"/>
+                                        </p:tgtEl>
+                                      </p:cBhvr>
+                                    </p:animEffect>
+                                    <p:set>
+                                      <p:cBhvr>
+                                        <p:cTn id="11" dur="1" fill="hold">
+                                          <p:stCondLst>
+                                            <p:cond delay="499"/>
+                                          </p:stCondLst>
+                                        </p:cTn>
+                                        <p:tgtEl>
+                                          <p:spTgt spid="34"/>
+                                        </p:tgtEl>
+                                        <p:attrNameLst>
+                                          <p:attrName>style.visibility</p:attrName>
+                                        </p:attrNameLst>
+                                      </p:cBhvr>
+                                      <p:to>
+                                        <p:strVal val="hidden"/>
+                                      </p:to>
+                                    </p:set>
+                                  </p:childTnLst>
+                                </p:cTn>
+                              </p:par>
+                            </p:childTnLst>
+                          </p:cTn>
+                        </p:par>
+                      </p:childTnLst>
+                    </p:cTn>
+                  </p:par>
+                  <p:par>
+                    <p:cTn id="12" fill="hold">
+                      <p:stCondLst>
+                        <p:cond delay="indefinite"/>
+                      </p:stCondLst>
+                      <p:childTnLst>
+                        <p:par>
+                          <p:cTn id="13" fill="hold">
+                            <p:stCondLst>
+                              <p:cond delay="0"/>
+                            </p:stCondLst>
+                            <p:childTnLst>
+                              <p:par>
+                                <p:cTn id="14" presetID="6" presetClass="emph" presetSubtype="0" fill="hold" nodeType="clickEffect">
+                                  <p:stCondLst>
+                                    <p:cond delay="0"/>
+                                  </p:stCondLst>
+                                  <p:childTnLst>
+                                    <p:animScale>
+                                      <p:cBhvr>
+                                        <p:cTn id="15" dur="2000" fill="hold"/>
+                                        <p:tgtEl>
+                                          <p:spTgt spid="33"/>
+                                        </p:tgtEl>
+                                      </p:cBhvr>
+                                      <p:by x="125000" y="125000"/>
+                                    </p:animScale>
+                                  </p:childTnLst>
+                                </p:cTn>
+                              </p:par>
+                            </p:childTnLst>
+                          </p:cTn>
+                        </p:par>
+                      </p:childTnLst>
+                    </p:cTn>
+                  </p:par>
+                </p:childTnLst>
+              </p:cTn>
+              <p:prevCondLst>
+                <p:cond evt="onPrev" delay="0">
+                  <p:tgtEl>
+                    <p:sldTgt/>
+                  </p:tgtEl>
+                </p:cond>
+              </p:prevCondLst>
+              <p:nextCondLst>
+                <p:cond evt="onNext" delay="0">
+                  <p:tgtEl>
+                    <p:sldTgt/>
+                  </p:tgtEl>
+                </p:cond>
+              </p:nextCondLst>
+            </p:seq>
+          </p:childTnLst>
+        </p:cTn>
+      </p:par>
+    </p:tnLst>
+    <p:bldLst>
+      <p:bldP spid="7" grpId="0" animBg="1"/>
+    </p:bldLst>
+  </p:timing>
+</p:sld>
+</file>
+
+<file path=ppt/slides/slide3.xml><?xml version="1.0" encoding="utf-8"?>
+<p:sld xmlns:a="http://schemas.openxmlformats.org/drawingml/2006/main" xmlns:r="http://schemas.openxmlformats.org/officeDocument/2006/relationships" xmlns:p="http://schemas.openxmlformats.org/presentationml/2006/main">
+  <p:cSld>
+    <p:spTree>
+      <p:nvGrpSpPr>
+        <p:cNvPr id="1" name=""/>
+        <p:cNvGrpSpPr/>
+        <p:nvPr/>
+      </p:nvGrpSpPr>
+      <p:grpSpPr>
+        <a:xfrm>
+          <a:off x="0" y="0"/>
+          <a:ext cx="0" cy="0"/>
+          <a:chOff x="0" y="0"/>
+          <a:chExt cx="0" cy="0"/>
+        </a:xfrm>
+      </p:grpSpPr>
+      <p:grpSp>
+        <p:nvGrpSpPr>
+          <p:cNvPr id="4" name="Group 3"/>
+          <p:cNvGrpSpPr/>
+          <p:nvPr/>
+        </p:nvGrpSpPr>
+        <p:grpSpPr>
+          <a:xfrm>
+            <a:off x="975823" y="2383123"/>
+            <a:ext cx="9528504" cy="3594370"/>
+            <a:chOff x="1543302" y="175585"/>
+            <a:chExt cx="7970616" cy="2656942"/>
+          </a:xfrm>
+        </p:grpSpPr>
+        <p:sp>
+          <p:nvSpPr>
+            <p:cNvPr id="5" name="Rounded Rectangle 4"/>
+            <p:cNvSpPr/>
+            <p:nvPr/>
+          </p:nvSpPr>
+          <p:spPr>
+            <a:xfrm>
+              <a:off x="1543302" y="175585"/>
+              <a:ext cx="7970616" cy="2656942"/>
+            </a:xfrm>
+            <a:prstGeom prst="roundRect">
+              <a:avLst/>
+            </a:prstGeom>
+            <a:solidFill>
+              <a:schemeClr val="bg1"/>
+            </a:solidFill>
+          </p:spPr>
+          <p:style>
+            <a:lnRef idx="2">
+              <a:schemeClr val="accent1">
+                <a:shade val="50000"/>
+              </a:schemeClr>
+            </a:lnRef>
+            <a:fillRef idx="1">
+              <a:schemeClr val="accent1"/>
+            </a:fillRef>
+            <a:effectRef idx="0">
+              <a:schemeClr val="accent1"/>
+            </a:effectRef>
+            <a:fontRef idx="minor">
+              <a:schemeClr val="lt1"/>
+            </a:fontRef>
+          </p:style>
+          <p:txBody>
+            <a:bodyPr rtlCol="0" anchor="ctr"/>
+            <a:lstStyle/>
+            <a:p>
+              <a:pPr algn="ctr"/>
+              <a:endParaRPr lang="en-GB"/>
+            </a:p>
+          </p:txBody>
+        </p:sp>
+        <p:sp>
+          <p:nvSpPr>
+            <p:cNvPr id="6" name="Oval 5"/>
+            <p:cNvSpPr/>
+            <p:nvPr/>
+          </p:nvSpPr>
+          <p:spPr>
+            <a:xfrm>
+              <a:off x="1748236" y="1928553"/>
+              <a:ext cx="817461" cy="774678"/>
+            </a:xfrm>
+            <a:prstGeom prst="ellipse">
+              <a:avLst/>
+            </a:prstGeom>
+          </p:spPr>
+          <p:style>
+            <a:lnRef idx="2">
+              <a:schemeClr val="accent4">
+                <a:shade val="50000"/>
+              </a:schemeClr>
+            </a:lnRef>
+            <a:fillRef idx="1">
+              <a:schemeClr val="accent4"/>
+            </a:fillRef>
+            <a:effectRef idx="0">
+              <a:schemeClr val="accent4"/>
+            </a:effectRef>
+            <a:fontRef idx="minor">
+              <a:schemeClr val="lt1"/>
+            </a:fontRef>
+          </p:style>
+          <p:txBody>
+            <a:bodyPr rtlCol="0" anchor="ctr"/>
+            <a:lstStyle/>
+            <a:p>
+              <a:pPr algn="ctr"/>
+              <a:endParaRPr lang="en-GB"/>
+            </a:p>
+          </p:txBody>
+        </p:sp>
+        <p:sp>
+          <p:nvSpPr>
+            <p:cNvPr id="7" name="Rectangle 6"/>
+            <p:cNvSpPr/>
+            <p:nvPr/>
+          </p:nvSpPr>
+          <p:spPr>
+            <a:xfrm>
+              <a:off x="1543302" y="1421476"/>
+              <a:ext cx="3585651" cy="66502"/>
+            </a:xfrm>
+            <a:prstGeom prst="rect">
+              <a:avLst/>
+            </a:prstGeom>
+          </p:spPr>
+          <p:style>
+            <a:lnRef idx="2">
+              <a:schemeClr val="dk1">
+                <a:shade val="50000"/>
+              </a:schemeClr>
+            </a:lnRef>
+            <a:fillRef idx="1">
+              <a:schemeClr val="dk1"/>
+            </a:fillRef>
+            <a:effectRef idx="0">
+              <a:schemeClr val="dk1"/>
+            </a:effectRef>
+            <a:fontRef idx="minor">
+              <a:schemeClr val="lt1"/>
+            </a:fontRef>
+          </p:style>
+          <p:txBody>
+            <a:bodyPr rtlCol="0" anchor="ctr"/>
+            <a:lstStyle/>
+            <a:p>
+              <a:pPr algn="ctr"/>
+              <a:endParaRPr lang="en-GB"/>
+            </a:p>
+          </p:txBody>
+        </p:sp>
+        <p:sp>
+          <p:nvSpPr>
+            <p:cNvPr id="8" name="Rectangle 7"/>
+            <p:cNvSpPr/>
+            <p:nvPr/>
+          </p:nvSpPr>
+          <p:spPr>
+            <a:xfrm>
+              <a:off x="5037513" y="1487978"/>
+              <a:ext cx="91440" cy="1344549"/>
+            </a:xfrm>
+            <a:prstGeom prst="rect">
+              <a:avLst/>
+            </a:prstGeom>
+          </p:spPr>
+          <p:style>
+            <a:lnRef idx="2">
+              <a:schemeClr val="dk1">
+                <a:shade val="50000"/>
+              </a:schemeClr>
+            </a:lnRef>
+            <a:fillRef idx="1">
+              <a:schemeClr val="dk1"/>
+            </a:fillRef>
+            <a:effectRef idx="0">
+              <a:schemeClr val="dk1"/>
+            </a:effectRef>
+            <a:fontRef idx="minor">
+              <a:schemeClr val="lt1"/>
+            </a:fontRef>
+          </p:style>
+          <p:txBody>
+            <a:bodyPr rtlCol="0" anchor="ctr"/>
+            <a:lstStyle/>
+            <a:p>
+              <a:pPr algn="ctr"/>
+              <a:endParaRPr lang="en-GB"/>
+            </a:p>
+          </p:txBody>
+        </p:sp>
+        <p:sp>
+          <p:nvSpPr>
+            <p:cNvPr id="9" name="Oval 8"/>
+            <p:cNvSpPr/>
+            <p:nvPr/>
+          </p:nvSpPr>
+          <p:spPr>
+            <a:xfrm>
+              <a:off x="8304485" y="1952489"/>
+              <a:ext cx="817461" cy="774678"/>
+            </a:xfrm>
+            <a:prstGeom prst="ellipse">
+              <a:avLst/>
+            </a:prstGeom>
+          </p:spPr>
+          <p:style>
+            <a:lnRef idx="2">
+              <a:schemeClr val="accent4">
+                <a:shade val="50000"/>
+              </a:schemeClr>
+            </a:lnRef>
+            <a:fillRef idx="1">
+              <a:schemeClr val="accent4"/>
+            </a:fillRef>
+            <a:effectRef idx="0">
+              <a:schemeClr val="accent4"/>
+            </a:effectRef>
+            <a:fontRef idx="minor">
+              <a:schemeClr val="lt1"/>
+            </a:fontRef>
+          </p:style>
+          <p:txBody>
+            <a:bodyPr rtlCol="0" anchor="ctr"/>
+            <a:lstStyle/>
+            <a:p>
+              <a:pPr algn="ctr"/>
+              <a:endParaRPr lang="en-GB"/>
+            </a:p>
+          </p:txBody>
+        </p:sp>
+        <p:sp>
+          <p:nvSpPr>
+            <p:cNvPr id="10" name="Rectangle 9"/>
+            <p:cNvSpPr/>
+            <p:nvPr/>
+          </p:nvSpPr>
+          <p:spPr>
+            <a:xfrm>
+              <a:off x="7363178" y="191193"/>
+              <a:ext cx="93338" cy="1296785"/>
+            </a:xfrm>
+            <a:prstGeom prst="rect">
+              <a:avLst/>
+            </a:prstGeom>
+          </p:spPr>
+          <p:style>
+            <a:lnRef idx="2">
+              <a:schemeClr val="dk1">
+                <a:shade val="50000"/>
+              </a:schemeClr>
+            </a:lnRef>
+            <a:fillRef idx="1">
+              <a:schemeClr val="dk1"/>
+            </a:fillRef>
+            <a:effectRef idx="0">
+              <a:schemeClr val="dk1"/>
+            </a:effectRef>
+            <a:fontRef idx="minor">
+              <a:schemeClr val="lt1"/>
+            </a:fontRef>
+          </p:style>
+          <p:txBody>
+            <a:bodyPr rtlCol="0" anchor="ctr"/>
+            <a:lstStyle/>
+            <a:p>
+              <a:pPr algn="ctr"/>
+              <a:endParaRPr lang="en-GB"/>
+            </a:p>
+          </p:txBody>
+        </p:sp>
+        <p:sp>
+          <p:nvSpPr>
+            <p:cNvPr id="11" name="Rectangle 10"/>
+            <p:cNvSpPr/>
+            <p:nvPr/>
+          </p:nvSpPr>
+          <p:spPr>
+            <a:xfrm>
+              <a:off x="7363178" y="1487978"/>
+              <a:ext cx="2150740" cy="91440"/>
+            </a:xfrm>
+            <a:prstGeom prst="rect">
+              <a:avLst/>
+            </a:prstGeom>
+          </p:spPr>
+          <p:style>
+            <a:lnRef idx="2">
+              <a:schemeClr val="dk1">
+                <a:shade val="50000"/>
+              </a:schemeClr>
+            </a:lnRef>
+            <a:fillRef idx="1">
+              <a:schemeClr val="dk1"/>
+            </a:fillRef>
+            <a:effectRef idx="0">
+              <a:schemeClr val="dk1"/>
+            </a:effectRef>
+            <a:fontRef idx="minor">
+              <a:schemeClr val="lt1"/>
+            </a:fontRef>
+          </p:style>
+          <p:txBody>
+            <a:bodyPr rtlCol="0" anchor="ctr"/>
+            <a:lstStyle/>
+            <a:p>
+              <a:pPr algn="ctr"/>
+              <a:endParaRPr lang="en-GB"/>
+            </a:p>
+          </p:txBody>
+        </p:sp>
+        <p:sp>
+          <p:nvSpPr>
+            <p:cNvPr id="12" name="Rectangle 11"/>
+            <p:cNvSpPr/>
+            <p:nvPr/>
+          </p:nvSpPr>
+          <p:spPr>
+            <a:xfrm>
+              <a:off x="6246065" y="1454727"/>
+              <a:ext cx="1117113" cy="141978"/>
+            </a:xfrm>
+            <a:prstGeom prst="rect">
+              <a:avLst/>
+            </a:prstGeom>
+          </p:spPr>
+          <p:style>
+            <a:lnRef idx="2">
+              <a:schemeClr val="dk1">
+                <a:shade val="50000"/>
+              </a:schemeClr>
+            </a:lnRef>
+            <a:fillRef idx="1">
+              <a:schemeClr val="dk1"/>
+            </a:fillRef>
+            <a:effectRef idx="0">
+              <a:schemeClr val="dk1"/>
+            </a:effectRef>
+            <a:fontRef idx="minor">
+              <a:schemeClr val="lt1"/>
+            </a:fontRef>
+          </p:style>
+          <p:txBody>
+            <a:bodyPr rtlCol="0" anchor="ctr"/>
+            <a:lstStyle/>
+            <a:p>
+              <a:pPr algn="ctr"/>
+              <a:endParaRPr lang="en-GB"/>
+            </a:p>
+          </p:txBody>
+        </p:sp>
+        <p:sp>
+          <p:nvSpPr>
+            <p:cNvPr id="13" name="Oval 12"/>
+            <p:cNvSpPr/>
+            <p:nvPr/>
+          </p:nvSpPr>
+          <p:spPr>
+            <a:xfrm>
+              <a:off x="8233801" y="495935"/>
+              <a:ext cx="817461" cy="774678"/>
+            </a:xfrm>
+            <a:prstGeom prst="ellipse">
+              <a:avLst/>
+            </a:prstGeom>
+          </p:spPr>
+          <p:style>
+            <a:lnRef idx="2">
+              <a:schemeClr val="accent4">
+                <a:shade val="50000"/>
+              </a:schemeClr>
+            </a:lnRef>
+            <a:fillRef idx="1">
+              <a:schemeClr val="accent4"/>
+            </a:fillRef>
+            <a:effectRef idx="0">
+              <a:schemeClr val="accent4"/>
+            </a:effectRef>
+            <a:fontRef idx="minor">
+              <a:schemeClr val="lt1"/>
+            </a:fontRef>
+          </p:style>
+          <p:txBody>
+            <a:bodyPr rtlCol="0" anchor="ctr"/>
+            <a:lstStyle/>
+            <a:p>
+              <a:pPr algn="ctr"/>
+              <a:endParaRPr lang="en-GB"/>
+            </a:p>
+          </p:txBody>
+        </p:sp>
+        <p:sp>
+          <p:nvSpPr>
+            <p:cNvPr id="14" name="Left Arrow 13"/>
+            <p:cNvSpPr/>
+            <p:nvPr/>
+          </p:nvSpPr>
+          <p:spPr>
+            <a:xfrm>
+              <a:off x="6966065" y="660243"/>
+              <a:ext cx="805079" cy="460610"/>
+            </a:xfrm>
+            <a:prstGeom prst="leftArrow">
+              <a:avLst/>
+            </a:prstGeom>
+          </p:spPr>
+          <p:style>
+            <a:lnRef idx="1">
+              <a:schemeClr val="accent2"/>
+            </a:lnRef>
+            <a:fillRef idx="2">
+              <a:schemeClr val="accent2"/>
+            </a:fillRef>
+            <a:effectRef idx="1">
+              <a:schemeClr val="accent2"/>
+            </a:effectRef>
+            <a:fontRef idx="minor">
+              <a:schemeClr val="dk1"/>
+            </a:fontRef>
+          </p:style>
+          <p:txBody>
+            <a:bodyPr rtlCol="0" anchor="ctr"/>
+            <a:lstStyle/>
+            <a:p>
+              <a:pPr algn="ctr"/>
+              <a:r>
+                <a:rPr lang="en-GB" dirty="0" smtClean="0"/>
+                <a:t>lock</a:t>
+              </a:r>
+              <a:endParaRPr lang="en-GB" dirty="0"/>
+            </a:p>
+          </p:txBody>
+        </p:sp>
+      </p:grpSp>
+      <p:sp>
+        <p:nvSpPr>
+          <p:cNvPr id="15" name="Right Arrow 14"/>
+          <p:cNvSpPr/>
+          <p:nvPr/>
+        </p:nvSpPr>
+        <p:spPr>
+          <a:xfrm>
+            <a:off x="3817535" y="4992427"/>
+            <a:ext cx="879128" cy="496648"/>
+          </a:xfrm>
+          <a:prstGeom prst="rightArrow">
+            <a:avLst/>
+          </a:prstGeom>
+        </p:spPr>
+        <p:style>
+          <a:lnRef idx="2">
+            <a:schemeClr val="accent1">
+              <a:shade val="50000"/>
+            </a:schemeClr>
+          </a:lnRef>
+          <a:fillRef idx="1">
+            <a:schemeClr val="accent1"/>
+          </a:fillRef>
+          <a:effectRef idx="0">
+            <a:schemeClr val="accent1"/>
+          </a:effectRef>
+          <a:fontRef idx="minor">
+            <a:schemeClr val="lt1"/>
+          </a:fontRef>
+        </p:style>
+        <p:txBody>
+          <a:bodyPr rtlCol="0" anchor="ctr"/>
+          <a:lstStyle/>
+          <a:p>
+            <a:pPr algn="ctr"/>
+            <a:r>
+              <a:rPr lang="en-GB" dirty="0" smtClean="0"/>
+              <a:t>key</a:t>
+            </a:r>
+            <a:endParaRPr lang="en-GB" dirty="0"/>
+          </a:p>
+        </p:txBody>
+      </p:sp>
+      <p:grpSp>
+        <p:nvGrpSpPr>
+          <p:cNvPr id="17" name="Group 16"/>
+          <p:cNvGrpSpPr/>
+          <p:nvPr/>
+        </p:nvGrpSpPr>
+        <p:grpSpPr>
+          <a:xfrm>
+            <a:off x="985253" y="2265755"/>
+            <a:ext cx="9509644" cy="3909306"/>
+            <a:chOff x="1276555" y="3103022"/>
+            <a:chExt cx="8995582" cy="3584681"/>
+          </a:xfrm>
+        </p:grpSpPr>
+        <p:sp>
+          <p:nvSpPr>
+            <p:cNvPr id="18" name="Rounded Rectangle 17"/>
+            <p:cNvSpPr/>
+            <p:nvPr/>
+          </p:nvSpPr>
+          <p:spPr>
+            <a:xfrm>
+              <a:off x="1276555" y="3103022"/>
+              <a:ext cx="8995582" cy="3546076"/>
+            </a:xfrm>
+            <a:prstGeom prst="roundRect">
+              <a:avLst/>
+            </a:prstGeom>
+            <a:solidFill>
+              <a:schemeClr val="bg1"/>
+            </a:solidFill>
+          </p:spPr>
+          <p:style>
+            <a:lnRef idx="2">
+              <a:schemeClr val="accent1">
+                <a:shade val="50000"/>
+              </a:schemeClr>
+            </a:lnRef>
+            <a:fillRef idx="1">
+              <a:schemeClr val="accent1"/>
+            </a:fillRef>
+            <a:effectRef idx="0">
+              <a:schemeClr val="accent1"/>
+            </a:effectRef>
+            <a:fontRef idx="minor">
+              <a:schemeClr val="lt1"/>
+            </a:fontRef>
+          </p:style>
+          <p:txBody>
+            <a:bodyPr rtlCol="0" anchor="ctr"/>
+            <a:lstStyle/>
+            <a:p>
+              <a:pPr algn="ctr"/>
+              <a:endParaRPr lang="en-GB"/>
+            </a:p>
+          </p:txBody>
+        </p:sp>
+        <p:sp>
+          <p:nvSpPr>
+            <p:cNvPr id="19" name="Oval 18"/>
+            <p:cNvSpPr/>
+            <p:nvPr/>
+          </p:nvSpPr>
+          <p:spPr>
+            <a:xfrm>
+              <a:off x="3989902" y="3443606"/>
+              <a:ext cx="1431682" cy="1398045"/>
+            </a:xfrm>
+            <a:prstGeom prst="ellipse">
+              <a:avLst/>
+            </a:prstGeom>
+          </p:spPr>
+          <p:style>
+            <a:lnRef idx="2">
+              <a:schemeClr val="accent4">
+                <a:shade val="50000"/>
+              </a:schemeClr>
+            </a:lnRef>
+            <a:fillRef idx="1">
+              <a:schemeClr val="accent4"/>
+            </a:fillRef>
+            <a:effectRef idx="0">
+              <a:schemeClr val="accent4"/>
+            </a:effectRef>
+            <a:fontRef idx="minor">
+              <a:schemeClr val="lt1"/>
+            </a:fontRef>
+          </p:style>
+          <p:txBody>
+            <a:bodyPr rtlCol="0" anchor="ctr"/>
+            <a:lstStyle/>
+            <a:p>
+              <a:pPr algn="ctr"/>
+              <a:endParaRPr lang="en-GB"/>
+            </a:p>
+          </p:txBody>
+        </p:sp>
+        <p:sp>
+          <p:nvSpPr>
+            <p:cNvPr id="20" name="Oval 19"/>
+            <p:cNvSpPr/>
+            <p:nvPr/>
+          </p:nvSpPr>
+          <p:spPr>
+            <a:xfrm>
+              <a:off x="6134622" y="5408364"/>
+              <a:ext cx="1228556" cy="1150663"/>
+            </a:xfrm>
+            <a:prstGeom prst="ellipse">
+              <a:avLst/>
+            </a:prstGeom>
+          </p:spPr>
+          <p:style>
+            <a:lnRef idx="2">
+              <a:schemeClr val="accent4">
+                <a:shade val="50000"/>
+              </a:schemeClr>
+            </a:lnRef>
+            <a:fillRef idx="1">
+              <a:schemeClr val="accent4"/>
+            </a:fillRef>
+            <a:effectRef idx="0">
+              <a:schemeClr val="accent4"/>
+            </a:effectRef>
+            <a:fontRef idx="minor">
+              <a:schemeClr val="lt1"/>
+            </a:fontRef>
+          </p:style>
+          <p:txBody>
+            <a:bodyPr rtlCol="0" anchor="ctr"/>
+            <a:lstStyle/>
+            <a:p>
+              <a:pPr algn="ctr"/>
+              <a:endParaRPr lang="en-GB"/>
+            </a:p>
+          </p:txBody>
+        </p:sp>
+        <p:sp>
+          <p:nvSpPr>
+            <p:cNvPr id="21" name="Oval 20"/>
+            <p:cNvSpPr/>
+            <p:nvPr/>
+          </p:nvSpPr>
+          <p:spPr>
+            <a:xfrm>
+              <a:off x="8436984" y="3330070"/>
+              <a:ext cx="1228556" cy="1150663"/>
+            </a:xfrm>
+            <a:prstGeom prst="ellipse">
+              <a:avLst/>
+            </a:prstGeom>
+          </p:spPr>
+          <p:style>
+            <a:lnRef idx="2">
+              <a:schemeClr val="accent4">
+                <a:shade val="50000"/>
+              </a:schemeClr>
+            </a:lnRef>
+            <a:fillRef idx="1">
+              <a:schemeClr val="accent4"/>
+            </a:fillRef>
+            <a:effectRef idx="0">
+              <a:schemeClr val="accent4"/>
+            </a:effectRef>
+            <a:fontRef idx="minor">
+              <a:schemeClr val="lt1"/>
+            </a:fontRef>
+          </p:style>
+          <p:txBody>
+            <a:bodyPr rtlCol="0" anchor="ctr"/>
+            <a:lstStyle/>
+            <a:p>
+              <a:pPr algn="ctr"/>
+              <a:endParaRPr lang="en-GB"/>
+            </a:p>
+          </p:txBody>
+        </p:sp>
+        <p:sp>
+          <p:nvSpPr>
+            <p:cNvPr id="22" name="Oval 21"/>
+            <p:cNvSpPr/>
+            <p:nvPr/>
+          </p:nvSpPr>
+          <p:spPr>
+            <a:xfrm>
+              <a:off x="8495704" y="5349139"/>
+              <a:ext cx="1252485" cy="1190310"/>
+            </a:xfrm>
+            <a:prstGeom prst="ellipse">
+              <a:avLst/>
+            </a:prstGeom>
+          </p:spPr>
+          <p:style>
+            <a:lnRef idx="2">
+              <a:schemeClr val="accent2">
+                <a:shade val="50000"/>
+              </a:schemeClr>
+            </a:lnRef>
+            <a:fillRef idx="1">
+              <a:schemeClr val="accent2"/>
+            </a:fillRef>
+            <a:effectRef idx="0">
+              <a:schemeClr val="accent2"/>
+            </a:effectRef>
+            <a:fontRef idx="minor">
+              <a:schemeClr val="lt1"/>
+            </a:fontRef>
+          </p:style>
+          <p:txBody>
+            <a:bodyPr rtlCol="0" anchor="ctr"/>
+            <a:lstStyle/>
+            <a:p>
+              <a:pPr algn="ctr"/>
+              <a:endParaRPr lang="en-GB"/>
+            </a:p>
+          </p:txBody>
+        </p:sp>
+        <p:sp>
+          <p:nvSpPr>
+            <p:cNvPr id="23" name="Rectangle 22"/>
+            <p:cNvSpPr/>
+            <p:nvPr/>
+          </p:nvSpPr>
+          <p:spPr>
+            <a:xfrm>
+              <a:off x="3966370" y="5387244"/>
+              <a:ext cx="1562240" cy="87597"/>
+            </a:xfrm>
+            <a:prstGeom prst="rect">
+              <a:avLst/>
+            </a:prstGeom>
+          </p:spPr>
+          <p:style>
+            <a:lnRef idx="2">
+              <a:schemeClr val="dk1">
+                <a:shade val="50000"/>
+              </a:schemeClr>
+            </a:lnRef>
+            <a:fillRef idx="1">
+              <a:schemeClr val="dk1"/>
+            </a:fillRef>
+            <a:effectRef idx="0">
+              <a:schemeClr val="dk1"/>
+            </a:effectRef>
+            <a:fontRef idx="minor">
+              <a:schemeClr val="lt1"/>
+            </a:fontRef>
+          </p:style>
+          <p:txBody>
+            <a:bodyPr rtlCol="0" anchor="ctr"/>
+            <a:lstStyle/>
+            <a:p>
+              <a:pPr algn="ctr"/>
+              <a:endParaRPr lang="en-GB"/>
+            </a:p>
+          </p:txBody>
+        </p:sp>
+        <p:sp>
+          <p:nvSpPr>
+            <p:cNvPr id="24" name="Oval 23"/>
+            <p:cNvSpPr/>
+            <p:nvPr/>
+          </p:nvSpPr>
+          <p:spPr>
+            <a:xfrm>
+              <a:off x="1467514" y="5408364"/>
+              <a:ext cx="1098183" cy="1085951"/>
+            </a:xfrm>
+            <a:prstGeom prst="ellipse">
+              <a:avLst/>
+            </a:prstGeom>
+          </p:spPr>
+          <p:style>
+            <a:lnRef idx="2">
+              <a:schemeClr val="accent2">
+                <a:shade val="50000"/>
+              </a:schemeClr>
+            </a:lnRef>
+            <a:fillRef idx="1">
+              <a:schemeClr val="accent2"/>
+            </a:fillRef>
+            <a:effectRef idx="0">
+              <a:schemeClr val="accent2"/>
+            </a:effectRef>
+            <a:fontRef idx="minor">
+              <a:schemeClr val="lt1"/>
+            </a:fontRef>
+          </p:style>
+          <p:txBody>
+            <a:bodyPr rtlCol="0" anchor="ctr"/>
+            <a:lstStyle/>
+            <a:p>
+              <a:pPr algn="ctr"/>
+              <a:endParaRPr lang="en-GB"/>
+            </a:p>
+          </p:txBody>
+        </p:sp>
+        <p:sp>
+          <p:nvSpPr>
+            <p:cNvPr id="25" name="Rectangle 24"/>
+            <p:cNvSpPr/>
+            <p:nvPr/>
+          </p:nvSpPr>
+          <p:spPr>
+            <a:xfrm>
+              <a:off x="5705492" y="3141627"/>
+              <a:ext cx="68854" cy="3546076"/>
+            </a:xfrm>
+            <a:prstGeom prst="rect">
+              <a:avLst/>
+            </a:prstGeom>
+          </p:spPr>
+          <p:style>
+            <a:lnRef idx="2">
+              <a:schemeClr val="dk1">
+                <a:shade val="50000"/>
+              </a:schemeClr>
+            </a:lnRef>
+            <a:fillRef idx="1">
+              <a:schemeClr val="dk1"/>
+            </a:fillRef>
+            <a:effectRef idx="0">
+              <a:schemeClr val="dk1"/>
+            </a:effectRef>
+            <a:fontRef idx="minor">
+              <a:schemeClr val="lt1"/>
+            </a:fontRef>
+          </p:style>
+          <p:txBody>
+            <a:bodyPr rtlCol="0" anchor="ctr"/>
+            <a:lstStyle/>
+            <a:p>
+              <a:pPr algn="ctr"/>
+              <a:endParaRPr lang="en-GB"/>
+            </a:p>
+          </p:txBody>
+        </p:sp>
+      </p:grpSp>
+      <p:sp>
+        <p:nvSpPr>
+          <p:cNvPr id="16" name="Rectangle 15"/>
+          <p:cNvSpPr/>
+          <p:nvPr/>
+        </p:nvSpPr>
+        <p:spPr>
+          <a:xfrm>
+            <a:off x="1484986" y="4969978"/>
+            <a:ext cx="448887" cy="562494"/>
+          </a:xfrm>
+          <a:prstGeom prst="rect">
+            <a:avLst/>
+          </a:prstGeom>
+        </p:spPr>
+        <p:style>
+          <a:lnRef idx="2">
+            <a:schemeClr val="accent1">
+              <a:shade val="50000"/>
+            </a:schemeClr>
+          </a:lnRef>
+          <a:fillRef idx="1">
+            <a:schemeClr val="accent1"/>
+          </a:fillRef>
+          <a:effectRef idx="0">
+            <a:schemeClr val="accent1"/>
+          </a:effectRef>
+          <a:fontRef idx="minor">
+            <a:schemeClr val="lt1"/>
+          </a:fontRef>
+        </p:style>
+        <p:txBody>
+          <a:bodyPr rtlCol="0" anchor="ctr"/>
+          <a:lstStyle/>
+          <a:p>
+            <a:pPr algn="ctr"/>
+            <a:endParaRPr lang="en-GB"/>
+          </a:p>
+        </p:txBody>
+      </p:sp>
+    </p:spTree>
+    <p:extLst>
+      <p:ext uri="{BB962C8B-B14F-4D97-AF65-F5344CB8AC3E}">
+        <p14:creationId xmlns:p14="http://schemas.microsoft.com/office/powerpoint/2010/main" val="3789721823"/>
+      </p:ext>
+    </p:extLst>
+  </p:cSld>
+  <p:clrMapOvr>
+    <a:masterClrMapping/>
+  </p:clrMapOvr>
+  <p:timing>
+    <p:tnLst>
+      <p:par>
+        <p:cTn id="1" dur="indefinite" restart="never" nodeType="tmRoot">
+          <p:childTnLst>
+            <p:seq concurrent="1" nextAc="seek">
+              <p:cTn id="2" dur="indefinite" nodeType="mainSeq">
+                <p:childTnLst>
+                  <p:par>
+                    <p:cTn id="3" fill="hold">
+                      <p:stCondLst>
+                        <p:cond delay="indefinite"/>
+                      </p:stCondLst>
+                      <p:childTnLst>
+                        <p:par>
+                          <p:cTn id="4" fill="hold">
+                            <p:stCondLst>
+                              <p:cond delay="0"/>
+                            </p:stCondLst>
+                            <p:childTnLst>
+                              <p:par>
+                                <p:cTn id="5" presetID="0" presetClass="path" presetSubtype="0" accel="50000" decel="50000" fill="hold" grpId="0" nodeType="clickEffect">
+                                  <p:stCondLst>
+                                    <p:cond delay="0"/>
+                                  </p:stCondLst>
+                                  <p:childTnLst>
+                                    <p:animMotion origin="layout" path="M 0 0 L 0 0 C 0.01679 -0.00278 0.00247 -0.00069 0.03151 -0.00278 L 0.04778 -0.00393 C 0.07057 -0.00856 0.06067 -0.00694 0.10651 -0.00393 C 0.10885 -0.00393 0.11093 -0.00208 0.11315 -0.00139 C 0.11562 -0.00069 0.1181 -0.00046 0.12057 0 C 0.12265 0.0007 0.12968 0.00394 0.13229 0.00394 C 0.14375 0.00394 0.15534 0.00301 0.16679 0.00255 C 0.17369 0.00093 0.17591 0.0007 0.18372 -0.00278 C 0.18893 -0.00509 0.1845 -0.00324 0.19114 -0.00532 C 0.19231 -0.00578 0.19349 -0.00625 0.19479 -0.00648 C 0.1957 -0.00671 0.19674 -0.00648 0.19778 -0.00648 L 0 0 Z " pathEditMode="relative" ptsTypes="AAAAAAAAAAAAAA">
+                                      <p:cBhvr>
+                                        <p:cTn id="6" dur="2000" fill="hold"/>
+                                        <p:tgtEl>
+                                          <p:spTgt spid="16"/>
+                                        </p:tgtEl>
+                                        <p:attrNameLst>
+                                          <p:attrName>ppt_x</p:attrName>
+                                          <p:attrName>ppt_y</p:attrName>
+                                        </p:attrNameLst>
+                                      </p:cBhvr>
+                                    </p:animMotion>
+                                  </p:childTnLst>
+                                </p:cTn>
+                              </p:par>
+                            </p:childTnLst>
+                          </p:cTn>
+                        </p:par>
+                      </p:childTnLst>
+                    </p:cTn>
+                  </p:par>
+                  <p:par>
+                    <p:cTn id="7" fill="hold">
+                      <p:stCondLst>
+                        <p:cond delay="indefinite"/>
+                      </p:stCondLst>
+                      <p:childTnLst>
+                        <p:par>
+                          <p:cTn id="8" fill="hold">
+                            <p:stCondLst>
+                              <p:cond delay="0"/>
+                            </p:stCondLst>
+                            <p:childTnLst>
+                              <p:par>
+                                <p:cTn id="9" presetID="1" presetClass="exit" presetSubtype="0" fill="hold" grpId="0" nodeType="clickEffect">
+                                  <p:stCondLst>
+                                    <p:cond delay="0"/>
+                                  </p:stCondLst>
+                                  <p:childTnLst>
+                                    <p:set>
+                                      <p:cBhvr>
+                                        <p:cTn id="10" dur="1" fill="hold">
+                                          <p:stCondLst>
+                                            <p:cond delay="0"/>
+                                          </p:stCondLst>
+                                        </p:cTn>
+                                        <p:tgtEl>
+                                          <p:spTgt spid="15"/>
+                                        </p:tgtEl>
+                                        <p:attrNameLst>
+                                          <p:attrName>style.visibility</p:attrName>
+                                        </p:attrNameLst>
+                                      </p:cBhvr>
+                                      <p:to>
+                                        <p:strVal val="hidden"/>
+                                      </p:to>
+                                    </p:set>
+                                  </p:childTnLst>
+                                </p:cTn>
+                              </p:par>
+                            </p:childTnLst>
+                          </p:cTn>
+                        </p:par>
+                      </p:childTnLst>
+                    </p:cTn>
+                  </p:par>
+                  <p:par>
+                    <p:cTn id="11" fill="hold">
+                      <p:stCondLst>
+                        <p:cond delay="indefinite"/>
+                      </p:stCondLst>
+                      <p:childTnLst>
+                        <p:par>
+                          <p:cTn id="12" fill="hold">
+                            <p:stCondLst>
+                              <p:cond delay="0"/>
+                            </p:stCondLst>
+                            <p:childTnLst>
+                              <p:par>
+                                <p:cTn id="13" presetID="10" presetClass="entr" presetSubtype="0" fill="hold" nodeType="clickEffect">
+                                  <p:stCondLst>
+                                    <p:cond delay="0"/>
+                                  </p:stCondLst>
+                                  <p:childTnLst>
+                                    <p:set>
+                                      <p:cBhvr>
+                                        <p:cTn id="14" dur="1" fill="hold">
+                                          <p:stCondLst>
+                                            <p:cond delay="0"/>
+                                          </p:stCondLst>
+                                        </p:cTn>
+                                        <p:tgtEl>
+                                          <p:spTgt spid="17"/>
+                                        </p:tgtEl>
+                                        <p:attrNameLst>
+                                          <p:attrName>style.visibility</p:attrName>
+                                        </p:attrNameLst>
+                                      </p:cBhvr>
+                                      <p:to>
+                                        <p:strVal val="visible"/>
+                                      </p:to>
+                                    </p:set>
+                                    <p:animEffect transition="in" filter="fade">
+                                      <p:cBhvr>
+                                        <p:cTn id="15" dur="500"/>
+                                        <p:tgtEl>
+                                          <p:spTgt spid="17"/>
+                                        </p:tgtEl>
+                                      </p:cBhvr>
+                                    </p:animEffect>
+                                  </p:childTnLst>
+                                </p:cTn>
+                              </p:par>
+                            </p:childTnLst>
+                          </p:cTn>
+                        </p:par>
+                      </p:childTnLst>
+                    </p:cTn>
+                  </p:par>
+                </p:childTnLst>
+              </p:cTn>
+              <p:prevCondLst>
+                <p:cond evt="onPrev" delay="0">
+                  <p:tgtEl>
+                    <p:sldTgt/>
+                  </p:tgtEl>
+                </p:cond>
+              </p:prevCondLst>
+              <p:nextCondLst>
+                <p:cond evt="onNext" delay="0">
+                  <p:tgtEl>
+                    <p:sldTgt/>
+                  </p:tgtEl>
+                </p:cond>
+              </p:nextCondLst>
+            </p:seq>
+          </p:childTnLst>
+        </p:cTn>
+      </p:par>
+    </p:tnLst>
+    <p:bldLst>
+      <p:bldP spid="15" grpId="0" animBg="1"/>
+      <p:bldP spid="16" grpId="0" animBg="1"/>
+    </p:bldLst>
+  </p:timing>
+</p:sld>
+</file>
+
+<file path=ppt/slides/slide4.xml><?xml version="1.0" encoding="utf-8"?>
+<p:sld xmlns:a="http://schemas.openxmlformats.org/drawingml/2006/main" xmlns:r="http://schemas.openxmlformats.org/officeDocument/2006/relationships" xmlns:p="http://schemas.openxmlformats.org/presentationml/2006/main">
+  <p:cSld>
+    <p:spTree>
+      <p:nvGrpSpPr>
+        <p:cNvPr id="1" name=""/>
+        <p:cNvGrpSpPr/>
+        <p:nvPr/>
+      </p:nvGrpSpPr>
+      <p:grpSpPr>
+        <a:xfrm>
+          <a:off x="0" y="0"/>
+          <a:ext cx="0" cy="0"/>
+          <a:chOff x="0" y="0"/>
+          <a:chExt cx="0" cy="0"/>
+        </a:xfrm>
+      </p:grpSpPr>
+      <p:grpSp>
+        <p:nvGrpSpPr>
+          <p:cNvPr id="4" name="Group 3"/>
+          <p:cNvGrpSpPr/>
+          <p:nvPr/>
+        </p:nvGrpSpPr>
+        <p:grpSpPr>
+          <a:xfrm>
+            <a:off x="1084728" y="1703294"/>
+            <a:ext cx="9275697" cy="3620120"/>
+            <a:chOff x="1276555" y="3103022"/>
+            <a:chExt cx="8995582" cy="3584681"/>
+          </a:xfrm>
+        </p:grpSpPr>
+        <p:sp>
+          <p:nvSpPr>
+            <p:cNvPr id="5" name="Rounded Rectangle 4"/>
+            <p:cNvSpPr/>
+            <p:nvPr/>
+          </p:nvSpPr>
+          <p:spPr>
+            <a:xfrm>
+              <a:off x="1276555" y="3103022"/>
+              <a:ext cx="8995582" cy="3546076"/>
+            </a:xfrm>
+            <a:prstGeom prst="roundRect">
+              <a:avLst/>
+            </a:prstGeom>
+            <a:solidFill>
+              <a:schemeClr val="bg1"/>
+            </a:solidFill>
+          </p:spPr>
+          <p:style>
+            <a:lnRef idx="2">
+              <a:schemeClr val="accent1">
+                <a:shade val="50000"/>
+              </a:schemeClr>
+            </a:lnRef>
+            <a:fillRef idx="1">
+              <a:schemeClr val="accent1"/>
+            </a:fillRef>
+            <a:effectRef idx="0">
+              <a:schemeClr val="accent1"/>
+            </a:effectRef>
+            <a:fontRef idx="minor">
+              <a:schemeClr val="lt1"/>
+            </a:fontRef>
+          </p:style>
+          <p:txBody>
+            <a:bodyPr rtlCol="0" anchor="ctr"/>
+            <a:lstStyle/>
+            <a:p>
+              <a:pPr algn="ctr"/>
+              <a:endParaRPr lang="en-GB"/>
+            </a:p>
+          </p:txBody>
+        </p:sp>
+        <p:sp>
+          <p:nvSpPr>
+            <p:cNvPr id="6" name="Oval 5"/>
+            <p:cNvSpPr/>
+            <p:nvPr/>
+          </p:nvSpPr>
+          <p:spPr>
+            <a:xfrm>
+              <a:off x="3989902" y="3443606"/>
+              <a:ext cx="1431682" cy="1398045"/>
+            </a:xfrm>
+            <a:prstGeom prst="ellipse">
+              <a:avLst/>
+            </a:prstGeom>
+          </p:spPr>
+          <p:style>
+            <a:lnRef idx="2">
+              <a:schemeClr val="accent4">
+                <a:shade val="50000"/>
+              </a:schemeClr>
+            </a:lnRef>
+            <a:fillRef idx="1">
+              <a:schemeClr val="accent4"/>
+            </a:fillRef>
+            <a:effectRef idx="0">
+              <a:schemeClr val="accent4"/>
+            </a:effectRef>
+            <a:fontRef idx="minor">
+              <a:schemeClr val="lt1"/>
+            </a:fontRef>
+          </p:style>
+          <p:txBody>
+            <a:bodyPr rtlCol="0" anchor="ctr"/>
+            <a:lstStyle/>
+            <a:p>
+              <a:pPr algn="ctr"/>
+              <a:endParaRPr lang="en-GB"/>
+            </a:p>
+          </p:txBody>
+        </p:sp>
+        <p:sp>
+          <p:nvSpPr>
+            <p:cNvPr id="7" name="Oval 6"/>
+            <p:cNvSpPr/>
+            <p:nvPr/>
+          </p:nvSpPr>
+          <p:spPr>
+            <a:xfrm>
+              <a:off x="6134622" y="5408364"/>
+              <a:ext cx="1228556" cy="1150663"/>
+            </a:xfrm>
+            <a:prstGeom prst="ellipse">
+              <a:avLst/>
+            </a:prstGeom>
+          </p:spPr>
+          <p:style>
+            <a:lnRef idx="2">
+              <a:schemeClr val="accent4">
+                <a:shade val="50000"/>
+              </a:schemeClr>
+            </a:lnRef>
+            <a:fillRef idx="1">
+              <a:schemeClr val="accent4"/>
+            </a:fillRef>
+            <a:effectRef idx="0">
+              <a:schemeClr val="accent4"/>
+            </a:effectRef>
+            <a:fontRef idx="minor">
+              <a:schemeClr val="lt1"/>
+            </a:fontRef>
+          </p:style>
+          <p:txBody>
+            <a:bodyPr rtlCol="0" anchor="ctr"/>
+            <a:lstStyle/>
+            <a:p>
+              <a:pPr algn="ctr"/>
+              <a:endParaRPr lang="en-GB"/>
+            </a:p>
+          </p:txBody>
+        </p:sp>
+        <p:sp>
+          <p:nvSpPr>
+            <p:cNvPr id="8" name="Oval 7"/>
+            <p:cNvSpPr/>
+            <p:nvPr/>
+          </p:nvSpPr>
+          <p:spPr>
+            <a:xfrm>
+              <a:off x="8436984" y="3330070"/>
+              <a:ext cx="1228556" cy="1150663"/>
+            </a:xfrm>
+            <a:prstGeom prst="ellipse">
+              <a:avLst/>
+            </a:prstGeom>
+          </p:spPr>
+          <p:style>
+            <a:lnRef idx="2">
+              <a:schemeClr val="accent4">
+                <a:shade val="50000"/>
+              </a:schemeClr>
+            </a:lnRef>
+            <a:fillRef idx="1">
+              <a:schemeClr val="accent4"/>
+            </a:fillRef>
+            <a:effectRef idx="0">
+              <a:schemeClr val="accent4"/>
+            </a:effectRef>
+            <a:fontRef idx="minor">
+              <a:schemeClr val="lt1"/>
+            </a:fontRef>
+          </p:style>
+          <p:txBody>
+            <a:bodyPr rtlCol="0" anchor="ctr"/>
+            <a:lstStyle/>
+            <a:p>
+              <a:pPr algn="ctr"/>
+              <a:endParaRPr lang="en-GB"/>
+            </a:p>
+          </p:txBody>
+        </p:sp>
+        <p:sp>
+          <p:nvSpPr>
+            <p:cNvPr id="9" name="Oval 8"/>
+            <p:cNvSpPr/>
+            <p:nvPr/>
+          </p:nvSpPr>
+          <p:spPr>
+            <a:xfrm>
+              <a:off x="8495704" y="5349139"/>
+              <a:ext cx="1252485" cy="1190310"/>
+            </a:xfrm>
+            <a:prstGeom prst="ellipse">
+              <a:avLst/>
+            </a:prstGeom>
+          </p:spPr>
+          <p:style>
+            <a:lnRef idx="2">
+              <a:schemeClr val="accent2">
+                <a:shade val="50000"/>
+              </a:schemeClr>
+            </a:lnRef>
+            <a:fillRef idx="1">
+              <a:schemeClr val="accent2"/>
+            </a:fillRef>
+            <a:effectRef idx="0">
+              <a:schemeClr val="accent2"/>
+            </a:effectRef>
+            <a:fontRef idx="minor">
+              <a:schemeClr val="lt1"/>
+            </a:fontRef>
+          </p:style>
+          <p:txBody>
+            <a:bodyPr rtlCol="0" anchor="ctr"/>
+            <a:lstStyle/>
+            <a:p>
+              <a:pPr algn="ctr"/>
+              <a:endParaRPr lang="en-GB"/>
+            </a:p>
+          </p:txBody>
+        </p:sp>
+        <p:sp>
+          <p:nvSpPr>
+            <p:cNvPr id="10" name="Rectangle 9"/>
+            <p:cNvSpPr/>
+            <p:nvPr/>
+          </p:nvSpPr>
+          <p:spPr>
+            <a:xfrm>
+              <a:off x="3966370" y="5387244"/>
+              <a:ext cx="1562240" cy="87597"/>
+            </a:xfrm>
+            <a:prstGeom prst="rect">
+              <a:avLst/>
+            </a:prstGeom>
+          </p:spPr>
+          <p:style>
+            <a:lnRef idx="2">
+              <a:schemeClr val="dk1">
+                <a:shade val="50000"/>
+              </a:schemeClr>
+            </a:lnRef>
+            <a:fillRef idx="1">
+              <a:schemeClr val="dk1"/>
+            </a:fillRef>
+            <a:effectRef idx="0">
+              <a:schemeClr val="dk1"/>
+            </a:effectRef>
+            <a:fontRef idx="minor">
+              <a:schemeClr val="lt1"/>
+            </a:fontRef>
+          </p:style>
+          <p:txBody>
+            <a:bodyPr rtlCol="0" anchor="ctr"/>
+            <a:lstStyle/>
+            <a:p>
+              <a:pPr algn="ctr"/>
+              <a:endParaRPr lang="en-GB"/>
+            </a:p>
+          </p:txBody>
+        </p:sp>
+        <p:sp>
+          <p:nvSpPr>
+            <p:cNvPr id="11" name="Oval 10"/>
+            <p:cNvSpPr/>
+            <p:nvPr/>
+          </p:nvSpPr>
+          <p:spPr>
+            <a:xfrm>
+              <a:off x="1467514" y="5408364"/>
+              <a:ext cx="1098183" cy="1085951"/>
+            </a:xfrm>
+            <a:prstGeom prst="ellipse">
+              <a:avLst/>
+            </a:prstGeom>
+          </p:spPr>
+          <p:style>
+            <a:lnRef idx="2">
+              <a:schemeClr val="accent2">
+                <a:shade val="50000"/>
+              </a:schemeClr>
+            </a:lnRef>
+            <a:fillRef idx="1">
+              <a:schemeClr val="accent2"/>
+            </a:fillRef>
+            <a:effectRef idx="0">
+              <a:schemeClr val="accent2"/>
+            </a:effectRef>
+            <a:fontRef idx="minor">
+              <a:schemeClr val="lt1"/>
+            </a:fontRef>
+          </p:style>
+          <p:txBody>
+            <a:bodyPr rtlCol="0" anchor="ctr"/>
+            <a:lstStyle/>
+            <a:p>
+              <a:pPr algn="ctr"/>
+              <a:endParaRPr lang="en-GB"/>
+            </a:p>
+          </p:txBody>
+        </p:sp>
+        <p:sp>
+          <p:nvSpPr>
+            <p:cNvPr id="12" name="Rectangle 11"/>
+            <p:cNvSpPr/>
+            <p:nvPr/>
+          </p:nvSpPr>
+          <p:spPr>
+            <a:xfrm>
+              <a:off x="5705492" y="3141627"/>
+              <a:ext cx="68854" cy="3546076"/>
+            </a:xfrm>
+            <a:prstGeom prst="rect">
+              <a:avLst/>
+            </a:prstGeom>
+          </p:spPr>
+          <p:style>
+            <a:lnRef idx="2">
+              <a:schemeClr val="dk1">
+                <a:shade val="50000"/>
+              </a:schemeClr>
+            </a:lnRef>
+            <a:fillRef idx="1">
+              <a:schemeClr val="dk1"/>
+            </a:fillRef>
+            <a:effectRef idx="0">
+              <a:schemeClr val="dk1"/>
+            </a:effectRef>
+            <a:fontRef idx="minor">
+              <a:schemeClr val="lt1"/>
+            </a:fontRef>
+          </p:style>
+          <p:txBody>
+            <a:bodyPr rtlCol="0" anchor="ctr"/>
+            <a:lstStyle/>
+            <a:p>
+              <a:pPr algn="ctr"/>
+              <a:endParaRPr lang="en-GB"/>
+            </a:p>
+          </p:txBody>
+        </p:sp>
+      </p:grpSp>
+      <p:grpSp>
+        <p:nvGrpSpPr>
+          <p:cNvPr id="13" name="Group 12"/>
+          <p:cNvGrpSpPr/>
+          <p:nvPr/>
+        </p:nvGrpSpPr>
+        <p:grpSpPr>
+          <a:xfrm>
+            <a:off x="801441" y="1934869"/>
+            <a:ext cx="9842269" cy="3998422"/>
+            <a:chOff x="1133709" y="5961528"/>
+            <a:chExt cx="9842269" cy="3998422"/>
+          </a:xfrm>
+        </p:grpSpPr>
+        <p:sp>
+          <p:nvSpPr>
+            <p:cNvPr id="14" name="Rounded Rectangle 13"/>
+            <p:cNvSpPr/>
+            <p:nvPr/>
+          </p:nvSpPr>
+          <p:spPr>
+            <a:xfrm>
+              <a:off x="1133709" y="5961528"/>
+              <a:ext cx="9842269" cy="3998422"/>
+            </a:xfrm>
+            <a:prstGeom prst="roundRect">
+              <a:avLst/>
+            </a:prstGeom>
+            <a:solidFill>
+              <a:schemeClr val="bg1"/>
+            </a:solidFill>
+          </p:spPr>
+          <p:style>
+            <a:lnRef idx="2">
+              <a:schemeClr val="accent1">
+                <a:shade val="50000"/>
+              </a:schemeClr>
+            </a:lnRef>
+            <a:fillRef idx="1">
+              <a:schemeClr val="accent1"/>
+            </a:fillRef>
+            <a:effectRef idx="0">
+              <a:schemeClr val="accent1"/>
+            </a:effectRef>
+            <a:fontRef idx="minor">
+              <a:schemeClr val="lt1"/>
+            </a:fontRef>
+          </p:style>
+          <p:txBody>
+            <a:bodyPr rtlCol="0" anchor="ctr"/>
+            <a:lstStyle/>
+            <a:p>
+              <a:pPr algn="ctr"/>
+              <a:endParaRPr lang="en-GB"/>
+            </a:p>
+          </p:txBody>
+        </p:sp>
+        <p:sp>
+          <p:nvSpPr>
+            <p:cNvPr id="15" name="Rectangle 14"/>
+            <p:cNvSpPr/>
+            <p:nvPr/>
+          </p:nvSpPr>
+          <p:spPr>
+            <a:xfrm>
+              <a:off x="2466517" y="8455808"/>
+              <a:ext cx="1180407" cy="49876"/>
+            </a:xfrm>
+            <a:prstGeom prst="rect">
+              <a:avLst/>
+            </a:prstGeom>
+          </p:spPr>
+          <p:style>
+            <a:lnRef idx="2">
+              <a:schemeClr val="dk1">
+                <a:shade val="50000"/>
+              </a:schemeClr>
+            </a:lnRef>
+            <a:fillRef idx="1">
+              <a:schemeClr val="dk1"/>
+            </a:fillRef>
+            <a:effectRef idx="0">
+              <a:schemeClr val="dk1"/>
+            </a:effectRef>
+            <a:fontRef idx="minor">
+              <a:schemeClr val="lt1"/>
+            </a:fontRef>
+          </p:style>
+          <p:txBody>
+            <a:bodyPr rtlCol="0" anchor="ctr"/>
+            <a:lstStyle/>
+            <a:p>
+              <a:pPr algn="ctr"/>
+              <a:endParaRPr lang="en-GB"/>
+            </a:p>
+          </p:txBody>
+        </p:sp>
+        <p:sp>
+          <p:nvSpPr>
+            <p:cNvPr id="16" name="Rectangle 15"/>
+            <p:cNvSpPr/>
+            <p:nvPr/>
+          </p:nvSpPr>
+          <p:spPr>
+            <a:xfrm>
+              <a:off x="8576372" y="5961528"/>
+              <a:ext cx="130231" cy="3998422"/>
+            </a:xfrm>
+            <a:prstGeom prst="rect">
+              <a:avLst/>
+            </a:prstGeom>
+          </p:spPr>
+          <p:style>
+            <a:lnRef idx="2">
+              <a:schemeClr val="dk1">
+                <a:shade val="50000"/>
+              </a:schemeClr>
+            </a:lnRef>
+            <a:fillRef idx="1">
+              <a:schemeClr val="dk1"/>
+            </a:fillRef>
+            <a:effectRef idx="0">
+              <a:schemeClr val="dk1"/>
+            </a:effectRef>
+            <a:fontRef idx="minor">
+              <a:schemeClr val="lt1"/>
+            </a:fontRef>
+          </p:style>
+          <p:txBody>
+            <a:bodyPr rtlCol="0" anchor="ctr"/>
+            <a:lstStyle/>
+            <a:p>
+              <a:pPr algn="ctr"/>
+              <a:endParaRPr lang="en-GB"/>
+            </a:p>
+          </p:txBody>
+        </p:sp>
+        <p:sp>
+          <p:nvSpPr>
+            <p:cNvPr id="17" name="Isosceles Triangle 16"/>
+            <p:cNvSpPr/>
+            <p:nvPr/>
+          </p:nvSpPr>
+          <p:spPr>
+            <a:xfrm>
+              <a:off x="9136095" y="8624834"/>
+              <a:ext cx="1255222" cy="944879"/>
+            </a:xfrm>
+            <a:prstGeom prst="triangle">
+              <a:avLst/>
+            </a:prstGeom>
+          </p:spPr>
+          <p:style>
+            <a:lnRef idx="2">
+              <a:schemeClr val="accent6">
+                <a:shade val="50000"/>
+              </a:schemeClr>
+            </a:lnRef>
+            <a:fillRef idx="1">
+              <a:schemeClr val="accent6"/>
+            </a:fillRef>
+            <a:effectRef idx="0">
+              <a:schemeClr val="accent6"/>
+            </a:effectRef>
+            <a:fontRef idx="minor">
+              <a:schemeClr val="lt1"/>
+            </a:fontRef>
+          </p:style>
+          <p:txBody>
+            <a:bodyPr rtlCol="0" anchor="ctr"/>
+            <a:lstStyle/>
+            <a:p>
+              <a:pPr algn="ctr"/>
+              <a:r>
+                <a:rPr lang="en-GB" dirty="0" smtClean="0"/>
+                <a:t>goal</a:t>
+              </a:r>
+              <a:endParaRPr lang="en-GB" dirty="0"/>
+            </a:p>
+          </p:txBody>
+        </p:sp>
+        <p:sp>
+          <p:nvSpPr>
+            <p:cNvPr id="18" name="Rectangle 17"/>
+            <p:cNvSpPr/>
+            <p:nvPr/>
+          </p:nvSpPr>
+          <p:spPr>
+            <a:xfrm>
+              <a:off x="4370132" y="7666099"/>
+              <a:ext cx="1363287" cy="74814"/>
+            </a:xfrm>
+            <a:prstGeom prst="rect">
+              <a:avLst/>
+            </a:prstGeom>
+          </p:spPr>
+          <p:style>
+            <a:lnRef idx="2">
+              <a:schemeClr val="dk1">
+                <a:shade val="50000"/>
+              </a:schemeClr>
+            </a:lnRef>
+            <a:fillRef idx="1">
+              <a:schemeClr val="dk1"/>
+            </a:fillRef>
+            <a:effectRef idx="0">
+              <a:schemeClr val="dk1"/>
+            </a:effectRef>
+            <a:fontRef idx="minor">
+              <a:schemeClr val="lt1"/>
+            </a:fontRef>
+          </p:style>
+          <p:txBody>
+            <a:bodyPr rtlCol="0" anchor="ctr"/>
+            <a:lstStyle/>
+            <a:p>
+              <a:pPr algn="ctr"/>
+              <a:endParaRPr lang="en-GB"/>
+            </a:p>
+          </p:txBody>
+        </p:sp>
+        <p:sp>
+          <p:nvSpPr>
+            <p:cNvPr id="19" name="Oval 18"/>
+            <p:cNvSpPr/>
+            <p:nvPr/>
+          </p:nvSpPr>
+          <p:spPr>
+            <a:xfrm>
+              <a:off x="4370132" y="6427503"/>
+              <a:ext cx="1363287" cy="1155469"/>
+            </a:xfrm>
+            <a:prstGeom prst="ellipse">
+              <a:avLst/>
+            </a:prstGeom>
+          </p:spPr>
+          <p:style>
+            <a:lnRef idx="2">
+              <a:schemeClr val="accent2">
+                <a:shade val="50000"/>
+              </a:schemeClr>
+            </a:lnRef>
+            <a:fillRef idx="1">
+              <a:schemeClr val="accent2"/>
+            </a:fillRef>
+            <a:effectRef idx="0">
+              <a:schemeClr val="accent2"/>
+            </a:effectRef>
+            <a:fontRef idx="minor">
+              <a:schemeClr val="lt1"/>
+            </a:fontRef>
+          </p:style>
+          <p:txBody>
+            <a:bodyPr rtlCol="0" anchor="ctr"/>
+            <a:lstStyle/>
+            <a:p>
+              <a:pPr algn="ctr"/>
+              <a:endParaRPr lang="en-GB"/>
+            </a:p>
+          </p:txBody>
+        </p:sp>
+        <p:sp>
+          <p:nvSpPr>
+            <p:cNvPr id="20" name="Oval 19"/>
+            <p:cNvSpPr/>
+            <p:nvPr/>
+          </p:nvSpPr>
+          <p:spPr>
+            <a:xfrm>
+              <a:off x="6876419" y="8563873"/>
+              <a:ext cx="1363287" cy="1274619"/>
+            </a:xfrm>
+            <a:prstGeom prst="ellipse">
+              <a:avLst/>
+            </a:prstGeom>
+          </p:spPr>
+          <p:style>
+            <a:lnRef idx="2">
+              <a:schemeClr val="accent2">
+                <a:shade val="50000"/>
+              </a:schemeClr>
+            </a:lnRef>
+            <a:fillRef idx="1">
+              <a:schemeClr val="accent2"/>
+            </a:fillRef>
+            <a:effectRef idx="0">
+              <a:schemeClr val="accent2"/>
+            </a:effectRef>
+            <a:fontRef idx="minor">
+              <a:schemeClr val="lt1"/>
+            </a:fontRef>
+          </p:style>
+          <p:txBody>
+            <a:bodyPr rtlCol="0" anchor="ctr"/>
+            <a:lstStyle/>
+            <a:p>
+              <a:pPr algn="ctr"/>
+              <a:endParaRPr lang="en-GB"/>
+            </a:p>
+          </p:txBody>
+        </p:sp>
+        <p:sp>
+          <p:nvSpPr>
+            <p:cNvPr id="21" name="Oval 20"/>
+            <p:cNvSpPr/>
+            <p:nvPr/>
+          </p:nvSpPr>
+          <p:spPr>
+            <a:xfrm>
+              <a:off x="9082062" y="6220690"/>
+              <a:ext cx="1363287" cy="1274619"/>
+            </a:xfrm>
+            <a:prstGeom prst="ellipse">
+              <a:avLst/>
+            </a:prstGeom>
+          </p:spPr>
+          <p:style>
+            <a:lnRef idx="2">
+              <a:schemeClr val="accent2">
+                <a:shade val="50000"/>
+              </a:schemeClr>
+            </a:lnRef>
+            <a:fillRef idx="1">
+              <a:schemeClr val="accent2"/>
+            </a:fillRef>
+            <a:effectRef idx="0">
+              <a:schemeClr val="accent2"/>
+            </a:effectRef>
+            <a:fontRef idx="minor">
+              <a:schemeClr val="lt1"/>
+            </a:fontRef>
+          </p:style>
+          <p:txBody>
+            <a:bodyPr rtlCol="0" anchor="ctr"/>
+            <a:lstStyle/>
+            <a:p>
+              <a:pPr algn="ctr"/>
+              <a:endParaRPr lang="en-GB"/>
+            </a:p>
+          </p:txBody>
+        </p:sp>
+      </p:grpSp>
+      <p:sp>
+        <p:nvSpPr>
+          <p:cNvPr id="22" name="Rectangle 21"/>
+          <p:cNvSpPr/>
+          <p:nvPr/>
+        </p:nvSpPr>
+        <p:spPr>
+          <a:xfrm>
+            <a:off x="1481359" y="4276040"/>
+            <a:ext cx="448887" cy="562494"/>
+          </a:xfrm>
+          <a:prstGeom prst="rect">
+            <a:avLst/>
+          </a:prstGeom>
+        </p:spPr>
+        <p:style>
+          <a:lnRef idx="2">
+            <a:schemeClr val="accent1">
+              <a:shade val="50000"/>
+            </a:schemeClr>
+          </a:lnRef>
+          <a:fillRef idx="1">
+            <a:schemeClr val="accent1"/>
+          </a:fillRef>
+          <a:effectRef idx="0">
+            <a:schemeClr val="accent1"/>
+          </a:effectRef>
+          <a:fontRef idx="minor">
+            <a:schemeClr val="lt1"/>
+          </a:fontRef>
+        </p:style>
+        <p:txBody>
+          <a:bodyPr rtlCol="0" anchor="ctr"/>
+          <a:lstStyle/>
+          <a:p>
+            <a:pPr algn="ctr"/>
+            <a:endParaRPr lang="en-GB"/>
+          </a:p>
+        </p:txBody>
+      </p:sp>
+    </p:spTree>
+    <p:extLst>
+      <p:ext uri="{BB962C8B-B14F-4D97-AF65-F5344CB8AC3E}">
+        <p14:creationId xmlns:p14="http://schemas.microsoft.com/office/powerpoint/2010/main" val="1335994736"/>
+      </p:ext>
+    </p:extLst>
+  </p:cSld>
+  <p:clrMapOvr>
+    <a:masterClrMapping/>
+  </p:clrMapOvr>
+  <p:timing>
+    <p:tnLst>
+      <p:par>
+        <p:cTn id="1" dur="indefinite" restart="never" nodeType="tmRoot">
+          <p:childTnLst>
+            <p:seq concurrent="1" nextAc="seek">
+              <p:cTn id="2" dur="indefinite" nodeType="mainSeq">
+                <p:childTnLst>
+                  <p:par>
+                    <p:cTn id="3" fill="hold">
+                      <p:stCondLst>
+                        <p:cond delay="indefinite"/>
+                      </p:stCondLst>
+                      <p:childTnLst>
+                        <p:par>
+                          <p:cTn id="4" fill="hold">
+                            <p:stCondLst>
+                              <p:cond delay="0"/>
+                            </p:stCondLst>
+                            <p:childTnLst>
+                              <p:par>
+                                <p:cTn id="5" presetID="0" presetClass="path" presetSubtype="0" accel="50000" decel="50000" fill="hold" grpId="0" nodeType="clickEffect">
+                                  <p:stCondLst>
+                                    <p:cond delay="0"/>
+                                  </p:stCondLst>
+                                  <p:childTnLst>
+                                    <p:animMotion origin="layout" path="M 0 0 L 0 0 C 0.00065 -0.00926 0.00091 -0.01852 0.00208 -0.02755 C 0.00247 -0.0301 0.00352 -0.03195 0.0043 -0.03403 C 0.00573 -0.03774 0.00742 -0.04098 0.00872 -0.04468 C 0.01068 -0.04954 0.01185 -0.05533 0.01393 -0.06019 C 0.01563 -0.06413 0.01784 -0.06713 0.01979 -0.07061 C 0.02175 -0.07454 0.02383 -0.07848 0.02565 -0.08241 C 0.02747 -0.08635 0.02891 -0.09075 0.03086 -0.09422 C 0.03255 -0.09769 0.03503 -0.1 0.03672 -0.10348 C 0.04037 -0.11088 0.04323 -0.11945 0.04701 -0.12686 C 0.05638 -0.14561 0.05078 -0.13496 0.06393 -0.15834 C 0.06563 -0.16135 0.06719 -0.16482 0.06901 -0.16737 C 0.07122 -0.17061 0.07357 -0.17338 0.07565 -0.17663 C 0.07721 -0.17894 0.07852 -0.18195 0.08008 -0.1845 C 0.08294 -0.18889 0.08594 -0.19329 0.08893 -0.19746 C 0.0901 -0.19931 0.09115 -0.20163 0.09258 -0.20278 C 0.10534 -0.21413 0.09336 -0.20209 0.10143 -0.2132 C 0.10247 -0.21482 0.10391 -0.21575 0.10508 -0.21713 C 0.10833 -0.22107 0.11159 -0.22477 0.11458 -0.22894 C 0.12044 -0.23658 0.11654 -0.23172 0.12643 -0.24329 C 0.12708 -0.24422 0.12787 -0.24491 0.12865 -0.24584 C 0.12956 -0.24723 0.1306 -0.24862 0.13151 -0.24977 C 0.13229 -0.2507 0.13294 -0.25163 0.13372 -0.25255 C 0.1349 -0.25371 0.1362 -0.25487 0.13737 -0.25649 C 0.13802 -0.25718 0.13841 -0.25834 0.13893 -0.25903 C 0.14063 -0.26135 0.14206 -0.2625 0.14401 -0.26413 C 0.14792 -0.27107 0.1444 -0.26551 0.14922 -0.27084 C 0.15547 -0.27755 0.1513 -0.27477 0.15586 -0.27732 C 0.16237 -0.28612 0.15521 -0.27755 0.16172 -0.28241 C 0.1625 -0.28311 0.16302 -0.2845 0.16393 -0.28519 C 0.16484 -0.28588 0.16589 -0.28588 0.1668 -0.28635 C 0.16758 -0.28681 0.16823 -0.2875 0.16901 -0.28774 C 0.17018 -0.2882 0.17149 -0.28843 0.17266 -0.28913 C 0.17422 -0.28982 0.17565 -0.29075 0.17708 -0.29167 C 0.17787 -0.29213 0.17852 -0.2926 0.1793 -0.29306 C 0.18294 -0.29468 0.18307 -0.29468 0.18737 -0.297 C 0.18815 -0.29723 0.1888 -0.29792 0.18958 -0.29815 C 0.1957 -0.30093 0.19102 -0.29815 0.19622 -0.30093 C 0.19701 -0.30116 0.19766 -0.30186 0.19844 -0.30209 C 0.20013 -0.30278 0.20182 -0.30301 0.20365 -0.30348 C 0.2043 -0.30394 0.20508 -0.3044 0.20573 -0.30487 C 0.20742 -0.30533 0.21537 -0.30695 0.2168 -0.30741 C 0.21784 -0.30788 0.21875 -0.30857 0.21979 -0.30857 C 0.22852 -0.30857 0.22734 -0.30903 0.23229 -0.30602 C 0.23294 -0.3051 0.23372 -0.30417 0.23451 -0.30348 C 0.23516 -0.30278 0.23607 -0.30278 0.23672 -0.30209 C 0.23724 -0.30139 0.23763 -0.30024 0.23815 -0.29954 C 0.24115 -0.29538 0.23971 -0.29908 0.24115 -0.29422 L 0.24115 -0.29422 " pathEditMode="relative" ptsTypes="AAAAAAAAAAAAAAAAAAAAAAAAAAAAAAAAAAAAAAAAAAAAAAAAAA">
+                                      <p:cBhvr>
+                                        <p:cTn id="6" dur="2000" fill="hold"/>
+                                        <p:tgtEl>
+                                          <p:spTgt spid="22"/>
+                                        </p:tgtEl>
+                                        <p:attrNameLst>
+                                          <p:attrName>ppt_x</p:attrName>
+                                          <p:attrName>ppt_y</p:attrName>
+                                        </p:attrNameLst>
+                                      </p:cBhvr>
+                                    </p:animMotion>
+                                  </p:childTnLst>
+                                </p:cTn>
+                              </p:par>
+                            </p:childTnLst>
+                          </p:cTn>
+                        </p:par>
+                      </p:childTnLst>
+                    </p:cTn>
+                  </p:par>
+                  <p:par>
+                    <p:cTn id="7" fill="hold">
+                      <p:stCondLst>
+                        <p:cond delay="indefinite"/>
+                      </p:stCondLst>
+                      <p:childTnLst>
+                        <p:par>
+                          <p:cTn id="8" fill="hold">
+                            <p:stCondLst>
+                              <p:cond delay="0"/>
+                            </p:stCondLst>
+                            <p:childTnLst>
+                              <p:par>
+                                <p:cTn id="9" presetID="10" presetClass="entr" presetSubtype="0" fill="hold" nodeType="clickEffect">
+                                  <p:stCondLst>
+                                    <p:cond delay="0"/>
+                                  </p:stCondLst>
+                                  <p:childTnLst>
+                                    <p:set>
+                                      <p:cBhvr>
+                                        <p:cTn id="10" dur="1" fill="hold">
+                                          <p:stCondLst>
+                                            <p:cond delay="0"/>
+                                          </p:stCondLst>
+                                        </p:cTn>
+                                        <p:tgtEl>
+                                          <p:spTgt spid="13"/>
+                                        </p:tgtEl>
+                                        <p:attrNameLst>
+                                          <p:attrName>style.visibility</p:attrName>
+                                        </p:attrNameLst>
+                                      </p:cBhvr>
+                                      <p:to>
+                                        <p:strVal val="visible"/>
+                                      </p:to>
+                                    </p:set>
+                                    <p:animEffect transition="in" filter="fade">
+                                      <p:cBhvr>
+                                        <p:cTn id="11" dur="500"/>
+                                        <p:tgtEl>
+                                          <p:spTgt spid="13"/>
+                                        </p:tgtEl>
+                                      </p:cBhvr>
+                                    </p:animEffect>
+                                  </p:childTnLst>
+                                </p:cTn>
+                              </p:par>
+                            </p:childTnLst>
+                          </p:cTn>
+                        </p:par>
+                      </p:childTnLst>
+                    </p:cTn>
+                  </p:par>
+                </p:childTnLst>
+              </p:cTn>
+              <p:prevCondLst>
+                <p:cond evt="onPrev" delay="0">
+                  <p:tgtEl>
+                    <p:sldTgt/>
+                  </p:tgtEl>
+                </p:cond>
+              </p:prevCondLst>
+              <p:nextCondLst>
+                <p:cond evt="onNext" delay="0">
+                  <p:tgtEl>
+                    <p:sldTgt/>
+                  </p:tgtEl>
+                </p:cond>
+              </p:nextCondLst>
+            </p:seq>
+          </p:childTnLst>
+        </p:cTn>
+      </p:par>
+    </p:tnLst>
+    <p:bldLst>
+      <p:bldP spid="22" grpId="0" animBg="1"/>
+    </p:bldLst>
+  </p:timing>
+</p:sld>
+</file>
+
+<file path=ppt/slides/slide5.xml><?xml version="1.0" encoding="utf-8"?>
+<p:sld xmlns:a="http://schemas.openxmlformats.org/drawingml/2006/main" xmlns:r="http://schemas.openxmlformats.org/officeDocument/2006/relationships" xmlns:p="http://schemas.openxmlformats.org/presentationml/2006/main">
+  <p:cSld>
+    <p:spTree>
+      <p:nvGrpSpPr>
+        <p:cNvPr id="1" name=""/>
+        <p:cNvGrpSpPr/>
+        <p:nvPr/>
+      </p:nvGrpSpPr>
+      <p:grpSpPr>
+        <a:xfrm>
+          <a:off x="0" y="0"/>
+          <a:ext cx="0" cy="0"/>
+          <a:chOff x="0" y="0"/>
+          <a:chExt cx="0" cy="0"/>
+        </a:xfrm>
+      </p:grpSpPr>
+      <p:grpSp>
+        <p:nvGrpSpPr>
+          <p:cNvPr id="4" name="Group 3"/>
+          <p:cNvGrpSpPr/>
+          <p:nvPr/>
+        </p:nvGrpSpPr>
+        <p:grpSpPr>
+          <a:xfrm>
+            <a:off x="1255055" y="1658590"/>
+            <a:ext cx="9275697" cy="3620120"/>
+            <a:chOff x="1276555" y="3103022"/>
+            <a:chExt cx="8995582" cy="3584681"/>
+          </a:xfrm>
+        </p:grpSpPr>
+        <p:sp>
+          <p:nvSpPr>
+            <p:cNvPr id="5" name="Rounded Rectangle 4"/>
+            <p:cNvSpPr/>
+            <p:nvPr/>
+          </p:nvSpPr>
+          <p:spPr>
+            <a:xfrm>
+              <a:off x="1276555" y="3103022"/>
+              <a:ext cx="8995582" cy="3546076"/>
+            </a:xfrm>
+            <a:prstGeom prst="roundRect">
+              <a:avLst/>
+            </a:prstGeom>
+            <a:solidFill>
+              <a:schemeClr val="bg1"/>
+            </a:solidFill>
+          </p:spPr>
+          <p:style>
+            <a:lnRef idx="2">
+              <a:schemeClr val="accent1">
+                <a:shade val="50000"/>
+              </a:schemeClr>
+            </a:lnRef>
+            <a:fillRef idx="1">
+              <a:schemeClr val="accent1"/>
+            </a:fillRef>
+            <a:effectRef idx="0">
+              <a:schemeClr val="accent1"/>
+            </a:effectRef>
+            <a:fontRef idx="minor">
+              <a:schemeClr val="lt1"/>
+            </a:fontRef>
+          </p:style>
+          <p:txBody>
+            <a:bodyPr rtlCol="0" anchor="ctr"/>
+            <a:lstStyle/>
+            <a:p>
+              <a:pPr algn="ctr"/>
+              <a:endParaRPr lang="en-GB"/>
+            </a:p>
+          </p:txBody>
+        </p:sp>
+        <p:sp>
+          <p:nvSpPr>
+            <p:cNvPr id="6" name="Oval 5"/>
+            <p:cNvSpPr/>
+            <p:nvPr/>
+          </p:nvSpPr>
+          <p:spPr>
+            <a:xfrm>
+              <a:off x="3989902" y="3443606"/>
+              <a:ext cx="1431682" cy="1398045"/>
+            </a:xfrm>
+            <a:prstGeom prst="ellipse">
+              <a:avLst/>
+            </a:prstGeom>
+          </p:spPr>
+          <p:style>
+            <a:lnRef idx="2">
+              <a:schemeClr val="accent4">
+                <a:shade val="50000"/>
+              </a:schemeClr>
+            </a:lnRef>
+            <a:fillRef idx="1">
+              <a:schemeClr val="accent4"/>
+            </a:fillRef>
+            <a:effectRef idx="0">
+              <a:schemeClr val="accent4"/>
+            </a:effectRef>
+            <a:fontRef idx="minor">
+              <a:schemeClr val="lt1"/>
+            </a:fontRef>
+          </p:style>
+          <p:txBody>
+            <a:bodyPr rtlCol="0" anchor="ctr"/>
+            <a:lstStyle/>
+            <a:p>
+              <a:pPr algn="ctr"/>
+              <a:endParaRPr lang="en-GB"/>
+            </a:p>
+          </p:txBody>
+        </p:sp>
+        <p:sp>
+          <p:nvSpPr>
+            <p:cNvPr id="7" name="Oval 6"/>
+            <p:cNvSpPr/>
+            <p:nvPr/>
+          </p:nvSpPr>
+          <p:spPr>
+            <a:xfrm>
+              <a:off x="6134622" y="5408364"/>
+              <a:ext cx="1228556" cy="1150663"/>
+            </a:xfrm>
+            <a:prstGeom prst="ellipse">
+              <a:avLst/>
+            </a:prstGeom>
+          </p:spPr>
+          <p:style>
+            <a:lnRef idx="2">
+              <a:schemeClr val="accent4">
+                <a:shade val="50000"/>
+              </a:schemeClr>
+            </a:lnRef>
+            <a:fillRef idx="1">
+              <a:schemeClr val="accent4"/>
+            </a:fillRef>
+            <a:effectRef idx="0">
+              <a:schemeClr val="accent4"/>
+            </a:effectRef>
+            <a:fontRef idx="minor">
+              <a:schemeClr val="lt1"/>
+            </a:fontRef>
+          </p:style>
+          <p:txBody>
+            <a:bodyPr rtlCol="0" anchor="ctr"/>
+            <a:lstStyle/>
+            <a:p>
+              <a:pPr algn="ctr"/>
+              <a:endParaRPr lang="en-GB"/>
+            </a:p>
+          </p:txBody>
+        </p:sp>
+        <p:sp>
+          <p:nvSpPr>
+            <p:cNvPr id="8" name="Oval 7"/>
+            <p:cNvSpPr/>
+            <p:nvPr/>
+          </p:nvSpPr>
+          <p:spPr>
+            <a:xfrm>
+              <a:off x="8436984" y="3330070"/>
+              <a:ext cx="1228556" cy="1150663"/>
+            </a:xfrm>
+            <a:prstGeom prst="ellipse">
+              <a:avLst/>
+            </a:prstGeom>
+          </p:spPr>
+          <p:style>
+            <a:lnRef idx="2">
+              <a:schemeClr val="accent4">
+                <a:shade val="50000"/>
+              </a:schemeClr>
+            </a:lnRef>
+            <a:fillRef idx="1">
+              <a:schemeClr val="accent4"/>
+            </a:fillRef>
+            <a:effectRef idx="0">
+              <a:schemeClr val="accent4"/>
+            </a:effectRef>
+            <a:fontRef idx="minor">
+              <a:schemeClr val="lt1"/>
+            </a:fontRef>
+          </p:style>
+          <p:txBody>
+            <a:bodyPr rtlCol="0" anchor="ctr"/>
+            <a:lstStyle/>
+            <a:p>
+              <a:pPr algn="ctr"/>
+              <a:endParaRPr lang="en-GB"/>
+            </a:p>
+          </p:txBody>
+        </p:sp>
+        <p:sp>
+          <p:nvSpPr>
+            <p:cNvPr id="9" name="Oval 8"/>
+            <p:cNvSpPr/>
+            <p:nvPr/>
+          </p:nvSpPr>
+          <p:spPr>
+            <a:xfrm>
+              <a:off x="8495704" y="5349139"/>
+              <a:ext cx="1252485" cy="1190310"/>
+            </a:xfrm>
+            <a:prstGeom prst="ellipse">
+              <a:avLst/>
+            </a:prstGeom>
+          </p:spPr>
+          <p:style>
+            <a:lnRef idx="2">
+              <a:schemeClr val="accent2">
+                <a:shade val="50000"/>
+              </a:schemeClr>
+            </a:lnRef>
+            <a:fillRef idx="1">
+              <a:schemeClr val="accent2"/>
+            </a:fillRef>
+            <a:effectRef idx="0">
+              <a:schemeClr val="accent2"/>
+            </a:effectRef>
+            <a:fontRef idx="minor">
+              <a:schemeClr val="lt1"/>
+            </a:fontRef>
+          </p:style>
+          <p:txBody>
+            <a:bodyPr rtlCol="0" anchor="ctr"/>
+            <a:lstStyle/>
+            <a:p>
+              <a:pPr algn="ctr"/>
+              <a:endParaRPr lang="en-GB"/>
+            </a:p>
+          </p:txBody>
+        </p:sp>
+        <p:sp>
+          <p:nvSpPr>
+            <p:cNvPr id="10" name="Rectangle 9"/>
+            <p:cNvSpPr/>
+            <p:nvPr/>
+          </p:nvSpPr>
+          <p:spPr>
+            <a:xfrm>
+              <a:off x="3966370" y="5387244"/>
+              <a:ext cx="1562240" cy="87597"/>
+            </a:xfrm>
+            <a:prstGeom prst="rect">
+              <a:avLst/>
+            </a:prstGeom>
+          </p:spPr>
+          <p:style>
+            <a:lnRef idx="2">
+              <a:schemeClr val="dk1">
+                <a:shade val="50000"/>
+              </a:schemeClr>
+            </a:lnRef>
+            <a:fillRef idx="1">
+              <a:schemeClr val="dk1"/>
+            </a:fillRef>
+            <a:effectRef idx="0">
+              <a:schemeClr val="dk1"/>
+            </a:effectRef>
+            <a:fontRef idx="minor">
+              <a:schemeClr val="lt1"/>
+            </a:fontRef>
+          </p:style>
+          <p:txBody>
+            <a:bodyPr rtlCol="0" anchor="ctr"/>
+            <a:lstStyle/>
+            <a:p>
+              <a:pPr algn="ctr"/>
+              <a:endParaRPr lang="en-GB"/>
+            </a:p>
+          </p:txBody>
+        </p:sp>
+        <p:sp>
+          <p:nvSpPr>
+            <p:cNvPr id="11" name="Oval 10"/>
+            <p:cNvSpPr/>
+            <p:nvPr/>
+          </p:nvSpPr>
+          <p:spPr>
+            <a:xfrm>
+              <a:off x="1467514" y="5408364"/>
+              <a:ext cx="1098183" cy="1085951"/>
+            </a:xfrm>
+            <a:prstGeom prst="ellipse">
+              <a:avLst/>
+            </a:prstGeom>
+          </p:spPr>
+          <p:style>
+            <a:lnRef idx="2">
+              <a:schemeClr val="accent2">
+                <a:shade val="50000"/>
+              </a:schemeClr>
+            </a:lnRef>
+            <a:fillRef idx="1">
+              <a:schemeClr val="accent2"/>
+            </a:fillRef>
+            <a:effectRef idx="0">
+              <a:schemeClr val="accent2"/>
+            </a:effectRef>
+            <a:fontRef idx="minor">
+              <a:schemeClr val="lt1"/>
+            </a:fontRef>
+          </p:style>
+          <p:txBody>
+            <a:bodyPr rtlCol="0" anchor="ctr"/>
+            <a:lstStyle/>
+            <a:p>
+              <a:pPr algn="ctr"/>
+              <a:endParaRPr lang="en-GB"/>
+            </a:p>
+          </p:txBody>
+        </p:sp>
+        <p:sp>
+          <p:nvSpPr>
+            <p:cNvPr id="12" name="Rectangle 11"/>
+            <p:cNvSpPr/>
+            <p:nvPr/>
+          </p:nvSpPr>
+          <p:spPr>
+            <a:xfrm>
+              <a:off x="5705492" y="3141627"/>
+              <a:ext cx="68854" cy="3546076"/>
+            </a:xfrm>
+            <a:prstGeom prst="rect">
+              <a:avLst/>
+            </a:prstGeom>
+          </p:spPr>
+          <p:style>
+            <a:lnRef idx="2">
+              <a:schemeClr val="dk1">
+                <a:shade val="50000"/>
+              </a:schemeClr>
+            </a:lnRef>
+            <a:fillRef idx="1">
+              <a:schemeClr val="dk1"/>
+            </a:fillRef>
+            <a:effectRef idx="0">
+              <a:schemeClr val="dk1"/>
+            </a:effectRef>
+            <a:fontRef idx="minor">
+              <a:schemeClr val="lt1"/>
+            </a:fontRef>
+          </p:style>
+          <p:txBody>
+            <a:bodyPr rtlCol="0" anchor="ctr"/>
+            <a:lstStyle/>
+            <a:p>
+              <a:pPr algn="ctr"/>
+              <a:endParaRPr lang="en-GB"/>
+            </a:p>
+          </p:txBody>
+        </p:sp>
+      </p:grpSp>
+      <p:grpSp>
+        <p:nvGrpSpPr>
+          <p:cNvPr id="13" name="Group 12"/>
+          <p:cNvGrpSpPr/>
+          <p:nvPr/>
+        </p:nvGrpSpPr>
+        <p:grpSpPr>
+          <a:xfrm>
+            <a:off x="801441" y="1934869"/>
+            <a:ext cx="9842269" cy="3998422"/>
+            <a:chOff x="1133709" y="5961528"/>
+            <a:chExt cx="9842269" cy="3998422"/>
+          </a:xfrm>
+        </p:grpSpPr>
+        <p:sp>
+          <p:nvSpPr>
+            <p:cNvPr id="14" name="Rounded Rectangle 13"/>
+            <p:cNvSpPr/>
+            <p:nvPr/>
+          </p:nvSpPr>
+          <p:spPr>
+            <a:xfrm>
+              <a:off x="1133709" y="5961528"/>
+              <a:ext cx="9842269" cy="3998422"/>
+            </a:xfrm>
+            <a:prstGeom prst="roundRect">
+              <a:avLst/>
+            </a:prstGeom>
+            <a:solidFill>
+              <a:schemeClr val="bg1"/>
+            </a:solidFill>
+          </p:spPr>
+          <p:style>
+            <a:lnRef idx="2">
+              <a:schemeClr val="accent1">
+                <a:shade val="50000"/>
+              </a:schemeClr>
+            </a:lnRef>
+            <a:fillRef idx="1">
+              <a:schemeClr val="accent1"/>
+            </a:fillRef>
+            <a:effectRef idx="0">
+              <a:schemeClr val="accent1"/>
+            </a:effectRef>
+            <a:fontRef idx="minor">
+              <a:schemeClr val="lt1"/>
+            </a:fontRef>
+          </p:style>
+          <p:txBody>
+            <a:bodyPr rtlCol="0" anchor="ctr"/>
+            <a:lstStyle/>
+            <a:p>
+              <a:pPr algn="ctr"/>
+              <a:endParaRPr lang="en-GB"/>
+            </a:p>
+          </p:txBody>
+        </p:sp>
+        <p:sp>
+          <p:nvSpPr>
+            <p:cNvPr id="15" name="Rectangle 14"/>
+            <p:cNvSpPr/>
+            <p:nvPr/>
+          </p:nvSpPr>
+          <p:spPr>
+            <a:xfrm>
+              <a:off x="2466517" y="8455808"/>
+              <a:ext cx="1180407" cy="49876"/>
+            </a:xfrm>
+            <a:prstGeom prst="rect">
+              <a:avLst/>
+            </a:prstGeom>
+          </p:spPr>
+          <p:style>
+            <a:lnRef idx="2">
+              <a:schemeClr val="dk1">
+                <a:shade val="50000"/>
+              </a:schemeClr>
+            </a:lnRef>
+            <a:fillRef idx="1">
+              <a:schemeClr val="dk1"/>
+            </a:fillRef>
+            <a:effectRef idx="0">
+              <a:schemeClr val="dk1"/>
+            </a:effectRef>
+            <a:fontRef idx="minor">
+              <a:schemeClr val="lt1"/>
+            </a:fontRef>
+          </p:style>
+          <p:txBody>
+            <a:bodyPr rtlCol="0" anchor="ctr"/>
+            <a:lstStyle/>
+            <a:p>
+              <a:pPr algn="ctr"/>
+              <a:endParaRPr lang="en-GB"/>
+            </a:p>
+          </p:txBody>
+        </p:sp>
+        <p:sp>
+          <p:nvSpPr>
+            <p:cNvPr id="16" name="Rectangle 15"/>
+            <p:cNvSpPr/>
+            <p:nvPr/>
+          </p:nvSpPr>
+          <p:spPr>
+            <a:xfrm>
+              <a:off x="8576372" y="5961528"/>
+              <a:ext cx="130231" cy="3998422"/>
+            </a:xfrm>
+            <a:prstGeom prst="rect">
+              <a:avLst/>
+            </a:prstGeom>
+          </p:spPr>
+          <p:style>
+            <a:lnRef idx="2">
+              <a:schemeClr val="dk1">
+                <a:shade val="50000"/>
+              </a:schemeClr>
+            </a:lnRef>
+            <a:fillRef idx="1">
+              <a:schemeClr val="dk1"/>
+            </a:fillRef>
+            <a:effectRef idx="0">
+              <a:schemeClr val="dk1"/>
+            </a:effectRef>
+            <a:fontRef idx="minor">
+              <a:schemeClr val="lt1"/>
+            </a:fontRef>
+          </p:style>
+          <p:txBody>
+            <a:bodyPr rtlCol="0" anchor="ctr"/>
+            <a:lstStyle/>
+            <a:p>
+              <a:pPr algn="ctr"/>
+              <a:endParaRPr lang="en-GB"/>
+            </a:p>
+          </p:txBody>
+        </p:sp>
+        <p:sp>
+          <p:nvSpPr>
+            <p:cNvPr id="17" name="Isosceles Triangle 16"/>
+            <p:cNvSpPr/>
+            <p:nvPr/>
+          </p:nvSpPr>
+          <p:spPr>
+            <a:xfrm>
+              <a:off x="9136095" y="8624834"/>
+              <a:ext cx="1255222" cy="944879"/>
+            </a:xfrm>
+            <a:prstGeom prst="triangle">
+              <a:avLst/>
+            </a:prstGeom>
+          </p:spPr>
+          <p:style>
+            <a:lnRef idx="2">
+              <a:schemeClr val="accent6">
+                <a:shade val="50000"/>
+              </a:schemeClr>
+            </a:lnRef>
+            <a:fillRef idx="1">
+              <a:schemeClr val="accent6"/>
+            </a:fillRef>
+            <a:effectRef idx="0">
+              <a:schemeClr val="accent6"/>
+            </a:effectRef>
+            <a:fontRef idx="minor">
+              <a:schemeClr val="lt1"/>
+            </a:fontRef>
+          </p:style>
+          <p:txBody>
+            <a:bodyPr rtlCol="0" anchor="ctr"/>
+            <a:lstStyle/>
+            <a:p>
+              <a:pPr algn="ctr"/>
+              <a:r>
+                <a:rPr lang="en-GB" dirty="0" smtClean="0"/>
+                <a:t>goal</a:t>
+              </a:r>
+              <a:endParaRPr lang="en-GB" dirty="0"/>
+            </a:p>
+          </p:txBody>
+        </p:sp>
+        <p:sp>
+          <p:nvSpPr>
+            <p:cNvPr id="18" name="Rectangle 17"/>
+            <p:cNvSpPr/>
+            <p:nvPr/>
+          </p:nvSpPr>
+          <p:spPr>
+            <a:xfrm>
+              <a:off x="4370132" y="7666099"/>
+              <a:ext cx="1363287" cy="74814"/>
+            </a:xfrm>
+            <a:prstGeom prst="rect">
+              <a:avLst/>
+            </a:prstGeom>
+          </p:spPr>
+          <p:style>
+            <a:lnRef idx="2">
+              <a:schemeClr val="dk1">
+                <a:shade val="50000"/>
+              </a:schemeClr>
+            </a:lnRef>
+            <a:fillRef idx="1">
+              <a:schemeClr val="dk1"/>
+            </a:fillRef>
+            <a:effectRef idx="0">
+              <a:schemeClr val="dk1"/>
+            </a:effectRef>
+            <a:fontRef idx="minor">
+              <a:schemeClr val="lt1"/>
+            </a:fontRef>
+          </p:style>
+          <p:txBody>
+            <a:bodyPr rtlCol="0" anchor="ctr"/>
+            <a:lstStyle/>
+            <a:p>
+              <a:pPr algn="ctr"/>
+              <a:endParaRPr lang="en-GB"/>
+            </a:p>
+          </p:txBody>
+        </p:sp>
+        <p:sp>
+          <p:nvSpPr>
+            <p:cNvPr id="19" name="Oval 18"/>
+            <p:cNvSpPr/>
+            <p:nvPr/>
+          </p:nvSpPr>
+          <p:spPr>
+            <a:xfrm>
+              <a:off x="4370132" y="6427503"/>
+              <a:ext cx="1363287" cy="1155469"/>
+            </a:xfrm>
+            <a:prstGeom prst="ellipse">
+              <a:avLst/>
+            </a:prstGeom>
+          </p:spPr>
+          <p:style>
+            <a:lnRef idx="2">
+              <a:schemeClr val="accent2">
+                <a:shade val="50000"/>
+              </a:schemeClr>
+            </a:lnRef>
+            <a:fillRef idx="1">
+              <a:schemeClr val="accent2"/>
+            </a:fillRef>
+            <a:effectRef idx="0">
+              <a:schemeClr val="accent2"/>
+            </a:effectRef>
+            <a:fontRef idx="minor">
+              <a:schemeClr val="lt1"/>
+            </a:fontRef>
+          </p:style>
+          <p:txBody>
+            <a:bodyPr rtlCol="0" anchor="ctr"/>
+            <a:lstStyle/>
+            <a:p>
+              <a:pPr algn="ctr"/>
+              <a:endParaRPr lang="en-GB"/>
+            </a:p>
+          </p:txBody>
+        </p:sp>
+        <p:sp>
+          <p:nvSpPr>
+            <p:cNvPr id="20" name="Oval 19"/>
+            <p:cNvSpPr/>
+            <p:nvPr/>
+          </p:nvSpPr>
+          <p:spPr>
+            <a:xfrm>
+              <a:off x="6876419" y="8563873"/>
+              <a:ext cx="1363287" cy="1274619"/>
+            </a:xfrm>
+            <a:prstGeom prst="ellipse">
+              <a:avLst/>
+            </a:prstGeom>
+          </p:spPr>
+          <p:style>
+            <a:lnRef idx="2">
+              <a:schemeClr val="accent2">
+                <a:shade val="50000"/>
+              </a:schemeClr>
+            </a:lnRef>
+            <a:fillRef idx="1">
+              <a:schemeClr val="accent2"/>
+            </a:fillRef>
+            <a:effectRef idx="0">
+              <a:schemeClr val="accent2"/>
+            </a:effectRef>
+            <a:fontRef idx="minor">
+              <a:schemeClr val="lt1"/>
+            </a:fontRef>
+          </p:style>
+          <p:txBody>
+            <a:bodyPr rtlCol="0" anchor="ctr"/>
+            <a:lstStyle/>
+            <a:p>
+              <a:pPr algn="ctr"/>
+              <a:endParaRPr lang="en-GB"/>
+            </a:p>
+          </p:txBody>
+        </p:sp>
+        <p:sp>
+          <p:nvSpPr>
+            <p:cNvPr id="21" name="Oval 20"/>
+            <p:cNvSpPr/>
+            <p:nvPr/>
+          </p:nvSpPr>
+          <p:spPr>
+            <a:xfrm>
+              <a:off x="9082062" y="6220690"/>
+              <a:ext cx="1363287" cy="1274619"/>
+            </a:xfrm>
+            <a:prstGeom prst="ellipse">
+              <a:avLst/>
+            </a:prstGeom>
+          </p:spPr>
+          <p:style>
+            <a:lnRef idx="2">
+              <a:schemeClr val="accent2">
+                <a:shade val="50000"/>
+              </a:schemeClr>
+            </a:lnRef>
+            <a:fillRef idx="1">
+              <a:schemeClr val="accent2"/>
+            </a:fillRef>
+            <a:effectRef idx="0">
+              <a:schemeClr val="accent2"/>
+            </a:effectRef>
+            <a:fontRef idx="minor">
+              <a:schemeClr val="lt1"/>
+            </a:fontRef>
+          </p:style>
+          <p:txBody>
+            <a:bodyPr rtlCol="0" anchor="ctr"/>
+            <a:lstStyle/>
+            <a:p>
+              <a:pPr algn="ctr"/>
+              <a:endParaRPr lang="en-GB"/>
+            </a:p>
+          </p:txBody>
+        </p:sp>
+      </p:grpSp>
+      <p:sp>
+        <p:nvSpPr>
+          <p:cNvPr id="22" name="Rectangle 21"/>
+          <p:cNvSpPr/>
+          <p:nvPr/>
+        </p:nvSpPr>
+        <p:spPr>
+          <a:xfrm>
+            <a:off x="4663745" y="2792412"/>
+            <a:ext cx="448887" cy="562494"/>
+          </a:xfrm>
+          <a:prstGeom prst="rect">
+            <a:avLst/>
+          </a:prstGeom>
+        </p:spPr>
+        <p:style>
+          <a:lnRef idx="2">
+            <a:schemeClr val="accent1">
+              <a:shade val="50000"/>
+            </a:schemeClr>
+          </a:lnRef>
+          <a:fillRef idx="1">
+            <a:schemeClr val="accent1"/>
+          </a:fillRef>
+          <a:effectRef idx="0">
+            <a:schemeClr val="accent1"/>
+          </a:effectRef>
+          <a:fontRef idx="minor">
+            <a:schemeClr val="lt1"/>
+          </a:fontRef>
+        </p:style>
+        <p:txBody>
+          <a:bodyPr rtlCol="0" anchor="ctr"/>
+          <a:lstStyle/>
+          <a:p>
+            <a:pPr algn="ctr"/>
+            <a:endParaRPr lang="en-GB"/>
+          </a:p>
+        </p:txBody>
+      </p:sp>
+    </p:spTree>
+    <p:extLst>
+      <p:ext uri="{BB962C8B-B14F-4D97-AF65-F5344CB8AC3E}">
+        <p14:creationId xmlns:p14="http://schemas.microsoft.com/office/powerpoint/2010/main" val="4265587851"/>
+      </p:ext>
+    </p:extLst>
+  </p:cSld>
+  <p:clrMapOvr>
+    <a:masterClrMapping/>
+  </p:clrMapOvr>
+  <p:timing>
+    <p:tnLst>
+      <p:par>
+        <p:cTn id="1" dur="indefinite" restart="never" nodeType="tmRoot">
+          <p:childTnLst>
+            <p:seq concurrent="1" nextAc="seek">
+              <p:cTn id="2" dur="indefinite" nodeType="mainSeq">
+                <p:childTnLst>
+                  <p:par>
+                    <p:cTn id="3" fill="hold">
+                      <p:stCondLst>
+                        <p:cond delay="indefinite"/>
+                      </p:stCondLst>
+                      <p:childTnLst>
+                        <p:par>
+                          <p:cTn id="4" fill="hold">
+                            <p:stCondLst>
+                              <p:cond delay="0"/>
+                            </p:stCondLst>
+                            <p:childTnLst>
+                              <p:par>
+                                <p:cTn id="5" presetID="0" presetClass="path" presetSubtype="0" accel="50000" decel="50000" fill="hold" grpId="0" nodeType="clickEffect">
+                                  <p:stCondLst>
+                                    <p:cond delay="0"/>
+                                  </p:stCondLst>
+                                  <p:childTnLst>
+                                    <p:animMotion origin="layout" path="M 0 0 L 0 0 C 0.01588 0.00023 0.03177 -0.00023 0.04765 0.00116 C 0.05195 0.00162 0.05599 0.00394 0.06015 0.0051 C 0.06614 0.00672 0.072 0.00718 0.07786 0.00903 C 0.09609 0.01482 0.08958 0.01459 0.10586 0.02338 C 0.11041 0.02593 0.11523 0.02709 0.11979 0.02986 C 0.12291 0.03195 0.12565 0.03519 0.12864 0.03773 C 0.13216 0.04074 0.13698 0.04375 0.14036 0.04815 C 0.14179 0.05 0.14271 0.05278 0.14401 0.05486 C 0.14518 0.05672 0.14661 0.0581 0.14765 0.05996 C 0.14856 0.06158 0.14922 0.06343 0.14987 0.06528 C 0.15221 0.07199 0.15403 0.0794 0.15651 0.08611 C 0.15911 0.09329 0.16172 0.09954 0.16393 0.10695 C 0.16497 0.11088 0.16562 0.11505 0.16679 0.11875 C 0.16745 0.1206 0.16836 0.12223 0.16901 0.12408 C 0.17799 0.1507 0.16393 0.11227 0.17422 0.13982 C 0.17435 0.14144 0.17448 0.14329 0.17487 0.14491 C 0.17617 0.14954 0.17838 0.15324 0.17929 0.1581 C 0.17981 0.16065 0.18008 0.16343 0.18073 0.16574 C 0.18125 0.1676 0.1819 0.16922 0.18229 0.17107 C 0.18281 0.17408 0.1832 0.17709 0.18372 0.18033 C 0.1845 0.18519 0.18476 0.18496 0.18593 0.19074 C 0.1862 0.1919 0.18633 0.19329 0.18672 0.19468 C 0.18711 0.19607 0.18776 0.19699 0.18815 0.19861 C 0.19088 0.20926 0.18802 0.20371 0.19101 0.20903 C 0.19349 0.22223 0.18971 0.20162 0.19258 0.21806 C 0.19297 0.22084 0.1931 0.22361 0.19401 0.22593 L 0.19544 0.22986 C 0.1957 0.23148 0.19648 0.23704 0.197 0.23912 C 0.19739 0.24051 0.19791 0.24167 0.19843 0.24306 C 0.20013 0.25764 0.19922 0.24723 0.19922 0.27431 L 0.19843 0.28357 " pathEditMode="relative" ptsTypes="AAAAAAAAAAAAAAAAAAAAAAAAAAAAAAAAA">
+                                      <p:cBhvr>
+                                        <p:cTn id="6" dur="2000" fill="hold"/>
+                                        <p:tgtEl>
+                                          <p:spTgt spid="22"/>
+                                        </p:tgtEl>
+                                        <p:attrNameLst>
+                                          <p:attrName>ppt_x</p:attrName>
+                                          <p:attrName>ppt_y</p:attrName>
+                                        </p:attrNameLst>
+                                      </p:cBhvr>
+                                    </p:animMotion>
+                                  </p:childTnLst>
+                                </p:cTn>
+                              </p:par>
+                            </p:childTnLst>
+                          </p:cTn>
+                        </p:par>
+                      </p:childTnLst>
+                    </p:cTn>
+                  </p:par>
+                  <p:par>
+                    <p:cTn id="7" fill="hold">
+                      <p:stCondLst>
+                        <p:cond delay="indefinite"/>
+                      </p:stCondLst>
+                      <p:childTnLst>
+                        <p:par>
+                          <p:cTn id="8" fill="hold">
+                            <p:stCondLst>
+                              <p:cond delay="0"/>
+                            </p:stCondLst>
+                            <p:childTnLst>
+                              <p:par>
+                                <p:cTn id="9" presetID="10" presetClass="exit" presetSubtype="0" fill="hold" nodeType="clickEffect">
+                                  <p:stCondLst>
+                                    <p:cond delay="0"/>
+                                  </p:stCondLst>
+                                  <p:childTnLst>
+                                    <p:animEffect transition="out" filter="fade">
+                                      <p:cBhvr>
+                                        <p:cTn id="10" dur="500"/>
+                                        <p:tgtEl>
+                                          <p:spTgt spid="13"/>
+                                        </p:tgtEl>
+                                      </p:cBhvr>
+                                    </p:animEffect>
+                                    <p:set>
+                                      <p:cBhvr>
+                                        <p:cTn id="11" dur="1" fill="hold">
+                                          <p:stCondLst>
+                                            <p:cond delay="499"/>
+                                          </p:stCondLst>
+                                        </p:cTn>
+                                        <p:tgtEl>
+                                          <p:spTgt spid="13"/>
+                                        </p:tgtEl>
+                                        <p:attrNameLst>
+                                          <p:attrName>style.visibility</p:attrName>
+                                        </p:attrNameLst>
+                                      </p:cBhvr>
+                                      <p:to>
+                                        <p:strVal val="hidden"/>
+                                      </p:to>
+                                    </p:set>
+                                  </p:childTnLst>
+                                </p:cTn>
+                              </p:par>
+                            </p:childTnLst>
+                          </p:cTn>
+                        </p:par>
+                      </p:childTnLst>
+                    </p:cTn>
+                  </p:par>
+                  <p:par>
+                    <p:cTn id="12" fill="hold">
+                      <p:stCondLst>
+                        <p:cond delay="indefinite"/>
+                      </p:stCondLst>
+                      <p:childTnLst>
+                        <p:par>
+                          <p:cTn id="13" fill="hold">
+                            <p:stCondLst>
+                              <p:cond delay="0"/>
+                            </p:stCondLst>
+                            <p:childTnLst>
+                              <p:par>
+                                <p:cTn id="14" presetID="6" presetClass="emph" presetSubtype="0" fill="hold" nodeType="clickEffect">
+                                  <p:stCondLst>
+                                    <p:cond delay="0"/>
+                                  </p:stCondLst>
+                                  <p:childTnLst>
+                                    <p:animScale>
+                                      <p:cBhvr>
+                                        <p:cTn id="15" dur="2000" fill="hold"/>
+                                        <p:tgtEl>
+                                          <p:spTgt spid="4"/>
+                                        </p:tgtEl>
+                                      </p:cBhvr>
+                                      <p:by x="125000" y="125000"/>
+                                    </p:animScale>
+                                  </p:childTnLst>
+                                </p:cTn>
+                              </p:par>
+                            </p:childTnLst>
+                          </p:cTn>
+                        </p:par>
+                      </p:childTnLst>
+                    </p:cTn>
+                  </p:par>
+                </p:childTnLst>
+              </p:cTn>
+              <p:prevCondLst>
+                <p:cond evt="onPrev" delay="0">
+                  <p:tgtEl>
+                    <p:sldTgt/>
+                  </p:tgtEl>
+                </p:cond>
+              </p:prevCondLst>
+              <p:nextCondLst>
+                <p:cond evt="onNext" delay="0">
+                  <p:tgtEl>
+                    <p:sldTgt/>
+                  </p:tgtEl>
+                </p:cond>
+              </p:nextCondLst>
+            </p:seq>
+          </p:childTnLst>
+        </p:cTn>
+      </p:par>
+    </p:tnLst>
+    <p:bldLst>
+      <p:bldP spid="22" grpId="0" animBg="1"/>
+    </p:bldLst>
+  </p:timing>
+</p:sld>
+</file>
+
+<file path=ppt/slides/slide6.xml><?xml version="1.0" encoding="utf-8"?>
+<p:sld xmlns:a="http://schemas.openxmlformats.org/drawingml/2006/main" xmlns:r="http://schemas.openxmlformats.org/officeDocument/2006/relationships" xmlns:p="http://schemas.openxmlformats.org/presentationml/2006/main">
+  <p:cSld>
+    <p:spTree>
+      <p:nvGrpSpPr>
+        <p:cNvPr id="1" name=""/>
+        <p:cNvGrpSpPr/>
+        <p:nvPr/>
+      </p:nvGrpSpPr>
+      <p:grpSpPr>
+        <a:xfrm>
+          <a:off x="0" y="0"/>
+          <a:ext cx="0" cy="0"/>
+          <a:chOff x="0" y="0"/>
+          <a:chExt cx="0" cy="0"/>
+        </a:xfrm>
+      </p:grpSpPr>
+      <p:grpSp>
+        <p:nvGrpSpPr>
+          <p:cNvPr id="4" name="Group 3"/>
+          <p:cNvGrpSpPr/>
+          <p:nvPr/>
+        </p:nvGrpSpPr>
+        <p:grpSpPr>
+          <a:xfrm>
+            <a:off x="975823" y="2383123"/>
+            <a:ext cx="9528504" cy="3594370"/>
+            <a:chOff x="1543302" y="175585"/>
+            <a:chExt cx="7970616" cy="2656942"/>
+          </a:xfrm>
+        </p:grpSpPr>
+        <p:sp>
+          <p:nvSpPr>
+            <p:cNvPr id="5" name="Rounded Rectangle 4"/>
+            <p:cNvSpPr/>
+            <p:nvPr/>
+          </p:nvSpPr>
+          <p:spPr>
+            <a:xfrm>
+              <a:off x="1543302" y="175585"/>
+              <a:ext cx="7970616" cy="2656942"/>
+            </a:xfrm>
+            <a:prstGeom prst="roundRect">
+              <a:avLst/>
+            </a:prstGeom>
+            <a:solidFill>
+              <a:schemeClr val="bg1"/>
+            </a:solidFill>
+          </p:spPr>
+          <p:style>
+            <a:lnRef idx="2">
+              <a:schemeClr val="accent1">
+                <a:shade val="50000"/>
+              </a:schemeClr>
+            </a:lnRef>
+            <a:fillRef idx="1">
+              <a:schemeClr val="accent1"/>
+            </a:fillRef>
+            <a:effectRef idx="0">
+              <a:schemeClr val="accent1"/>
+            </a:effectRef>
+            <a:fontRef idx="minor">
+              <a:schemeClr val="lt1"/>
+            </a:fontRef>
+          </p:style>
+          <p:txBody>
+            <a:bodyPr rtlCol="0" anchor="ctr"/>
+            <a:lstStyle/>
+            <a:p>
+              <a:pPr algn="ctr"/>
+              <a:endParaRPr lang="en-GB"/>
+            </a:p>
+          </p:txBody>
+        </p:sp>
+        <p:sp>
+          <p:nvSpPr>
+            <p:cNvPr id="6" name="Oval 5"/>
+            <p:cNvSpPr/>
+            <p:nvPr/>
+          </p:nvSpPr>
+          <p:spPr>
+            <a:xfrm>
+              <a:off x="1748236" y="1928553"/>
+              <a:ext cx="817461" cy="774678"/>
+            </a:xfrm>
+            <a:prstGeom prst="ellipse">
+              <a:avLst/>
+            </a:prstGeom>
+          </p:spPr>
+          <p:style>
+            <a:lnRef idx="2">
+              <a:schemeClr val="accent4">
+                <a:shade val="50000"/>
+              </a:schemeClr>
+            </a:lnRef>
+            <a:fillRef idx="1">
+              <a:schemeClr val="accent4"/>
+            </a:fillRef>
+            <a:effectRef idx="0">
+              <a:schemeClr val="accent4"/>
+            </a:effectRef>
+            <a:fontRef idx="minor">
+              <a:schemeClr val="lt1"/>
+            </a:fontRef>
+          </p:style>
+          <p:txBody>
+            <a:bodyPr rtlCol="0" anchor="ctr"/>
+            <a:lstStyle/>
+            <a:p>
+              <a:pPr algn="ctr"/>
+              <a:endParaRPr lang="en-GB"/>
+            </a:p>
+          </p:txBody>
+        </p:sp>
+        <p:sp>
+          <p:nvSpPr>
+            <p:cNvPr id="7" name="Rectangle 6"/>
+            <p:cNvSpPr/>
+            <p:nvPr/>
+          </p:nvSpPr>
+          <p:spPr>
+            <a:xfrm>
+              <a:off x="1543302" y="1421476"/>
+              <a:ext cx="3585651" cy="66502"/>
+            </a:xfrm>
+            <a:prstGeom prst="rect">
+              <a:avLst/>
+            </a:prstGeom>
+          </p:spPr>
+          <p:style>
+            <a:lnRef idx="2">
+              <a:schemeClr val="dk1">
+                <a:shade val="50000"/>
+              </a:schemeClr>
+            </a:lnRef>
+            <a:fillRef idx="1">
+              <a:schemeClr val="dk1"/>
+            </a:fillRef>
+            <a:effectRef idx="0">
+              <a:schemeClr val="dk1"/>
+            </a:effectRef>
+            <a:fontRef idx="minor">
+              <a:schemeClr val="lt1"/>
+            </a:fontRef>
+          </p:style>
+          <p:txBody>
+            <a:bodyPr rtlCol="0" anchor="ctr"/>
+            <a:lstStyle/>
+            <a:p>
+              <a:pPr algn="ctr"/>
+              <a:endParaRPr lang="en-GB"/>
+            </a:p>
+          </p:txBody>
+        </p:sp>
+        <p:sp>
+          <p:nvSpPr>
+            <p:cNvPr id="8" name="Rectangle 7"/>
+            <p:cNvSpPr/>
+            <p:nvPr/>
+          </p:nvSpPr>
+          <p:spPr>
+            <a:xfrm>
+              <a:off x="5037513" y="1487978"/>
+              <a:ext cx="91440" cy="1344549"/>
+            </a:xfrm>
+            <a:prstGeom prst="rect">
+              <a:avLst/>
+            </a:prstGeom>
+          </p:spPr>
+          <p:style>
+            <a:lnRef idx="2">
+              <a:schemeClr val="dk1">
+                <a:shade val="50000"/>
+              </a:schemeClr>
+            </a:lnRef>
+            <a:fillRef idx="1">
+              <a:schemeClr val="dk1"/>
+            </a:fillRef>
+            <a:effectRef idx="0">
+              <a:schemeClr val="dk1"/>
+            </a:effectRef>
+            <a:fontRef idx="minor">
+              <a:schemeClr val="lt1"/>
+            </a:fontRef>
+          </p:style>
+          <p:txBody>
+            <a:bodyPr rtlCol="0" anchor="ctr"/>
+            <a:lstStyle/>
+            <a:p>
+              <a:pPr algn="ctr"/>
+              <a:endParaRPr lang="en-GB"/>
+            </a:p>
+          </p:txBody>
+        </p:sp>
+        <p:sp>
+          <p:nvSpPr>
+            <p:cNvPr id="9" name="Oval 8"/>
+            <p:cNvSpPr/>
+            <p:nvPr/>
+          </p:nvSpPr>
+          <p:spPr>
+            <a:xfrm>
+              <a:off x="8304485" y="1952489"/>
+              <a:ext cx="817461" cy="774678"/>
+            </a:xfrm>
+            <a:prstGeom prst="ellipse">
+              <a:avLst/>
+            </a:prstGeom>
+          </p:spPr>
+          <p:style>
+            <a:lnRef idx="2">
+              <a:schemeClr val="accent4">
+                <a:shade val="50000"/>
+              </a:schemeClr>
+            </a:lnRef>
+            <a:fillRef idx="1">
+              <a:schemeClr val="accent4"/>
+            </a:fillRef>
+            <a:effectRef idx="0">
+              <a:schemeClr val="accent4"/>
+            </a:effectRef>
+            <a:fontRef idx="minor">
+              <a:schemeClr val="lt1"/>
+            </a:fontRef>
+          </p:style>
+          <p:txBody>
+            <a:bodyPr rtlCol="0" anchor="ctr"/>
+            <a:lstStyle/>
+            <a:p>
+              <a:pPr algn="ctr"/>
+              <a:endParaRPr lang="en-GB"/>
+            </a:p>
+          </p:txBody>
+        </p:sp>
+        <p:sp>
+          <p:nvSpPr>
+            <p:cNvPr id="10" name="Rectangle 9"/>
+            <p:cNvSpPr/>
+            <p:nvPr/>
+          </p:nvSpPr>
+          <p:spPr>
+            <a:xfrm>
+              <a:off x="7363178" y="191193"/>
+              <a:ext cx="93338" cy="1296785"/>
+            </a:xfrm>
+            <a:prstGeom prst="rect">
+              <a:avLst/>
+            </a:prstGeom>
+          </p:spPr>
+          <p:style>
+            <a:lnRef idx="2">
+              <a:schemeClr val="dk1">
+                <a:shade val="50000"/>
+              </a:schemeClr>
+            </a:lnRef>
+            <a:fillRef idx="1">
+              <a:schemeClr val="dk1"/>
+            </a:fillRef>
+            <a:effectRef idx="0">
+              <a:schemeClr val="dk1"/>
+            </a:effectRef>
+            <a:fontRef idx="minor">
+              <a:schemeClr val="lt1"/>
+            </a:fontRef>
+          </p:style>
+          <p:txBody>
+            <a:bodyPr rtlCol="0" anchor="ctr"/>
+            <a:lstStyle/>
+            <a:p>
+              <a:pPr algn="ctr"/>
+              <a:endParaRPr lang="en-GB"/>
+            </a:p>
+          </p:txBody>
+        </p:sp>
+        <p:sp>
+          <p:nvSpPr>
+            <p:cNvPr id="11" name="Rectangle 10"/>
+            <p:cNvSpPr/>
+            <p:nvPr/>
+          </p:nvSpPr>
+          <p:spPr>
+            <a:xfrm>
+              <a:off x="7363178" y="1487978"/>
+              <a:ext cx="2150740" cy="91440"/>
+            </a:xfrm>
+            <a:prstGeom prst="rect">
+              <a:avLst/>
+            </a:prstGeom>
+          </p:spPr>
+          <p:style>
+            <a:lnRef idx="2">
+              <a:schemeClr val="dk1">
+                <a:shade val="50000"/>
+              </a:schemeClr>
+            </a:lnRef>
+            <a:fillRef idx="1">
+              <a:schemeClr val="dk1"/>
+            </a:fillRef>
+            <a:effectRef idx="0">
+              <a:schemeClr val="dk1"/>
+            </a:effectRef>
+            <a:fontRef idx="minor">
+              <a:schemeClr val="lt1"/>
+            </a:fontRef>
+          </p:style>
+          <p:txBody>
+            <a:bodyPr rtlCol="0" anchor="ctr"/>
+            <a:lstStyle/>
+            <a:p>
+              <a:pPr algn="ctr"/>
+              <a:endParaRPr lang="en-GB"/>
+            </a:p>
+          </p:txBody>
+        </p:sp>
+        <p:sp>
+          <p:nvSpPr>
+            <p:cNvPr id="12" name="Rectangle 11"/>
+            <p:cNvSpPr/>
+            <p:nvPr/>
+          </p:nvSpPr>
+          <p:spPr>
+            <a:xfrm>
+              <a:off x="6246065" y="1454727"/>
+              <a:ext cx="1117113" cy="141978"/>
+            </a:xfrm>
+            <a:prstGeom prst="rect">
+              <a:avLst/>
+            </a:prstGeom>
+          </p:spPr>
+          <p:style>
+            <a:lnRef idx="2">
+              <a:schemeClr val="dk1">
+                <a:shade val="50000"/>
+              </a:schemeClr>
+            </a:lnRef>
+            <a:fillRef idx="1">
+              <a:schemeClr val="dk1"/>
+            </a:fillRef>
+            <a:effectRef idx="0">
+              <a:schemeClr val="dk1"/>
+            </a:effectRef>
+            <a:fontRef idx="minor">
+              <a:schemeClr val="lt1"/>
+            </a:fontRef>
+          </p:style>
+          <p:txBody>
+            <a:bodyPr rtlCol="0" anchor="ctr"/>
+            <a:lstStyle/>
+            <a:p>
+              <a:pPr algn="ctr"/>
+              <a:endParaRPr lang="en-GB"/>
+            </a:p>
+          </p:txBody>
+        </p:sp>
+        <p:sp>
+          <p:nvSpPr>
+            <p:cNvPr id="13" name="Oval 12"/>
+            <p:cNvSpPr/>
+            <p:nvPr/>
+          </p:nvSpPr>
+          <p:spPr>
+            <a:xfrm>
+              <a:off x="8233801" y="495935"/>
+              <a:ext cx="817461" cy="774678"/>
+            </a:xfrm>
+            <a:prstGeom prst="ellipse">
+              <a:avLst/>
+            </a:prstGeom>
+          </p:spPr>
+          <p:style>
+            <a:lnRef idx="2">
+              <a:schemeClr val="accent4">
+                <a:shade val="50000"/>
+              </a:schemeClr>
+            </a:lnRef>
+            <a:fillRef idx="1">
+              <a:schemeClr val="accent4"/>
+            </a:fillRef>
+            <a:effectRef idx="0">
+              <a:schemeClr val="accent4"/>
+            </a:effectRef>
+            <a:fontRef idx="minor">
+              <a:schemeClr val="lt1"/>
+            </a:fontRef>
+          </p:style>
+          <p:txBody>
+            <a:bodyPr rtlCol="0" anchor="ctr"/>
+            <a:lstStyle/>
+            <a:p>
+              <a:pPr algn="ctr"/>
+              <a:endParaRPr lang="en-GB"/>
+            </a:p>
+          </p:txBody>
+        </p:sp>
+        <p:sp>
+          <p:nvSpPr>
+            <p:cNvPr id="14" name="Left Arrow 13"/>
+            <p:cNvSpPr/>
+            <p:nvPr/>
+          </p:nvSpPr>
+          <p:spPr>
+            <a:xfrm>
+              <a:off x="6966065" y="660243"/>
+              <a:ext cx="805079" cy="460610"/>
+            </a:xfrm>
+            <a:prstGeom prst="leftArrow">
+              <a:avLst/>
+            </a:prstGeom>
+          </p:spPr>
+          <p:style>
+            <a:lnRef idx="1">
+              <a:schemeClr val="accent2"/>
+            </a:lnRef>
+            <a:fillRef idx="2">
+              <a:schemeClr val="accent2"/>
+            </a:fillRef>
+            <a:effectRef idx="1">
+              <a:schemeClr val="accent2"/>
+            </a:effectRef>
+            <a:fontRef idx="minor">
+              <a:schemeClr val="dk1"/>
+            </a:fontRef>
+          </p:style>
+          <p:txBody>
+            <a:bodyPr rtlCol="0" anchor="ctr"/>
+            <a:lstStyle/>
+            <a:p>
+              <a:pPr algn="ctr"/>
+              <a:r>
+                <a:rPr lang="en-GB" dirty="0" smtClean="0"/>
+                <a:t>lock</a:t>
+              </a:r>
+              <a:endParaRPr lang="en-GB" dirty="0"/>
+            </a:p>
+          </p:txBody>
+        </p:sp>
+      </p:grpSp>
+      <p:grpSp>
+        <p:nvGrpSpPr>
+          <p:cNvPr id="17" name="Group 16"/>
+          <p:cNvGrpSpPr/>
+          <p:nvPr/>
+        </p:nvGrpSpPr>
+        <p:grpSpPr>
+          <a:xfrm>
+            <a:off x="985253" y="2404238"/>
+            <a:ext cx="9509644" cy="3909306"/>
+            <a:chOff x="1276555" y="3103022"/>
+            <a:chExt cx="8995582" cy="3584681"/>
+          </a:xfrm>
+        </p:grpSpPr>
+        <p:sp>
+          <p:nvSpPr>
+            <p:cNvPr id="18" name="Rounded Rectangle 17"/>
+            <p:cNvSpPr/>
+            <p:nvPr/>
+          </p:nvSpPr>
+          <p:spPr>
+            <a:xfrm>
+              <a:off x="1276555" y="3103022"/>
+              <a:ext cx="8995582" cy="3546076"/>
+            </a:xfrm>
+            <a:prstGeom prst="roundRect">
+              <a:avLst/>
+            </a:prstGeom>
+            <a:solidFill>
+              <a:schemeClr val="bg1"/>
+            </a:solidFill>
+          </p:spPr>
+          <p:style>
+            <a:lnRef idx="2">
+              <a:schemeClr val="accent1">
+                <a:shade val="50000"/>
+              </a:schemeClr>
+            </a:lnRef>
+            <a:fillRef idx="1">
+              <a:schemeClr val="accent1"/>
+            </a:fillRef>
+            <a:effectRef idx="0">
+              <a:schemeClr val="accent1"/>
+            </a:effectRef>
+            <a:fontRef idx="minor">
+              <a:schemeClr val="lt1"/>
+            </a:fontRef>
+          </p:style>
+          <p:txBody>
+            <a:bodyPr rtlCol="0" anchor="ctr"/>
+            <a:lstStyle/>
+            <a:p>
+              <a:pPr algn="ctr"/>
+              <a:endParaRPr lang="en-GB"/>
+            </a:p>
+          </p:txBody>
+        </p:sp>
+        <p:sp>
+          <p:nvSpPr>
+            <p:cNvPr id="19" name="Oval 18"/>
+            <p:cNvSpPr/>
+            <p:nvPr/>
+          </p:nvSpPr>
+          <p:spPr>
+            <a:xfrm>
+              <a:off x="3989902" y="3443606"/>
+              <a:ext cx="1431682" cy="1398045"/>
+            </a:xfrm>
+            <a:prstGeom prst="ellipse">
+              <a:avLst/>
+            </a:prstGeom>
+          </p:spPr>
+          <p:style>
+            <a:lnRef idx="2">
+              <a:schemeClr val="accent4">
+                <a:shade val="50000"/>
+              </a:schemeClr>
+            </a:lnRef>
+            <a:fillRef idx="1">
+              <a:schemeClr val="accent4"/>
+            </a:fillRef>
+            <a:effectRef idx="0">
+              <a:schemeClr val="accent4"/>
+            </a:effectRef>
+            <a:fontRef idx="minor">
+              <a:schemeClr val="lt1"/>
+            </a:fontRef>
+          </p:style>
+          <p:txBody>
+            <a:bodyPr rtlCol="0" anchor="ctr"/>
+            <a:lstStyle/>
+            <a:p>
+              <a:pPr algn="ctr"/>
+              <a:endParaRPr lang="en-GB"/>
+            </a:p>
+          </p:txBody>
+        </p:sp>
+        <p:sp>
+          <p:nvSpPr>
+            <p:cNvPr id="20" name="Oval 19"/>
+            <p:cNvSpPr/>
+            <p:nvPr/>
+          </p:nvSpPr>
+          <p:spPr>
+            <a:xfrm>
+              <a:off x="6134622" y="5408364"/>
+              <a:ext cx="1228556" cy="1150663"/>
+            </a:xfrm>
+            <a:prstGeom prst="ellipse">
+              <a:avLst/>
+            </a:prstGeom>
+          </p:spPr>
+          <p:style>
+            <a:lnRef idx="2">
+              <a:schemeClr val="accent4">
+                <a:shade val="50000"/>
+              </a:schemeClr>
+            </a:lnRef>
+            <a:fillRef idx="1">
+              <a:schemeClr val="accent4"/>
+            </a:fillRef>
+            <a:effectRef idx="0">
+              <a:schemeClr val="accent4"/>
+            </a:effectRef>
+            <a:fontRef idx="minor">
+              <a:schemeClr val="lt1"/>
+            </a:fontRef>
+          </p:style>
+          <p:txBody>
+            <a:bodyPr rtlCol="0" anchor="ctr"/>
+            <a:lstStyle/>
+            <a:p>
+              <a:pPr algn="ctr"/>
+              <a:endParaRPr lang="en-GB"/>
+            </a:p>
+          </p:txBody>
+        </p:sp>
+        <p:sp>
+          <p:nvSpPr>
+            <p:cNvPr id="21" name="Oval 20"/>
+            <p:cNvSpPr/>
+            <p:nvPr/>
+          </p:nvSpPr>
+          <p:spPr>
+            <a:xfrm>
+              <a:off x="8436984" y="3330070"/>
+              <a:ext cx="1228556" cy="1150663"/>
+            </a:xfrm>
+            <a:prstGeom prst="ellipse">
+              <a:avLst/>
+            </a:prstGeom>
+          </p:spPr>
+          <p:style>
+            <a:lnRef idx="2">
+              <a:schemeClr val="accent4">
+                <a:shade val="50000"/>
+              </a:schemeClr>
+            </a:lnRef>
+            <a:fillRef idx="1">
+              <a:schemeClr val="accent4"/>
+            </a:fillRef>
+            <a:effectRef idx="0">
+              <a:schemeClr val="accent4"/>
+            </a:effectRef>
+            <a:fontRef idx="minor">
+              <a:schemeClr val="lt1"/>
+            </a:fontRef>
+          </p:style>
+          <p:txBody>
+            <a:bodyPr rtlCol="0" anchor="ctr"/>
+            <a:lstStyle/>
+            <a:p>
+              <a:pPr algn="ctr"/>
+              <a:endParaRPr lang="en-GB"/>
+            </a:p>
+          </p:txBody>
+        </p:sp>
+        <p:sp>
+          <p:nvSpPr>
+            <p:cNvPr id="22" name="Oval 21"/>
+            <p:cNvSpPr/>
+            <p:nvPr/>
+          </p:nvSpPr>
+          <p:spPr>
+            <a:xfrm>
+              <a:off x="8495704" y="5349139"/>
+              <a:ext cx="1252485" cy="1190310"/>
+            </a:xfrm>
+            <a:prstGeom prst="ellipse">
+              <a:avLst/>
+            </a:prstGeom>
+          </p:spPr>
+          <p:style>
+            <a:lnRef idx="2">
+              <a:schemeClr val="accent2">
+                <a:shade val="50000"/>
+              </a:schemeClr>
+            </a:lnRef>
+            <a:fillRef idx="1">
+              <a:schemeClr val="accent2"/>
+            </a:fillRef>
+            <a:effectRef idx="0">
+              <a:schemeClr val="accent2"/>
+            </a:effectRef>
+            <a:fontRef idx="minor">
+              <a:schemeClr val="lt1"/>
+            </a:fontRef>
+          </p:style>
+          <p:txBody>
+            <a:bodyPr rtlCol="0" anchor="ctr"/>
+            <a:lstStyle/>
+            <a:p>
+              <a:pPr algn="ctr"/>
+              <a:endParaRPr lang="en-GB"/>
+            </a:p>
+          </p:txBody>
+        </p:sp>
+        <p:sp>
+          <p:nvSpPr>
+            <p:cNvPr id="23" name="Rectangle 22"/>
+            <p:cNvSpPr/>
+            <p:nvPr/>
+          </p:nvSpPr>
+          <p:spPr>
+            <a:xfrm>
+              <a:off x="3966370" y="5387244"/>
+              <a:ext cx="1562240" cy="87597"/>
+            </a:xfrm>
+            <a:prstGeom prst="rect">
+              <a:avLst/>
+            </a:prstGeom>
+          </p:spPr>
+          <p:style>
+            <a:lnRef idx="2">
+              <a:schemeClr val="dk1">
+                <a:shade val="50000"/>
+              </a:schemeClr>
+            </a:lnRef>
+            <a:fillRef idx="1">
+              <a:schemeClr val="dk1"/>
+            </a:fillRef>
+            <a:effectRef idx="0">
+              <a:schemeClr val="dk1"/>
+            </a:effectRef>
+            <a:fontRef idx="minor">
+              <a:schemeClr val="lt1"/>
+            </a:fontRef>
+          </p:style>
+          <p:txBody>
+            <a:bodyPr rtlCol="0" anchor="ctr"/>
+            <a:lstStyle/>
+            <a:p>
+              <a:pPr algn="ctr"/>
+              <a:endParaRPr lang="en-GB"/>
+            </a:p>
+          </p:txBody>
+        </p:sp>
+        <p:sp>
+          <p:nvSpPr>
+            <p:cNvPr id="24" name="Oval 23"/>
+            <p:cNvSpPr/>
+            <p:nvPr/>
+          </p:nvSpPr>
+          <p:spPr>
+            <a:xfrm>
+              <a:off x="1467514" y="5408364"/>
+              <a:ext cx="1098183" cy="1085951"/>
+            </a:xfrm>
+            <a:prstGeom prst="ellipse">
+              <a:avLst/>
+            </a:prstGeom>
+          </p:spPr>
+          <p:style>
+            <a:lnRef idx="2">
+              <a:schemeClr val="accent2">
+                <a:shade val="50000"/>
+              </a:schemeClr>
+            </a:lnRef>
+            <a:fillRef idx="1">
+              <a:schemeClr val="accent2"/>
+            </a:fillRef>
+            <a:effectRef idx="0">
+              <a:schemeClr val="accent2"/>
+            </a:effectRef>
+            <a:fontRef idx="minor">
+              <a:schemeClr val="lt1"/>
+            </a:fontRef>
+          </p:style>
+          <p:txBody>
+            <a:bodyPr rtlCol="0" anchor="ctr"/>
+            <a:lstStyle/>
+            <a:p>
+              <a:pPr algn="ctr"/>
+              <a:endParaRPr lang="en-GB"/>
+            </a:p>
+          </p:txBody>
+        </p:sp>
+        <p:sp>
+          <p:nvSpPr>
+            <p:cNvPr id="25" name="Rectangle 24"/>
+            <p:cNvSpPr/>
+            <p:nvPr/>
+          </p:nvSpPr>
+          <p:spPr>
+            <a:xfrm>
+              <a:off x="5705492" y="3141627"/>
+              <a:ext cx="68854" cy="3546076"/>
+            </a:xfrm>
+            <a:prstGeom prst="rect">
+              <a:avLst/>
+            </a:prstGeom>
+          </p:spPr>
+          <p:style>
+            <a:lnRef idx="2">
+              <a:schemeClr val="dk1">
+                <a:shade val="50000"/>
+              </a:schemeClr>
+            </a:lnRef>
+            <a:fillRef idx="1">
+              <a:schemeClr val="dk1"/>
+            </a:fillRef>
+            <a:effectRef idx="0">
+              <a:schemeClr val="dk1"/>
+            </a:effectRef>
+            <a:fontRef idx="minor">
+              <a:schemeClr val="lt1"/>
+            </a:fontRef>
+          </p:style>
+          <p:txBody>
+            <a:bodyPr rtlCol="0" anchor="ctr"/>
+            <a:lstStyle/>
+            <a:p>
+              <a:pPr algn="ctr"/>
+              <a:endParaRPr lang="en-GB"/>
+            </a:p>
+          </p:txBody>
+        </p:sp>
+      </p:grpSp>
+      <p:sp>
+        <p:nvSpPr>
+          <p:cNvPr id="16" name="Rectangle 15"/>
+          <p:cNvSpPr/>
+          <p:nvPr/>
+        </p:nvSpPr>
+        <p:spPr>
+          <a:xfrm>
+            <a:off x="6586514" y="5207828"/>
+            <a:ext cx="448887" cy="562494"/>
+          </a:xfrm>
+          <a:prstGeom prst="rect">
+            <a:avLst/>
+          </a:prstGeom>
+        </p:spPr>
+        <p:style>
+          <a:lnRef idx="2">
+            <a:schemeClr val="accent1">
+              <a:shade val="50000"/>
+            </a:schemeClr>
+          </a:lnRef>
+          <a:fillRef idx="1">
+            <a:schemeClr val="accent1"/>
+          </a:fillRef>
+          <a:effectRef idx="0">
+            <a:schemeClr val="accent1"/>
+          </a:effectRef>
+          <a:fontRef idx="minor">
+            <a:schemeClr val="lt1"/>
+          </a:fontRef>
+        </p:style>
+        <p:txBody>
+          <a:bodyPr rtlCol="0" anchor="ctr"/>
+          <a:lstStyle/>
+          <a:p>
+            <a:pPr algn="ctr"/>
+            <a:endParaRPr lang="en-GB"/>
+          </a:p>
+        </p:txBody>
+      </p:sp>
+    </p:spTree>
+    <p:extLst>
+      <p:ext uri="{BB962C8B-B14F-4D97-AF65-F5344CB8AC3E}">
+        <p14:creationId xmlns:p14="http://schemas.microsoft.com/office/powerpoint/2010/main" val="4111364892"/>
+      </p:ext>
+    </p:extLst>
+  </p:cSld>
+  <p:clrMapOvr>
+    <a:masterClrMapping/>
+  </p:clrMapOvr>
+  <p:timing>
+    <p:tnLst>
+      <p:par>
+        <p:cTn id="1" dur="indefinite" restart="never" nodeType="tmRoot">
+          <p:childTnLst>
+            <p:seq concurrent="1" nextAc="seek">
+              <p:cTn id="2" dur="indefinite" nodeType="mainSeq">
+                <p:childTnLst>
+                  <p:par>
+                    <p:cTn id="3" fill="hold">
+                      <p:stCondLst>
+                        <p:cond delay="indefinite"/>
+                      </p:stCondLst>
+                      <p:childTnLst>
+                        <p:par>
+                          <p:cTn id="4" fill="hold">
+                            <p:stCondLst>
+                              <p:cond delay="0"/>
+                            </p:stCondLst>
+                            <p:childTnLst>
+                              <p:par>
+                                <p:cTn id="5" presetID="0" presetClass="path" presetSubtype="0" accel="50000" decel="50000" fill="hold" grpId="0" nodeType="clickEffect">
+                                  <p:stCondLst>
+                                    <p:cond delay="0"/>
+                                  </p:stCondLst>
+                                  <p:childTnLst>
+                                    <p:animMotion origin="layout" path="M 0 0 L 0 0 L 0.10443 -0.00139 C 0.1056 -0.00139 0.10677 -0.00255 0.10807 -0.00278 C 0.11055 -0.00324 0.11302 -0.00371 0.11536 -0.00417 C 0.12057 -0.00718 0.11536 -0.0044 0.12565 -0.00671 C 0.12695 -0.00695 0.12813 -0.00764 0.12943 -0.0081 C 0.13086 -0.00857 0.13229 -0.00903 0.13385 -0.00926 C 0.15495 -0.00903 0.17604 -0.00926 0.19701 -0.0081 C 0.19857 -0.00787 0.2 -0.00602 0.20143 -0.00533 L 0.20521 -0.00417 L 0.20521 -0.00417 " pathEditMode="relative" ptsTypes="AAAAAAAAAAAA">
+                                      <p:cBhvr>
+                                        <p:cTn id="6" dur="2000" fill="hold"/>
+                                        <p:tgtEl>
+                                          <p:spTgt spid="16"/>
+                                        </p:tgtEl>
+                                        <p:attrNameLst>
+                                          <p:attrName>ppt_x</p:attrName>
+                                          <p:attrName>ppt_y</p:attrName>
+                                        </p:attrNameLst>
+                                      </p:cBhvr>
+                                    </p:animMotion>
+                                  </p:childTnLst>
+                                </p:cTn>
+                              </p:par>
+                            </p:childTnLst>
+                          </p:cTn>
+                        </p:par>
+                      </p:childTnLst>
+                    </p:cTn>
+                  </p:par>
+                  <p:par>
+                    <p:cTn id="7" fill="hold">
+                      <p:stCondLst>
+                        <p:cond delay="indefinite"/>
+                      </p:stCondLst>
+                      <p:childTnLst>
+                        <p:par>
+                          <p:cTn id="8" fill="hold">
+                            <p:stCondLst>
+                              <p:cond delay="0"/>
+                            </p:stCondLst>
+                            <p:childTnLst>
+                              <p:par>
+                                <p:cTn id="9" presetID="10" presetClass="exit" presetSubtype="0" fill="hold" nodeType="clickEffect">
+                                  <p:stCondLst>
+                                    <p:cond delay="0"/>
+                                  </p:stCondLst>
+                                  <p:childTnLst>
+                                    <p:animEffect transition="out" filter="fade">
+                                      <p:cBhvr>
+                                        <p:cTn id="10" dur="500"/>
+                                        <p:tgtEl>
+                                          <p:spTgt spid="17"/>
+                                        </p:tgtEl>
+                                      </p:cBhvr>
+                                    </p:animEffect>
+                                    <p:set>
+                                      <p:cBhvr>
+                                        <p:cTn id="11" dur="1" fill="hold">
+                                          <p:stCondLst>
+                                            <p:cond delay="499"/>
+                                          </p:stCondLst>
+                                        </p:cTn>
+                                        <p:tgtEl>
+                                          <p:spTgt spid="17"/>
+                                        </p:tgtEl>
+                                        <p:attrNameLst>
+                                          <p:attrName>style.visibility</p:attrName>
+                                        </p:attrNameLst>
+                                      </p:cBhvr>
+                                      <p:to>
+                                        <p:strVal val="hidden"/>
+                                      </p:to>
+                                    </p:set>
+                                  </p:childTnLst>
+                                </p:cTn>
+                              </p:par>
+                            </p:childTnLst>
+                          </p:cTn>
+                        </p:par>
+                      </p:childTnLst>
+                    </p:cTn>
+                  </p:par>
+                </p:childTnLst>
+              </p:cTn>
+              <p:prevCondLst>
+                <p:cond evt="onPrev" delay="0">
+                  <p:tgtEl>
+                    <p:sldTgt/>
+                  </p:tgtEl>
+                </p:cond>
+              </p:prevCondLst>
+              <p:nextCondLst>
+                <p:cond evt="onNext" delay="0">
+                  <p:tgtEl>
+                    <p:sldTgt/>
+                  </p:tgtEl>
+                </p:cond>
+              </p:nextCondLst>
+            </p:seq>
+          </p:childTnLst>
+        </p:cTn>
+      </p:par>
+    </p:tnLst>
+    <p:bldLst>
+      <p:bldP spid="16" grpId="0" animBg="1"/>
+    </p:bldLst>
+  </p:timing>
+</p:sld>
+</file>
+
+<file path=ppt/slides/slide7.xml><?xml version="1.0" encoding="utf-8"?>
+<p:sld xmlns:a="http://schemas.openxmlformats.org/drawingml/2006/main" xmlns:r="http://schemas.openxmlformats.org/officeDocument/2006/relationships" xmlns:p="http://schemas.openxmlformats.org/presentationml/2006/main">
+  <p:cSld>
+    <p:spTree>
+      <p:nvGrpSpPr>
+        <p:cNvPr id="1" name=""/>
+        <p:cNvGrpSpPr/>
+        <p:nvPr/>
+      </p:nvGrpSpPr>
+      <p:grpSpPr>
+        <a:xfrm>
+          <a:off x="0" y="0"/>
+          <a:ext cx="0" cy="0"/>
+          <a:chOff x="0" y="0"/>
+          <a:chExt cx="0" cy="0"/>
+        </a:xfrm>
+      </p:grpSpPr>
+      <p:sp>
+        <p:nvSpPr>
+          <p:cNvPr id="5" name="Rounded Rectangle 4"/>
+          <p:cNvSpPr/>
+          <p:nvPr/>
+        </p:nvSpPr>
+        <p:spPr>
+          <a:xfrm>
+            <a:off x="975823" y="2383123"/>
+            <a:ext cx="9528504" cy="3594370"/>
+          </a:xfrm>
+          <a:prstGeom prst="roundRect">
+            <a:avLst/>
+          </a:prstGeom>
+          <a:solidFill>
+            <a:schemeClr val="bg1"/>
+          </a:solidFill>
+        </p:spPr>
+        <p:style>
+          <a:lnRef idx="2">
+            <a:schemeClr val="accent1">
+              <a:shade val="50000"/>
+            </a:schemeClr>
+          </a:lnRef>
+          <a:fillRef idx="1">
+            <a:schemeClr val="accent1"/>
+          </a:fillRef>
+          <a:effectRef idx="0">
+            <a:schemeClr val="accent1"/>
+          </a:effectRef>
+          <a:fontRef idx="minor">
+            <a:schemeClr val="lt1"/>
+          </a:fontRef>
+        </p:style>
+        <p:txBody>
+          <a:bodyPr rtlCol="0" anchor="ctr"/>
+          <a:lstStyle/>
+          <a:p>
+            <a:pPr algn="ctr"/>
+            <a:endParaRPr lang="en-GB"/>
+          </a:p>
+        </p:txBody>
+      </p:sp>
+      <p:sp>
+        <p:nvSpPr>
+          <p:cNvPr id="6" name="Oval 5"/>
+          <p:cNvSpPr/>
+          <p:nvPr/>
+        </p:nvSpPr>
+        <p:spPr>
+          <a:xfrm>
+            <a:off x="1220812" y="4754577"/>
+            <a:ext cx="977237" cy="1048002"/>
+          </a:xfrm>
+          <a:prstGeom prst="ellipse">
+            <a:avLst/>
+          </a:prstGeom>
+        </p:spPr>
+        <p:style>
+          <a:lnRef idx="2">
+            <a:schemeClr val="accent4">
+              <a:shade val="50000"/>
+            </a:schemeClr>
+          </a:lnRef>
+          <a:fillRef idx="1">
+            <a:schemeClr val="accent4"/>
+          </a:fillRef>
+          <a:effectRef idx="0">
+            <a:schemeClr val="accent4"/>
+          </a:effectRef>
+          <a:fontRef idx="minor">
+            <a:schemeClr val="lt1"/>
+          </a:fontRef>
+        </p:style>
+        <p:txBody>
+          <a:bodyPr rtlCol="0" anchor="ctr"/>
+          <a:lstStyle/>
+          <a:p>
+            <a:pPr algn="ctr"/>
+            <a:endParaRPr lang="en-GB"/>
+          </a:p>
+        </p:txBody>
+      </p:sp>
+      <p:sp>
+        <p:nvSpPr>
+          <p:cNvPr id="7" name="Rectangle 6"/>
+          <p:cNvSpPr/>
+          <p:nvPr/>
+        </p:nvSpPr>
+        <p:spPr>
+          <a:xfrm>
+            <a:off x="975823" y="4068592"/>
+            <a:ext cx="4286480" cy="89965"/>
+          </a:xfrm>
+          <a:prstGeom prst="rect">
+            <a:avLst/>
+          </a:prstGeom>
+        </p:spPr>
+        <p:style>
+          <a:lnRef idx="2">
+            <a:schemeClr val="dk1">
+              <a:shade val="50000"/>
+            </a:schemeClr>
+          </a:lnRef>
+          <a:fillRef idx="1">
+            <a:schemeClr val="dk1"/>
+          </a:fillRef>
+          <a:effectRef idx="0">
+            <a:schemeClr val="dk1"/>
+          </a:effectRef>
+          <a:fontRef idx="minor">
+            <a:schemeClr val="lt1"/>
+          </a:fontRef>
+        </p:style>
+        <p:txBody>
+          <a:bodyPr rtlCol="0" anchor="ctr"/>
+          <a:lstStyle/>
+          <a:p>
+            <a:pPr algn="ctr"/>
+            <a:endParaRPr lang="en-GB"/>
+          </a:p>
+        </p:txBody>
+      </p:sp>
+      <p:sp>
+        <p:nvSpPr>
+          <p:cNvPr id="8" name="Rectangle 7"/>
+          <p:cNvSpPr/>
+          <p:nvPr/>
+        </p:nvSpPr>
+        <p:spPr>
+          <a:xfrm>
+            <a:off x="5152991" y="4158557"/>
+            <a:ext cx="109312" cy="1818936"/>
+          </a:xfrm>
+          <a:prstGeom prst="rect">
+            <a:avLst/>
+          </a:prstGeom>
+        </p:spPr>
+        <p:style>
+          <a:lnRef idx="2">
+            <a:schemeClr val="dk1">
+              <a:shade val="50000"/>
+            </a:schemeClr>
+          </a:lnRef>
+          <a:fillRef idx="1">
+            <a:schemeClr val="dk1"/>
+          </a:fillRef>
+          <a:effectRef idx="0">
+            <a:schemeClr val="dk1"/>
+          </a:effectRef>
+          <a:fontRef idx="minor">
+            <a:schemeClr val="lt1"/>
+          </a:fontRef>
+        </p:style>
+        <p:txBody>
+          <a:bodyPr rtlCol="0" anchor="ctr"/>
+          <a:lstStyle/>
+          <a:p>
+            <a:pPr algn="ctr"/>
+            <a:endParaRPr lang="en-GB"/>
+          </a:p>
+        </p:txBody>
+      </p:sp>
+      <p:sp>
+        <p:nvSpPr>
+          <p:cNvPr id="9" name="Oval 8"/>
+          <p:cNvSpPr/>
+          <p:nvPr/>
+        </p:nvSpPr>
+        <p:spPr>
+          <a:xfrm>
+            <a:off x="9058506" y="4786958"/>
+            <a:ext cx="977237" cy="1048002"/>
+          </a:xfrm>
+          <a:prstGeom prst="ellipse">
+            <a:avLst/>
+          </a:prstGeom>
+        </p:spPr>
+        <p:style>
+          <a:lnRef idx="2">
+            <a:schemeClr val="accent4">
+              <a:shade val="50000"/>
+            </a:schemeClr>
+          </a:lnRef>
+          <a:fillRef idx="1">
+            <a:schemeClr val="accent4"/>
+          </a:fillRef>
+          <a:effectRef idx="0">
+            <a:schemeClr val="accent4"/>
+          </a:effectRef>
+          <a:fontRef idx="minor">
+            <a:schemeClr val="lt1"/>
+          </a:fontRef>
+        </p:style>
+        <p:txBody>
+          <a:bodyPr rtlCol="0" anchor="ctr"/>
+          <a:lstStyle/>
+          <a:p>
+            <a:pPr algn="ctr"/>
+            <a:endParaRPr lang="en-GB"/>
+          </a:p>
+        </p:txBody>
+      </p:sp>
+      <p:sp>
+        <p:nvSpPr>
+          <p:cNvPr id="10" name="Rectangle 9"/>
+          <p:cNvSpPr/>
+          <p:nvPr/>
+        </p:nvSpPr>
+        <p:spPr>
+          <a:xfrm>
+            <a:off x="7933216" y="2404238"/>
+            <a:ext cx="111581" cy="1754319"/>
+          </a:xfrm>
+          <a:prstGeom prst="rect">
+            <a:avLst/>
+          </a:prstGeom>
+        </p:spPr>
+        <p:style>
+          <a:lnRef idx="2">
+            <a:schemeClr val="dk1">
+              <a:shade val="50000"/>
+            </a:schemeClr>
+          </a:lnRef>
+          <a:fillRef idx="1">
+            <a:schemeClr val="dk1"/>
+          </a:fillRef>
+          <a:effectRef idx="0">
+            <a:schemeClr val="dk1"/>
+          </a:effectRef>
+          <a:fontRef idx="minor">
+            <a:schemeClr val="lt1"/>
+          </a:fontRef>
+        </p:style>
+        <p:txBody>
+          <a:bodyPr rtlCol="0" anchor="ctr"/>
+          <a:lstStyle/>
+          <a:p>
+            <a:pPr algn="ctr"/>
+            <a:endParaRPr lang="en-GB"/>
+          </a:p>
+        </p:txBody>
+      </p:sp>
+      <p:sp>
+        <p:nvSpPr>
+          <p:cNvPr id="11" name="Rectangle 10"/>
+          <p:cNvSpPr/>
+          <p:nvPr/>
+        </p:nvSpPr>
+        <p:spPr>
+          <a:xfrm>
+            <a:off x="7933216" y="4158557"/>
+            <a:ext cx="2571111" cy="123702"/>
+          </a:xfrm>
+          <a:prstGeom prst="rect">
+            <a:avLst/>
+          </a:prstGeom>
+        </p:spPr>
+        <p:style>
+          <a:lnRef idx="2">
+            <a:schemeClr val="dk1">
+              <a:shade val="50000"/>
+            </a:schemeClr>
+          </a:lnRef>
+          <a:fillRef idx="1">
+            <a:schemeClr val="dk1"/>
+          </a:fillRef>
+          <a:effectRef idx="0">
+            <a:schemeClr val="dk1"/>
+          </a:effectRef>
+          <a:fontRef idx="minor">
+            <a:schemeClr val="lt1"/>
+          </a:fontRef>
+        </p:style>
+        <p:txBody>
+          <a:bodyPr rtlCol="0" anchor="ctr"/>
+          <a:lstStyle/>
+          <a:p>
+            <a:pPr algn="ctr"/>
+            <a:endParaRPr lang="en-GB"/>
+          </a:p>
+        </p:txBody>
+      </p:sp>
+      <p:sp>
+        <p:nvSpPr>
+          <p:cNvPr id="12" name="Rectangle 11"/>
+          <p:cNvSpPr/>
+          <p:nvPr/>
+        </p:nvSpPr>
+        <p:spPr>
+          <a:xfrm>
+            <a:off x="6597759" y="4113575"/>
+            <a:ext cx="1335457" cy="192071"/>
+          </a:xfrm>
+          <a:prstGeom prst="rect">
+            <a:avLst/>
+          </a:prstGeom>
+        </p:spPr>
+        <p:style>
+          <a:lnRef idx="2">
+            <a:schemeClr val="dk1">
+              <a:shade val="50000"/>
+            </a:schemeClr>
+          </a:lnRef>
+          <a:fillRef idx="1">
+            <a:schemeClr val="dk1"/>
+          </a:fillRef>
+          <a:effectRef idx="0">
+            <a:schemeClr val="dk1"/>
+          </a:effectRef>
+          <a:fontRef idx="minor">
+            <a:schemeClr val="lt1"/>
+          </a:fontRef>
+        </p:style>
+        <p:txBody>
+          <a:bodyPr rtlCol="0" anchor="ctr"/>
+          <a:lstStyle/>
+          <a:p>
+            <a:pPr algn="ctr"/>
+            <a:endParaRPr lang="en-GB"/>
+          </a:p>
+        </p:txBody>
+      </p:sp>
+      <p:sp>
+        <p:nvSpPr>
+          <p:cNvPr id="13" name="Oval 12"/>
+          <p:cNvSpPr/>
+          <p:nvPr/>
+        </p:nvSpPr>
+        <p:spPr>
+          <a:xfrm>
+            <a:off x="8974006" y="2816500"/>
+            <a:ext cx="977237" cy="1048002"/>
+          </a:xfrm>
+          <a:prstGeom prst="ellipse">
+            <a:avLst/>
+          </a:prstGeom>
+        </p:spPr>
+        <p:style>
+          <a:lnRef idx="2">
+            <a:schemeClr val="accent4">
+              <a:shade val="50000"/>
+            </a:schemeClr>
+          </a:lnRef>
+          <a:fillRef idx="1">
+            <a:schemeClr val="accent4"/>
+          </a:fillRef>
+          <a:effectRef idx="0">
+            <a:schemeClr val="accent4"/>
+          </a:effectRef>
+          <a:fontRef idx="minor">
+            <a:schemeClr val="lt1"/>
+          </a:fontRef>
+        </p:style>
+        <p:txBody>
+          <a:bodyPr rtlCol="0" anchor="ctr"/>
+          <a:lstStyle/>
+          <a:p>
+            <a:pPr algn="ctr"/>
+            <a:endParaRPr lang="en-GB"/>
+          </a:p>
+        </p:txBody>
+      </p:sp>
+      <p:sp>
+        <p:nvSpPr>
+          <p:cNvPr id="14" name="Left Arrow 13"/>
+          <p:cNvSpPr/>
+          <p:nvPr/>
+        </p:nvSpPr>
+        <p:spPr>
+          <a:xfrm>
+            <a:off x="7458486" y="3038779"/>
+            <a:ext cx="962435" cy="623123"/>
+          </a:xfrm>
+          <a:prstGeom prst="leftArrow">
+            <a:avLst/>
+          </a:prstGeom>
+        </p:spPr>
+        <p:style>
+          <a:lnRef idx="1">
+            <a:schemeClr val="accent2"/>
+          </a:lnRef>
+          <a:fillRef idx="2">
+            <a:schemeClr val="accent2"/>
+          </a:fillRef>
+          <a:effectRef idx="1">
+            <a:schemeClr val="accent2"/>
+          </a:effectRef>
+          <a:fontRef idx="minor">
+            <a:schemeClr val="dk1"/>
+          </a:fontRef>
+        </p:style>
+        <p:txBody>
+          <a:bodyPr rtlCol="0" anchor="ctr"/>
+          <a:lstStyle/>
+          <a:p>
+            <a:pPr algn="ctr"/>
+            <a:r>
+              <a:rPr lang="en-GB" dirty="0" smtClean="0"/>
+              <a:t>lock</a:t>
+            </a:r>
+            <a:endParaRPr lang="en-GB" dirty="0"/>
+          </a:p>
+        </p:txBody>
+      </p:sp>
+      <p:sp>
+        <p:nvSpPr>
+          <p:cNvPr id="16" name="Rectangle 15"/>
+          <p:cNvSpPr/>
+          <p:nvPr/>
+        </p:nvSpPr>
+        <p:spPr>
+          <a:xfrm>
+            <a:off x="9322680" y="5145446"/>
+            <a:ext cx="448887" cy="562494"/>
+          </a:xfrm>
+          <a:prstGeom prst="rect">
+            <a:avLst/>
+          </a:prstGeom>
+        </p:spPr>
+        <p:style>
+          <a:lnRef idx="2">
+            <a:schemeClr val="accent1">
+              <a:shade val="50000"/>
+            </a:schemeClr>
+          </a:lnRef>
+          <a:fillRef idx="1">
+            <a:schemeClr val="accent1"/>
+          </a:fillRef>
+          <a:effectRef idx="0">
+            <a:schemeClr val="accent1"/>
+          </a:effectRef>
+          <a:fontRef idx="minor">
+            <a:schemeClr val="lt1"/>
+          </a:fontRef>
+        </p:style>
+        <p:txBody>
+          <a:bodyPr rtlCol="0" anchor="ctr"/>
+          <a:lstStyle/>
+          <a:p>
+            <a:pPr algn="ctr"/>
+            <a:endParaRPr lang="en-GB"/>
+          </a:p>
+        </p:txBody>
+      </p:sp>
+    </p:spTree>
+    <p:extLst>
+      <p:ext uri="{BB962C8B-B14F-4D97-AF65-F5344CB8AC3E}">
+        <p14:creationId xmlns:p14="http://schemas.microsoft.com/office/powerpoint/2010/main" val="3689851681"/>
+      </p:ext>
+    </p:extLst>
+  </p:cSld>
+  <p:clrMapOvr>
+    <a:masterClrMapping/>
+  </p:clrMapOvr>
+  <p:timing>
+    <p:tnLst>
+      <p:par>
+        <p:cTn id="1" dur="indefinite" restart="never" nodeType="tmRoot">
+          <p:childTnLst>
+            <p:seq concurrent="1" nextAc="seek">
+              <p:cTn id="2" dur="indefinite" nodeType="mainSeq">
+                <p:childTnLst>
+                  <p:par>
+                    <p:cTn id="3" fill="hold">
+                      <p:stCondLst>
+                        <p:cond delay="indefinite"/>
+                      </p:stCondLst>
+                      <p:childTnLst>
+                        <p:par>
+                          <p:cTn id="4" fill="hold">
+                            <p:stCondLst>
+                              <p:cond delay="0"/>
+                            </p:stCondLst>
+                            <p:childTnLst>
+                              <p:par>
+                                <p:cTn id="5" presetID="0" presetClass="path" presetSubtype="0" accel="50000" decel="50000" fill="hold" grpId="0" nodeType="clickEffect">
+                                  <p:stCondLst>
+                                    <p:cond delay="0"/>
+                                  </p:stCondLst>
+                                  <p:childTnLst>
+                                    <p:animMotion origin="layout" path="M 0 0 L 0 0 C -0.00248 0.00093 -0.00495 0.00209 -0.00742 0.00255 C -0.04271 0.00972 -0.11042 0.00625 -0.12656 0.00648 C -0.16472 0.01621 -0.13451 0.00903 -0.23242 0.00648 C -0.23334 0.00648 -0.23711 0.00324 -0.2375 0.00255 C -0.23815 0.00185 -0.23841 0.0007 -0.23906 0 C -0.23972 -0.00069 -0.2405 -0.00092 -0.24128 -0.00139 C -0.24167 -0.00208 -0.24206 -0.00324 -0.24271 -0.00393 C -0.24349 -0.00463 -0.24727 -0.00625 -0.24779 -0.00648 C -0.24857 -0.00741 -0.24922 -0.00856 -0.25 -0.00903 C -0.25143 -0.01018 -0.25313 -0.01018 -0.25443 -0.0118 C -0.25521 -0.01273 -0.25599 -0.01342 -0.25664 -0.01435 C -0.26302 -0.02245 -0.25664 -0.01481 -0.26185 -0.02083 C -0.26224 -0.02222 -0.26289 -0.02338 -0.26328 -0.02477 C -0.26367 -0.02639 -0.26367 -0.02847 -0.26406 -0.03009 C -0.26446 -0.03194 -0.26498 -0.03356 -0.2655 -0.03518 C -0.26576 -0.0375 -0.26602 -0.03958 -0.26628 -0.0419 C -0.26836 -0.06921 -0.26693 -0.09583 -0.26628 -0.12407 C -0.26615 -0.1287 -0.26524 -0.13287 -0.26472 -0.13727 C -0.26446 -0.14028 -0.26433 -0.14329 -0.26406 -0.14629 C -0.26367 -0.15 -0.26289 -0.15324 -0.2625 -0.15694 C -0.26198 -0.16296 -0.26172 -0.16921 -0.26107 -0.17523 C -0.26081 -0.17731 -0.26068 -0.17963 -0.26029 -0.18171 C -0.26003 -0.18356 -0.25925 -0.18518 -0.25886 -0.1868 C -0.25847 -0.18866 -0.25847 -0.19051 -0.25808 -0.19213 C -0.25768 -0.19444 -0.25716 -0.19653 -0.25664 -0.19861 C -0.25638 -0.20162 -0.25612 -0.20717 -0.25521 -0.21041 C -0.25456 -0.21273 -0.25365 -0.21481 -0.253 -0.2169 C -0.25169 -0.22153 -0.25156 -0.22454 -0.25 -0.2287 C -0.24961 -0.22986 -0.24896 -0.23032 -0.24857 -0.23125 C -0.24466 -0.24166 -0.24974 -0.23194 -0.24492 -0.24051 C -0.24466 -0.2419 -0.24466 -0.24329 -0.24414 -0.24444 C -0.2431 -0.24699 -0.24167 -0.24884 -0.2405 -0.25092 C -0.23685 -0.25741 -0.23985 -0.25254 -0.23607 -0.25741 C -0.23412 -0.26018 -0.23242 -0.26342 -0.23021 -0.26528 C -0.22917 -0.2662 -0.22813 -0.2669 -0.22722 -0.26805 C -0.22669 -0.26875 -0.22643 -0.27014 -0.22578 -0.2706 C -0.22266 -0.27338 -0.22097 -0.27315 -0.21771 -0.27454 C -0.21693 -0.27477 -0.21628 -0.27546 -0.2155 -0.27569 C -0.20886 -0.27546 -0.20222 -0.27523 -0.19558 -0.27454 C -0.19492 -0.2743 -0.19401 -0.27407 -0.19349 -0.27315 C -0.1918 -0.27083 -0.1905 -0.26805 -0.18906 -0.26528 C -0.18854 -0.26458 -0.18789 -0.26366 -0.1875 -0.26273 C -0.18516 -0.25625 -0.18672 -0.25995 -0.18242 -0.25231 C -0.1819 -0.25139 -0.18151 -0.25023 -0.18099 -0.24977 C -0.17656 -0.24583 -0.17904 -0.24768 -0.17357 -0.24444 C -0.17279 -0.24398 -0.17214 -0.24305 -0.17136 -0.24305 L -0.16771 -0.24305 L -0.16771 -0.24305 " pathEditMode="relative" ptsTypes="AAAAAAAAAAAAAAAAAAAAAAAAAAAAAAAAAAAAAAAAAAAAAAAAAA">
+                                      <p:cBhvr>
+                                        <p:cTn id="6" dur="2000" fill="hold"/>
+                                        <p:tgtEl>
+                                          <p:spTgt spid="16"/>
+                                        </p:tgtEl>
+                                        <p:attrNameLst>
+                                          <p:attrName>ppt_x</p:attrName>
+                                          <p:attrName>ppt_y</p:attrName>
+                                        </p:attrNameLst>
+                                      </p:cBhvr>
+                                    </p:animMotion>
+                                  </p:childTnLst>
+                                </p:cTn>
+                              </p:par>
+                            </p:childTnLst>
+                          </p:cTn>
+                        </p:par>
+                      </p:childTnLst>
+                    </p:cTn>
+                  </p:par>
+                  <p:par>
+                    <p:cTn id="7" fill="hold">
+                      <p:stCondLst>
+                        <p:cond delay="indefinite"/>
+                      </p:stCondLst>
+                      <p:childTnLst>
+                        <p:par>
+                          <p:cTn id="8" fill="hold">
+                            <p:stCondLst>
+                              <p:cond delay="0"/>
+                            </p:stCondLst>
+                            <p:childTnLst>
+                              <p:par>
+                                <p:cTn id="9" presetID="1" presetClass="exit" presetSubtype="0" fill="hold" grpId="0" nodeType="clickEffect">
+                                  <p:stCondLst>
+                                    <p:cond delay="0"/>
+                                  </p:stCondLst>
+                                  <p:childTnLst>
+                                    <p:set>
+                                      <p:cBhvr>
+                                        <p:cTn id="10" dur="1" fill="hold">
+                                          <p:stCondLst>
+                                            <p:cond delay="0"/>
+                                          </p:stCondLst>
+                                        </p:cTn>
+                                        <p:tgtEl>
+                                          <p:spTgt spid="14"/>
+                                        </p:tgtEl>
+                                        <p:attrNameLst>
+                                          <p:attrName>style.visibility</p:attrName>
+                                        </p:attrNameLst>
+                                      </p:cBhvr>
+                                      <p:to>
+                                        <p:strVal val="hidden"/>
+                                      </p:to>
+                                    </p:set>
+                                  </p:childTnLst>
+                                </p:cTn>
+                              </p:par>
+                              <p:par>
+                                <p:cTn id="11" presetID="1" presetClass="exit" presetSubtype="0" fill="hold" grpId="0" nodeType="withEffect">
+                                  <p:stCondLst>
+                                    <p:cond delay="0"/>
+                                  </p:stCondLst>
+                                  <p:childTnLst>
+                                    <p:set>
+                                      <p:cBhvr>
+                                        <p:cTn id="12" dur="1" fill="hold">
+                                          <p:stCondLst>
+                                            <p:cond delay="0"/>
+                                          </p:stCondLst>
+                                        </p:cTn>
+                                        <p:tgtEl>
+                                          <p:spTgt spid="10"/>
+                                        </p:tgtEl>
+                                        <p:attrNameLst>
+                                          <p:attrName>style.visibility</p:attrName>
+                                        </p:attrNameLst>
+                                      </p:cBhvr>
+                                      <p:to>
+                                        <p:strVal val="hidden"/>
+                                      </p:to>
+                                    </p:set>
+                                  </p:childTnLst>
+                                </p:cTn>
+                              </p:par>
+                            </p:childTnLst>
+                          </p:cTn>
+                        </p:par>
+                      </p:childTnLst>
+                    </p:cTn>
+                  </p:par>
+                </p:childTnLst>
+              </p:cTn>
+              <p:prevCondLst>
+                <p:cond evt="onPrev" delay="0">
+                  <p:tgtEl>
+                    <p:sldTgt/>
+                  </p:tgtEl>
+                </p:cond>
+              </p:prevCondLst>
+              <p:nextCondLst>
+                <p:cond evt="onNext" delay="0">
+                  <p:tgtEl>
+                    <p:sldTgt/>
+                  </p:tgtEl>
+                </p:cond>
+              </p:nextCondLst>
+            </p:seq>
+          </p:childTnLst>
+        </p:cTn>
+      </p:par>
+    </p:tnLst>
+    <p:bldLst>
+      <p:bldP spid="10" grpId="0" animBg="1"/>
+      <p:bldP spid="14" grpId="0" animBg="1"/>
+      <p:bldP spid="16" grpId="0" animBg="1"/>
+    </p:bldLst>
+  </p:timing>
+</p:sld>
+</file>
+
+<file path=ppt/slides/slide8.xml><?xml version="1.0" encoding="utf-8"?>
+<p:sld xmlns:a="http://schemas.openxmlformats.org/drawingml/2006/main" xmlns:r="http://schemas.openxmlformats.org/officeDocument/2006/relationships" xmlns:p="http://schemas.openxmlformats.org/presentationml/2006/main">
+  <p:cSld>
+    <p:spTree>
+      <p:nvGrpSpPr>
+        <p:cNvPr id="1" name=""/>
+        <p:cNvGrpSpPr/>
+        <p:nvPr/>
+      </p:nvGrpSpPr>
+      <p:grpSpPr>
+        <a:xfrm>
+          <a:off x="0" y="0"/>
+          <a:ext cx="0" cy="0"/>
+          <a:chOff x="0" y="0"/>
+          <a:chExt cx="0" cy="0"/>
+        </a:xfrm>
+      </p:grpSpPr>
+      <p:sp>
+        <p:nvSpPr>
+          <p:cNvPr id="5" name="Rounded Rectangle 4"/>
+          <p:cNvSpPr/>
+          <p:nvPr/>
+        </p:nvSpPr>
+        <p:spPr>
+          <a:xfrm>
+            <a:off x="975823" y="2383123"/>
+            <a:ext cx="9528504" cy="3594370"/>
+          </a:xfrm>
+          <a:prstGeom prst="roundRect">
+            <a:avLst/>
+          </a:prstGeom>
+          <a:solidFill>
+            <a:schemeClr val="bg1"/>
+          </a:solidFill>
+        </p:spPr>
+        <p:style>
+          <a:lnRef idx="2">
+            <a:schemeClr val="accent1">
+              <a:shade val="50000"/>
+            </a:schemeClr>
+          </a:lnRef>
+          <a:fillRef idx="1">
+            <a:schemeClr val="accent1"/>
+          </a:fillRef>
+          <a:effectRef idx="0">
+            <a:schemeClr val="accent1"/>
+          </a:effectRef>
+          <a:fontRef idx="minor">
+            <a:schemeClr val="lt1"/>
+          </a:fontRef>
+        </p:style>
+        <p:txBody>
+          <a:bodyPr rtlCol="0" anchor="ctr"/>
+          <a:lstStyle/>
+          <a:p>
+            <a:pPr algn="ctr"/>
+            <a:endParaRPr lang="en-GB"/>
+          </a:p>
+        </p:txBody>
+      </p:sp>
+      <p:sp>
+        <p:nvSpPr>
+          <p:cNvPr id="6" name="Oval 5"/>
+          <p:cNvSpPr/>
+          <p:nvPr/>
+        </p:nvSpPr>
+        <p:spPr>
+          <a:xfrm>
+            <a:off x="1220812" y="4754577"/>
+            <a:ext cx="977237" cy="1048002"/>
+          </a:xfrm>
+          <a:prstGeom prst="ellipse">
+            <a:avLst/>
+          </a:prstGeom>
+        </p:spPr>
+        <p:style>
+          <a:lnRef idx="2">
+            <a:schemeClr val="accent4">
+              <a:shade val="50000"/>
+            </a:schemeClr>
+          </a:lnRef>
+          <a:fillRef idx="1">
+            <a:schemeClr val="accent4"/>
+          </a:fillRef>
+          <a:effectRef idx="0">
+            <a:schemeClr val="accent4"/>
+          </a:effectRef>
+          <a:fontRef idx="minor">
+            <a:schemeClr val="lt1"/>
+          </a:fontRef>
+        </p:style>
+        <p:txBody>
+          <a:bodyPr rtlCol="0" anchor="ctr"/>
+          <a:lstStyle/>
+          <a:p>
+            <a:pPr algn="ctr"/>
+            <a:endParaRPr lang="en-GB"/>
+          </a:p>
+        </p:txBody>
+      </p:sp>
+      <p:sp>
+        <p:nvSpPr>
+          <p:cNvPr id="7" name="Rectangle 6"/>
+          <p:cNvSpPr/>
+          <p:nvPr/>
+        </p:nvSpPr>
+        <p:spPr>
+          <a:xfrm>
+            <a:off x="975823" y="4068592"/>
+            <a:ext cx="4286480" cy="89965"/>
+          </a:xfrm>
+          <a:prstGeom prst="rect">
+            <a:avLst/>
+          </a:prstGeom>
+        </p:spPr>
+        <p:style>
+          <a:lnRef idx="2">
+            <a:schemeClr val="dk1">
+              <a:shade val="50000"/>
+            </a:schemeClr>
+          </a:lnRef>
+          <a:fillRef idx="1">
+            <a:schemeClr val="dk1"/>
+          </a:fillRef>
+          <a:effectRef idx="0">
+            <a:schemeClr val="dk1"/>
+          </a:effectRef>
+          <a:fontRef idx="minor">
+            <a:schemeClr val="lt1"/>
+          </a:fontRef>
+        </p:style>
+        <p:txBody>
+          <a:bodyPr rtlCol="0" anchor="ctr"/>
+          <a:lstStyle/>
+          <a:p>
+            <a:pPr algn="ctr"/>
+            <a:endParaRPr lang="en-GB"/>
+          </a:p>
+        </p:txBody>
+      </p:sp>
+      <p:sp>
+        <p:nvSpPr>
+          <p:cNvPr id="8" name="Rectangle 7"/>
+          <p:cNvSpPr/>
+          <p:nvPr/>
+        </p:nvSpPr>
+        <p:spPr>
+          <a:xfrm>
+            <a:off x="5152991" y="4158557"/>
+            <a:ext cx="109312" cy="1818936"/>
+          </a:xfrm>
+          <a:prstGeom prst="rect">
+            <a:avLst/>
+          </a:prstGeom>
+        </p:spPr>
+        <p:style>
+          <a:lnRef idx="2">
+            <a:schemeClr val="dk1">
+              <a:shade val="50000"/>
+            </a:schemeClr>
+          </a:lnRef>
+          <a:fillRef idx="1">
+            <a:schemeClr val="dk1"/>
+          </a:fillRef>
+          <a:effectRef idx="0">
+            <a:schemeClr val="dk1"/>
+          </a:effectRef>
+          <a:fontRef idx="minor">
+            <a:schemeClr val="lt1"/>
+          </a:fontRef>
+        </p:style>
+        <p:txBody>
+          <a:bodyPr rtlCol="0" anchor="ctr"/>
+          <a:lstStyle/>
+          <a:p>
+            <a:pPr algn="ctr"/>
+            <a:endParaRPr lang="en-GB"/>
+          </a:p>
+        </p:txBody>
+      </p:sp>
+      <p:sp>
+        <p:nvSpPr>
+          <p:cNvPr id="9" name="Oval 8"/>
+          <p:cNvSpPr/>
+          <p:nvPr/>
+        </p:nvSpPr>
+        <p:spPr>
+          <a:xfrm>
+            <a:off x="9058506" y="4786958"/>
+            <a:ext cx="977237" cy="1048002"/>
+          </a:xfrm>
+          <a:prstGeom prst="ellipse">
+            <a:avLst/>
+          </a:prstGeom>
+        </p:spPr>
+        <p:style>
+          <a:lnRef idx="2">
+            <a:schemeClr val="accent4">
+              <a:shade val="50000"/>
+            </a:schemeClr>
+          </a:lnRef>
+          <a:fillRef idx="1">
+            <a:schemeClr val="accent4"/>
+          </a:fillRef>
+          <a:effectRef idx="0">
+            <a:schemeClr val="accent4"/>
+          </a:effectRef>
+          <a:fontRef idx="minor">
+            <a:schemeClr val="lt1"/>
+          </a:fontRef>
+        </p:style>
+        <p:txBody>
+          <a:bodyPr rtlCol="0" anchor="ctr"/>
+          <a:lstStyle/>
+          <a:p>
+            <a:pPr algn="ctr"/>
+            <a:endParaRPr lang="en-GB"/>
+          </a:p>
+        </p:txBody>
+      </p:sp>
+      <p:sp>
+        <p:nvSpPr>
+          <p:cNvPr id="11" name="Rectangle 10"/>
+          <p:cNvSpPr/>
+          <p:nvPr/>
+        </p:nvSpPr>
+        <p:spPr>
+          <a:xfrm>
+            <a:off x="7933216" y="4158557"/>
+            <a:ext cx="2571111" cy="123702"/>
+          </a:xfrm>
+          <a:prstGeom prst="rect">
+            <a:avLst/>
+          </a:prstGeom>
+        </p:spPr>
+        <p:style>
+          <a:lnRef idx="2">
+            <a:schemeClr val="dk1">
+              <a:shade val="50000"/>
+            </a:schemeClr>
+          </a:lnRef>
+          <a:fillRef idx="1">
+            <a:schemeClr val="dk1"/>
+          </a:fillRef>
+          <a:effectRef idx="0">
+            <a:schemeClr val="dk1"/>
+          </a:effectRef>
+          <a:fontRef idx="minor">
+            <a:schemeClr val="lt1"/>
+          </a:fontRef>
+        </p:style>
+        <p:txBody>
+          <a:bodyPr rtlCol="0" anchor="ctr"/>
+          <a:lstStyle/>
+          <a:p>
+            <a:pPr algn="ctr"/>
+            <a:endParaRPr lang="en-GB"/>
+          </a:p>
+        </p:txBody>
+      </p:sp>
+      <p:sp>
+        <p:nvSpPr>
+          <p:cNvPr id="12" name="Rectangle 11"/>
+          <p:cNvSpPr/>
+          <p:nvPr/>
+        </p:nvSpPr>
+        <p:spPr>
+          <a:xfrm>
+            <a:off x="6597759" y="4113575"/>
+            <a:ext cx="1335457" cy="192071"/>
+          </a:xfrm>
+          <a:prstGeom prst="rect">
+            <a:avLst/>
+          </a:prstGeom>
+        </p:spPr>
+        <p:style>
+          <a:lnRef idx="2">
+            <a:schemeClr val="dk1">
+              <a:shade val="50000"/>
+            </a:schemeClr>
+          </a:lnRef>
+          <a:fillRef idx="1">
+            <a:schemeClr val="dk1"/>
+          </a:fillRef>
+          <a:effectRef idx="0">
+            <a:schemeClr val="dk1"/>
+          </a:effectRef>
+          <a:fontRef idx="minor">
+            <a:schemeClr val="lt1"/>
+          </a:fontRef>
+        </p:style>
+        <p:txBody>
+          <a:bodyPr rtlCol="0" anchor="ctr"/>
+          <a:lstStyle/>
+          <a:p>
+            <a:pPr algn="ctr"/>
+            <a:endParaRPr lang="en-GB"/>
+          </a:p>
+        </p:txBody>
+      </p:sp>
+      <p:sp>
+        <p:nvSpPr>
+          <p:cNvPr id="13" name="Oval 12"/>
+          <p:cNvSpPr/>
+          <p:nvPr/>
+        </p:nvSpPr>
+        <p:spPr>
+          <a:xfrm>
+            <a:off x="8974006" y="2816500"/>
+            <a:ext cx="977237" cy="1048002"/>
+          </a:xfrm>
+          <a:prstGeom prst="ellipse">
+            <a:avLst/>
+          </a:prstGeom>
+        </p:spPr>
+        <p:style>
+          <a:lnRef idx="2">
+            <a:schemeClr val="accent4">
+              <a:shade val="50000"/>
+            </a:schemeClr>
+          </a:lnRef>
+          <a:fillRef idx="1">
+            <a:schemeClr val="accent4"/>
+          </a:fillRef>
+          <a:effectRef idx="0">
+            <a:schemeClr val="accent4"/>
+          </a:effectRef>
+          <a:fontRef idx="minor">
+            <a:schemeClr val="lt1"/>
+          </a:fontRef>
+        </p:style>
+        <p:txBody>
+          <a:bodyPr rtlCol="0" anchor="ctr"/>
+          <a:lstStyle/>
+          <a:p>
+            <a:pPr algn="ctr"/>
+            <a:endParaRPr lang="en-GB"/>
+          </a:p>
+        </p:txBody>
+      </p:sp>
+      <p:sp>
+        <p:nvSpPr>
+          <p:cNvPr id="15" name="Right Arrow 14"/>
+          <p:cNvSpPr/>
+          <p:nvPr/>
+        </p:nvSpPr>
+        <p:spPr>
+          <a:xfrm>
+            <a:off x="3817535" y="4992427"/>
+            <a:ext cx="879128" cy="496648"/>
+          </a:xfrm>
+          <a:prstGeom prst="rightArrow">
+            <a:avLst/>
+          </a:prstGeom>
+        </p:spPr>
+        <p:style>
+          <a:lnRef idx="2">
+            <a:schemeClr val="accent1">
+              <a:shade val="50000"/>
+            </a:schemeClr>
+          </a:lnRef>
+          <a:fillRef idx="1">
+            <a:schemeClr val="accent1"/>
+          </a:fillRef>
+          <a:effectRef idx="0">
+            <a:schemeClr val="accent1"/>
+          </a:effectRef>
+          <a:fontRef idx="minor">
+            <a:schemeClr val="lt1"/>
+          </a:fontRef>
+        </p:style>
+        <p:txBody>
+          <a:bodyPr rtlCol="0" anchor="ctr"/>
+          <a:lstStyle/>
+          <a:p>
+            <a:pPr algn="ctr"/>
+            <a:r>
+              <a:rPr lang="en-GB" dirty="0" smtClean="0"/>
+              <a:t>key</a:t>
+            </a:r>
+            <a:endParaRPr lang="en-GB" dirty="0"/>
+          </a:p>
+        </p:txBody>
+      </p:sp>
+      <p:grpSp>
+        <p:nvGrpSpPr>
+          <p:cNvPr id="17" name="Group 16"/>
+          <p:cNvGrpSpPr/>
+          <p:nvPr/>
+        </p:nvGrpSpPr>
+        <p:grpSpPr>
+          <a:xfrm>
+            <a:off x="1060942" y="2383123"/>
+            <a:ext cx="9598860" cy="3714863"/>
+            <a:chOff x="1276555" y="3103022"/>
+            <a:chExt cx="8995582" cy="3584681"/>
+          </a:xfrm>
+        </p:grpSpPr>
+        <p:sp>
+          <p:nvSpPr>
+            <p:cNvPr id="18" name="Rounded Rectangle 17"/>
+            <p:cNvSpPr/>
+            <p:nvPr/>
+          </p:nvSpPr>
+          <p:spPr>
+            <a:xfrm>
+              <a:off x="1276555" y="3103022"/>
+              <a:ext cx="8995582" cy="3546076"/>
+            </a:xfrm>
+            <a:prstGeom prst="roundRect">
+              <a:avLst/>
+            </a:prstGeom>
+            <a:solidFill>
+              <a:schemeClr val="bg1"/>
+            </a:solidFill>
+          </p:spPr>
+          <p:style>
+            <a:lnRef idx="2">
+              <a:schemeClr val="accent1">
+                <a:shade val="50000"/>
+              </a:schemeClr>
+            </a:lnRef>
+            <a:fillRef idx="1">
+              <a:schemeClr val="accent1"/>
+            </a:fillRef>
+            <a:effectRef idx="0">
+              <a:schemeClr val="accent1"/>
+            </a:effectRef>
+            <a:fontRef idx="minor">
+              <a:schemeClr val="lt1"/>
+            </a:fontRef>
+          </p:style>
+          <p:txBody>
+            <a:bodyPr rtlCol="0" anchor="ctr"/>
+            <a:lstStyle/>
+            <a:p>
+              <a:pPr algn="ctr"/>
+              <a:endParaRPr lang="en-GB"/>
+            </a:p>
+          </p:txBody>
+        </p:sp>
+        <p:sp>
+          <p:nvSpPr>
+            <p:cNvPr id="19" name="Oval 18"/>
+            <p:cNvSpPr/>
+            <p:nvPr/>
+          </p:nvSpPr>
+          <p:spPr>
+            <a:xfrm>
+              <a:off x="3989902" y="3443606"/>
+              <a:ext cx="1431682" cy="1398045"/>
+            </a:xfrm>
+            <a:prstGeom prst="ellipse">
+              <a:avLst/>
+            </a:prstGeom>
+          </p:spPr>
+          <p:style>
+            <a:lnRef idx="2">
+              <a:schemeClr val="accent4">
+                <a:shade val="50000"/>
+              </a:schemeClr>
+            </a:lnRef>
+            <a:fillRef idx="1">
+              <a:schemeClr val="accent4"/>
+            </a:fillRef>
+            <a:effectRef idx="0">
+              <a:schemeClr val="accent4"/>
+            </a:effectRef>
+            <a:fontRef idx="minor">
+              <a:schemeClr val="lt1"/>
+            </a:fontRef>
+          </p:style>
+          <p:txBody>
+            <a:bodyPr rtlCol="0" anchor="ctr"/>
+            <a:lstStyle/>
+            <a:p>
+              <a:pPr algn="ctr"/>
+              <a:endParaRPr lang="en-GB"/>
+            </a:p>
+          </p:txBody>
+        </p:sp>
+        <p:sp>
+          <p:nvSpPr>
+            <p:cNvPr id="20" name="Oval 19"/>
+            <p:cNvSpPr/>
+            <p:nvPr/>
+          </p:nvSpPr>
+          <p:spPr>
+            <a:xfrm>
+              <a:off x="6134622" y="5408364"/>
+              <a:ext cx="1228556" cy="1150663"/>
+            </a:xfrm>
+            <a:prstGeom prst="ellipse">
+              <a:avLst/>
+            </a:prstGeom>
+          </p:spPr>
+          <p:style>
+            <a:lnRef idx="2">
+              <a:schemeClr val="accent4">
+                <a:shade val="50000"/>
+              </a:schemeClr>
+            </a:lnRef>
+            <a:fillRef idx="1">
+              <a:schemeClr val="accent4"/>
+            </a:fillRef>
+            <a:effectRef idx="0">
+              <a:schemeClr val="accent4"/>
+            </a:effectRef>
+            <a:fontRef idx="minor">
+              <a:schemeClr val="lt1"/>
+            </a:fontRef>
+          </p:style>
+          <p:txBody>
+            <a:bodyPr rtlCol="0" anchor="ctr"/>
+            <a:lstStyle/>
+            <a:p>
+              <a:pPr algn="ctr"/>
+              <a:endParaRPr lang="en-GB"/>
+            </a:p>
+          </p:txBody>
+        </p:sp>
+        <p:sp>
+          <p:nvSpPr>
+            <p:cNvPr id="21" name="Oval 20"/>
+            <p:cNvSpPr/>
+            <p:nvPr/>
+          </p:nvSpPr>
+          <p:spPr>
+            <a:xfrm>
+              <a:off x="8436984" y="3330070"/>
+              <a:ext cx="1228556" cy="1150663"/>
+            </a:xfrm>
+            <a:prstGeom prst="ellipse">
+              <a:avLst/>
+            </a:prstGeom>
+          </p:spPr>
+          <p:style>
+            <a:lnRef idx="2">
+              <a:schemeClr val="accent4">
+                <a:shade val="50000"/>
+              </a:schemeClr>
+            </a:lnRef>
+            <a:fillRef idx="1">
+              <a:schemeClr val="accent4"/>
+            </a:fillRef>
+            <a:effectRef idx="0">
+              <a:schemeClr val="accent4"/>
+            </a:effectRef>
+            <a:fontRef idx="minor">
+              <a:schemeClr val="lt1"/>
+            </a:fontRef>
+          </p:style>
+          <p:txBody>
+            <a:bodyPr rtlCol="0" anchor="ctr"/>
+            <a:lstStyle/>
+            <a:p>
+              <a:pPr algn="ctr"/>
+              <a:endParaRPr lang="en-GB"/>
+            </a:p>
+          </p:txBody>
+        </p:sp>
+        <p:sp>
+          <p:nvSpPr>
+            <p:cNvPr id="22" name="Oval 21"/>
+            <p:cNvSpPr/>
+            <p:nvPr/>
+          </p:nvSpPr>
+          <p:spPr>
+            <a:xfrm>
+              <a:off x="8495704" y="5349139"/>
+              <a:ext cx="1252485" cy="1190310"/>
+            </a:xfrm>
+            <a:prstGeom prst="ellipse">
+              <a:avLst/>
+            </a:prstGeom>
+          </p:spPr>
+          <p:style>
+            <a:lnRef idx="2">
+              <a:schemeClr val="accent2">
+                <a:shade val="50000"/>
+              </a:schemeClr>
+            </a:lnRef>
+            <a:fillRef idx="1">
+              <a:schemeClr val="accent2"/>
+            </a:fillRef>
+            <a:effectRef idx="0">
+              <a:schemeClr val="accent2"/>
+            </a:effectRef>
+            <a:fontRef idx="minor">
+              <a:schemeClr val="lt1"/>
+            </a:fontRef>
+          </p:style>
+          <p:txBody>
+            <a:bodyPr rtlCol="0" anchor="ctr"/>
+            <a:lstStyle/>
+            <a:p>
+              <a:pPr algn="ctr"/>
+              <a:endParaRPr lang="en-GB"/>
+            </a:p>
+          </p:txBody>
+        </p:sp>
+        <p:sp>
+          <p:nvSpPr>
+            <p:cNvPr id="23" name="Rectangle 22"/>
+            <p:cNvSpPr/>
+            <p:nvPr/>
+          </p:nvSpPr>
+          <p:spPr>
+            <a:xfrm>
+              <a:off x="3966370" y="5387244"/>
+              <a:ext cx="1562240" cy="87597"/>
+            </a:xfrm>
+            <a:prstGeom prst="rect">
+              <a:avLst/>
+            </a:prstGeom>
+          </p:spPr>
+          <p:style>
+            <a:lnRef idx="2">
+              <a:schemeClr val="dk1">
+                <a:shade val="50000"/>
+              </a:schemeClr>
+            </a:lnRef>
+            <a:fillRef idx="1">
+              <a:schemeClr val="dk1"/>
+            </a:fillRef>
+            <a:effectRef idx="0">
+              <a:schemeClr val="dk1"/>
+            </a:effectRef>
+            <a:fontRef idx="minor">
+              <a:schemeClr val="lt1"/>
+            </a:fontRef>
+          </p:style>
+          <p:txBody>
+            <a:bodyPr rtlCol="0" anchor="ctr"/>
+            <a:lstStyle/>
+            <a:p>
+              <a:pPr algn="ctr"/>
+              <a:endParaRPr lang="en-GB"/>
+            </a:p>
+          </p:txBody>
+        </p:sp>
+        <p:sp>
+          <p:nvSpPr>
+            <p:cNvPr id="24" name="Oval 23"/>
+            <p:cNvSpPr/>
+            <p:nvPr/>
+          </p:nvSpPr>
+          <p:spPr>
+            <a:xfrm>
+              <a:off x="1467514" y="5408364"/>
+              <a:ext cx="1098183" cy="1085951"/>
+            </a:xfrm>
+            <a:prstGeom prst="ellipse">
+              <a:avLst/>
+            </a:prstGeom>
+          </p:spPr>
+          <p:style>
+            <a:lnRef idx="2">
+              <a:schemeClr val="accent2">
+                <a:shade val="50000"/>
+              </a:schemeClr>
+            </a:lnRef>
+            <a:fillRef idx="1">
+              <a:schemeClr val="accent2"/>
+            </a:fillRef>
+            <a:effectRef idx="0">
+              <a:schemeClr val="accent2"/>
+            </a:effectRef>
+            <a:fontRef idx="minor">
+              <a:schemeClr val="lt1"/>
+            </a:fontRef>
+          </p:style>
+          <p:txBody>
+            <a:bodyPr rtlCol="0" anchor="ctr"/>
+            <a:lstStyle/>
+            <a:p>
+              <a:pPr algn="ctr"/>
+              <a:endParaRPr lang="en-GB"/>
+            </a:p>
+          </p:txBody>
+        </p:sp>
+        <p:sp>
+          <p:nvSpPr>
+            <p:cNvPr id="25" name="Rectangle 24"/>
+            <p:cNvSpPr/>
+            <p:nvPr/>
+          </p:nvSpPr>
+          <p:spPr>
+            <a:xfrm>
+              <a:off x="5705492" y="3141627"/>
+              <a:ext cx="68854" cy="3546076"/>
+            </a:xfrm>
+            <a:prstGeom prst="rect">
+              <a:avLst/>
+            </a:prstGeom>
+          </p:spPr>
+          <p:style>
+            <a:lnRef idx="2">
+              <a:schemeClr val="dk1">
+                <a:shade val="50000"/>
+              </a:schemeClr>
+            </a:lnRef>
+            <a:fillRef idx="1">
+              <a:schemeClr val="dk1"/>
+            </a:fillRef>
+            <a:effectRef idx="0">
+              <a:schemeClr val="dk1"/>
+            </a:effectRef>
+            <a:fontRef idx="minor">
+              <a:schemeClr val="lt1"/>
+            </a:fontRef>
+          </p:style>
+          <p:txBody>
+            <a:bodyPr rtlCol="0" anchor="ctr"/>
+            <a:lstStyle/>
+            <a:p>
+              <a:pPr algn="ctr"/>
+              <a:endParaRPr lang="en-GB"/>
+            </a:p>
+          </p:txBody>
+        </p:sp>
+      </p:grpSp>
+      <p:grpSp>
+        <p:nvGrpSpPr>
+          <p:cNvPr id="26" name="Group 25"/>
+          <p:cNvGrpSpPr/>
+          <p:nvPr/>
+        </p:nvGrpSpPr>
+        <p:grpSpPr>
+          <a:xfrm>
+            <a:off x="1060942" y="2283048"/>
+            <a:ext cx="9842269" cy="3998422"/>
+            <a:chOff x="1133709" y="5961528"/>
+            <a:chExt cx="9842269" cy="3998422"/>
+          </a:xfrm>
+        </p:grpSpPr>
+        <p:sp>
+          <p:nvSpPr>
+            <p:cNvPr id="27" name="Rounded Rectangle 26"/>
+            <p:cNvSpPr/>
+            <p:nvPr/>
+          </p:nvSpPr>
+          <p:spPr>
+            <a:xfrm>
+              <a:off x="1133709" y="5961528"/>
+              <a:ext cx="9842269" cy="3998422"/>
+            </a:xfrm>
+            <a:prstGeom prst="roundRect">
+              <a:avLst/>
+            </a:prstGeom>
+            <a:solidFill>
+              <a:schemeClr val="bg1"/>
+            </a:solidFill>
+          </p:spPr>
+          <p:style>
+            <a:lnRef idx="2">
+              <a:schemeClr val="accent1">
+                <a:shade val="50000"/>
+              </a:schemeClr>
+            </a:lnRef>
+            <a:fillRef idx="1">
+              <a:schemeClr val="accent1"/>
+            </a:fillRef>
+            <a:effectRef idx="0">
+              <a:schemeClr val="accent1"/>
+            </a:effectRef>
+            <a:fontRef idx="minor">
+              <a:schemeClr val="lt1"/>
+            </a:fontRef>
+          </p:style>
+          <p:txBody>
+            <a:bodyPr rtlCol="0" anchor="ctr"/>
+            <a:lstStyle/>
+            <a:p>
+              <a:pPr algn="ctr"/>
+              <a:endParaRPr lang="en-GB"/>
+            </a:p>
+          </p:txBody>
+        </p:sp>
+        <p:sp>
+          <p:nvSpPr>
+            <p:cNvPr id="28" name="Rectangle 27"/>
+            <p:cNvSpPr/>
+            <p:nvPr/>
+          </p:nvSpPr>
+          <p:spPr>
+            <a:xfrm>
+              <a:off x="2466517" y="8455808"/>
+              <a:ext cx="1180407" cy="49876"/>
+            </a:xfrm>
+            <a:prstGeom prst="rect">
+              <a:avLst/>
+            </a:prstGeom>
+          </p:spPr>
+          <p:style>
+            <a:lnRef idx="2">
+              <a:schemeClr val="dk1">
+                <a:shade val="50000"/>
+              </a:schemeClr>
+            </a:lnRef>
+            <a:fillRef idx="1">
+              <a:schemeClr val="dk1"/>
+            </a:fillRef>
+            <a:effectRef idx="0">
+              <a:schemeClr val="dk1"/>
+            </a:effectRef>
+            <a:fontRef idx="minor">
+              <a:schemeClr val="lt1"/>
+            </a:fontRef>
+          </p:style>
+          <p:txBody>
+            <a:bodyPr rtlCol="0" anchor="ctr"/>
+            <a:lstStyle/>
+            <a:p>
+              <a:pPr algn="ctr"/>
+              <a:endParaRPr lang="en-GB"/>
+            </a:p>
+          </p:txBody>
+        </p:sp>
+        <p:sp>
+          <p:nvSpPr>
+            <p:cNvPr id="29" name="Rectangle 28"/>
+            <p:cNvSpPr/>
+            <p:nvPr/>
+          </p:nvSpPr>
+          <p:spPr>
+            <a:xfrm>
+              <a:off x="8576372" y="5961528"/>
+              <a:ext cx="130231" cy="3998422"/>
+            </a:xfrm>
+            <a:prstGeom prst="rect">
+              <a:avLst/>
+            </a:prstGeom>
+          </p:spPr>
+          <p:style>
+            <a:lnRef idx="2">
+              <a:schemeClr val="dk1">
+                <a:shade val="50000"/>
+              </a:schemeClr>
+            </a:lnRef>
+            <a:fillRef idx="1">
+              <a:schemeClr val="dk1"/>
+            </a:fillRef>
+            <a:effectRef idx="0">
+              <a:schemeClr val="dk1"/>
+            </a:effectRef>
+            <a:fontRef idx="minor">
+              <a:schemeClr val="lt1"/>
+            </a:fontRef>
+          </p:style>
+          <p:txBody>
+            <a:bodyPr rtlCol="0" anchor="ctr"/>
+            <a:lstStyle/>
+            <a:p>
+              <a:pPr algn="ctr"/>
+              <a:endParaRPr lang="en-GB"/>
+            </a:p>
+          </p:txBody>
+        </p:sp>
+        <p:sp>
+          <p:nvSpPr>
+            <p:cNvPr id="30" name="Isosceles Triangle 29"/>
+            <p:cNvSpPr/>
+            <p:nvPr/>
+          </p:nvSpPr>
+          <p:spPr>
+            <a:xfrm>
+              <a:off x="9136095" y="8624834"/>
+              <a:ext cx="1255222" cy="944879"/>
+            </a:xfrm>
+            <a:prstGeom prst="triangle">
+              <a:avLst/>
+            </a:prstGeom>
+          </p:spPr>
+          <p:style>
+            <a:lnRef idx="2">
+              <a:schemeClr val="accent6">
+                <a:shade val="50000"/>
+              </a:schemeClr>
+            </a:lnRef>
+            <a:fillRef idx="1">
+              <a:schemeClr val="accent6"/>
+            </a:fillRef>
+            <a:effectRef idx="0">
+              <a:schemeClr val="accent6"/>
+            </a:effectRef>
+            <a:fontRef idx="minor">
+              <a:schemeClr val="lt1"/>
+            </a:fontRef>
+          </p:style>
+          <p:txBody>
+            <a:bodyPr rtlCol="0" anchor="ctr"/>
+            <a:lstStyle/>
+            <a:p>
+              <a:pPr algn="ctr"/>
+              <a:r>
+                <a:rPr lang="en-GB" dirty="0" smtClean="0"/>
+                <a:t>goal</a:t>
+              </a:r>
+              <a:endParaRPr lang="en-GB" dirty="0"/>
+            </a:p>
+          </p:txBody>
+        </p:sp>
+        <p:sp>
+          <p:nvSpPr>
+            <p:cNvPr id="31" name="Rectangle 30"/>
+            <p:cNvSpPr/>
+            <p:nvPr/>
+          </p:nvSpPr>
+          <p:spPr>
+            <a:xfrm>
+              <a:off x="4370132" y="7666099"/>
+              <a:ext cx="1363287" cy="74814"/>
+            </a:xfrm>
+            <a:prstGeom prst="rect">
+              <a:avLst/>
+            </a:prstGeom>
+          </p:spPr>
+          <p:style>
+            <a:lnRef idx="2">
+              <a:schemeClr val="dk1">
+                <a:shade val="50000"/>
+              </a:schemeClr>
+            </a:lnRef>
+            <a:fillRef idx="1">
+              <a:schemeClr val="dk1"/>
+            </a:fillRef>
+            <a:effectRef idx="0">
+              <a:schemeClr val="dk1"/>
+            </a:effectRef>
+            <a:fontRef idx="minor">
+              <a:schemeClr val="lt1"/>
+            </a:fontRef>
+          </p:style>
+          <p:txBody>
+            <a:bodyPr rtlCol="0" anchor="ctr"/>
+            <a:lstStyle/>
+            <a:p>
+              <a:pPr algn="ctr"/>
+              <a:endParaRPr lang="en-GB"/>
+            </a:p>
+          </p:txBody>
+        </p:sp>
+        <p:sp>
+          <p:nvSpPr>
+            <p:cNvPr id="32" name="Oval 31"/>
+            <p:cNvSpPr/>
+            <p:nvPr/>
+          </p:nvSpPr>
+          <p:spPr>
+            <a:xfrm>
+              <a:off x="4370132" y="6427503"/>
+              <a:ext cx="1363287" cy="1155469"/>
+            </a:xfrm>
+            <a:prstGeom prst="ellipse">
+              <a:avLst/>
+            </a:prstGeom>
+          </p:spPr>
+          <p:style>
+            <a:lnRef idx="2">
+              <a:schemeClr val="accent2">
+                <a:shade val="50000"/>
+              </a:schemeClr>
+            </a:lnRef>
+            <a:fillRef idx="1">
+              <a:schemeClr val="accent2"/>
+            </a:fillRef>
+            <a:effectRef idx="0">
+              <a:schemeClr val="accent2"/>
+            </a:effectRef>
+            <a:fontRef idx="minor">
+              <a:schemeClr val="lt1"/>
+            </a:fontRef>
+          </p:style>
+          <p:txBody>
+            <a:bodyPr rtlCol="0" anchor="ctr"/>
+            <a:lstStyle/>
+            <a:p>
+              <a:pPr algn="ctr"/>
+              <a:endParaRPr lang="en-GB"/>
+            </a:p>
+          </p:txBody>
+        </p:sp>
+        <p:sp>
+          <p:nvSpPr>
+            <p:cNvPr id="33" name="Oval 32"/>
+            <p:cNvSpPr/>
+            <p:nvPr/>
+          </p:nvSpPr>
+          <p:spPr>
+            <a:xfrm>
+              <a:off x="6876419" y="8563873"/>
+              <a:ext cx="1363287" cy="1274619"/>
+            </a:xfrm>
+            <a:prstGeom prst="ellipse">
+              <a:avLst/>
+            </a:prstGeom>
+          </p:spPr>
+          <p:style>
+            <a:lnRef idx="2">
+              <a:schemeClr val="accent2">
+                <a:shade val="50000"/>
+              </a:schemeClr>
+            </a:lnRef>
+            <a:fillRef idx="1">
+              <a:schemeClr val="accent2"/>
+            </a:fillRef>
+            <a:effectRef idx="0">
+              <a:schemeClr val="accent2"/>
+            </a:effectRef>
+            <a:fontRef idx="minor">
+              <a:schemeClr val="lt1"/>
+            </a:fontRef>
+          </p:style>
+          <p:txBody>
+            <a:bodyPr rtlCol="0" anchor="ctr"/>
+            <a:lstStyle/>
+            <a:p>
+              <a:pPr algn="ctr"/>
+              <a:endParaRPr lang="en-GB"/>
+            </a:p>
+          </p:txBody>
+        </p:sp>
+        <p:sp>
+          <p:nvSpPr>
+            <p:cNvPr id="34" name="Oval 33"/>
+            <p:cNvSpPr/>
+            <p:nvPr/>
+          </p:nvSpPr>
+          <p:spPr>
+            <a:xfrm>
+              <a:off x="9082062" y="6220690"/>
+              <a:ext cx="1363287" cy="1274619"/>
+            </a:xfrm>
+            <a:prstGeom prst="ellipse">
+              <a:avLst/>
+            </a:prstGeom>
+          </p:spPr>
+          <p:style>
+            <a:lnRef idx="2">
+              <a:schemeClr val="accent2">
+                <a:shade val="50000"/>
+              </a:schemeClr>
+            </a:lnRef>
+            <a:fillRef idx="1">
+              <a:schemeClr val="accent2"/>
+            </a:fillRef>
+            <a:effectRef idx="0">
+              <a:schemeClr val="accent2"/>
+            </a:effectRef>
+            <a:fontRef idx="minor">
+              <a:schemeClr val="lt1"/>
+            </a:fontRef>
+          </p:style>
+          <p:txBody>
+            <a:bodyPr rtlCol="0" anchor="ctr"/>
+            <a:lstStyle/>
+            <a:p>
+              <a:pPr algn="ctr"/>
+              <a:endParaRPr lang="en-GB"/>
+            </a:p>
+          </p:txBody>
+        </p:sp>
+      </p:grpSp>
+      <p:sp>
+        <p:nvSpPr>
+          <p:cNvPr id="16" name="Rectangle 15"/>
+          <p:cNvSpPr/>
+          <p:nvPr/>
+        </p:nvSpPr>
+        <p:spPr>
+          <a:xfrm>
+            <a:off x="7265487" y="3506098"/>
+            <a:ext cx="448887" cy="562494"/>
+          </a:xfrm>
+          <a:prstGeom prst="rect">
+            <a:avLst/>
+          </a:prstGeom>
+        </p:spPr>
+        <p:style>
+          <a:lnRef idx="2">
+            <a:schemeClr val="accent1">
+              <a:shade val="50000"/>
+            </a:schemeClr>
+          </a:lnRef>
+          <a:fillRef idx="1">
+            <a:schemeClr val="accent1"/>
+          </a:fillRef>
+          <a:effectRef idx="0">
+            <a:schemeClr val="accent1"/>
+          </a:effectRef>
+          <a:fontRef idx="minor">
+            <a:schemeClr val="lt1"/>
+          </a:fontRef>
+        </p:style>
+        <p:txBody>
+          <a:bodyPr rtlCol="0" anchor="ctr"/>
+          <a:lstStyle/>
+          <a:p>
+            <a:pPr algn="ctr"/>
+            <a:endParaRPr lang="en-GB"/>
+          </a:p>
+        </p:txBody>
+      </p:sp>
+    </p:spTree>
+    <p:extLst>
+      <p:ext uri="{BB962C8B-B14F-4D97-AF65-F5344CB8AC3E}">
+        <p14:creationId xmlns:p14="http://schemas.microsoft.com/office/powerpoint/2010/main" val="1167763105"/>
+      </p:ext>
+    </p:extLst>
+  </p:cSld>
+  <p:clrMapOvr>
+    <a:masterClrMapping/>
+  </p:clrMapOvr>
+  <p:timing>
+    <p:tnLst>
+      <p:par>
+        <p:cTn id="1" dur="indefinite" restart="never" nodeType="tmRoot">
+          <p:childTnLst>
+            <p:seq concurrent="1" nextAc="seek">
+              <p:cTn id="2" dur="indefinite" nodeType="mainSeq">
+                <p:childTnLst>
+                  <p:par>
+                    <p:cTn id="3" fill="hold">
+                      <p:stCondLst>
+                        <p:cond delay="indefinite"/>
+                      </p:stCondLst>
+                      <p:childTnLst>
+                        <p:par>
+                          <p:cTn id="4" fill="hold">
+                            <p:stCondLst>
+                              <p:cond delay="0"/>
+                            </p:stCondLst>
+                            <p:childTnLst>
+                              <p:par>
+                                <p:cTn id="5" presetID="0" presetClass="path" presetSubtype="0" accel="50000" decel="50000" fill="hold" grpId="0" nodeType="clickEffect">
+                                  <p:stCondLst>
+                                    <p:cond delay="0"/>
+                                  </p:stCondLst>
+                                  <p:childTnLst>
+                                    <p:animMotion origin="layout" path="M 0 0 L 0 0 L 0.08528 -0.00139 C 0.08606 -0.00139 0.08672 -0.00231 0.0875 -0.00278 C 0.08841 -0.00324 0.08945 -0.0037 0.09036 -0.00393 C 0.09453 -0.00555 0.097 -0.00579 0.10143 -0.00671 C 0.10677 -0.00972 0.10013 -0.00602 0.10664 -0.00926 C 0.10729 -0.00972 0.10807 -0.01018 0.10872 -0.01065 C 0.11106 -0.01157 0.11315 -0.0118 0.11536 -0.01319 C 0.11666 -0.01389 0.11784 -0.01504 0.11914 -0.01574 C 0.12278 -0.01805 0.12213 -0.01643 0.12643 -0.01829 C 0.13815 -0.02361 0.1237 -0.01898 0.13528 -0.02222 C 0.14544 -0.0331 0.13255 -0.01991 0.14258 -0.0287 C 0.14531 -0.03125 0.14453 -0.03241 0.14778 -0.03403 C 0.14922 -0.03472 0.15065 -0.03495 0.15221 -0.03542 C 0.15846 -0.04282 0.15052 -0.03379 0.15664 -0.03935 C 0.15976 -0.04213 0.15768 -0.0419 0.1595 -0.0419 L 0.16106 -0.04305 " pathEditMode="relative" ptsTypes="AAAAAAAAAAAAAAAAAA">
+                                      <p:cBhvr>
+                                        <p:cTn id="6" dur="2000" fill="hold"/>
+                                        <p:tgtEl>
+                                          <p:spTgt spid="16"/>
+                                        </p:tgtEl>
+                                        <p:attrNameLst>
+                                          <p:attrName>ppt_x</p:attrName>
+                                          <p:attrName>ppt_y</p:attrName>
+                                        </p:attrNameLst>
+                                      </p:cBhvr>
+                                    </p:animMotion>
+                                  </p:childTnLst>
+                                </p:cTn>
+                              </p:par>
+                            </p:childTnLst>
+                          </p:cTn>
+                        </p:par>
+                      </p:childTnLst>
+                    </p:cTn>
+                  </p:par>
+                  <p:par>
+                    <p:cTn id="7" fill="hold">
+                      <p:stCondLst>
+                        <p:cond delay="indefinite"/>
+                      </p:stCondLst>
+                      <p:childTnLst>
+                        <p:par>
+                          <p:cTn id="8" fill="hold">
+                            <p:stCondLst>
+                              <p:cond delay="0"/>
+                            </p:stCondLst>
+                            <p:childTnLst>
+                              <p:par>
+                                <p:cTn id="9" presetID="10" presetClass="entr" presetSubtype="0" fill="hold" nodeType="clickEffect">
+                                  <p:stCondLst>
+                                    <p:cond delay="0"/>
+                                  </p:stCondLst>
+                                  <p:childTnLst>
+                                    <p:set>
+                                      <p:cBhvr>
+                                        <p:cTn id="10" dur="1" fill="hold">
+                                          <p:stCondLst>
+                                            <p:cond delay="0"/>
+                                          </p:stCondLst>
+                                        </p:cTn>
+                                        <p:tgtEl>
+                                          <p:spTgt spid="17"/>
+                                        </p:tgtEl>
+                                        <p:attrNameLst>
+                                          <p:attrName>style.visibility</p:attrName>
+                                        </p:attrNameLst>
+                                      </p:cBhvr>
+                                      <p:to>
+                                        <p:strVal val="visible"/>
+                                      </p:to>
+                                    </p:set>
+                                    <p:animEffect transition="in" filter="fade">
+                                      <p:cBhvr>
+                                        <p:cTn id="11" dur="500"/>
+                                        <p:tgtEl>
+                                          <p:spTgt spid="17"/>
+                                        </p:tgtEl>
+                                      </p:cBhvr>
+                                    </p:animEffect>
+                                  </p:childTnLst>
+                                </p:cTn>
+                              </p:par>
+                            </p:childTnLst>
+                          </p:cTn>
+                        </p:par>
+                      </p:childTnLst>
+                    </p:cTn>
+                  </p:par>
+                  <p:par>
+                    <p:cTn id="12" fill="hold">
+                      <p:stCondLst>
+                        <p:cond delay="indefinite"/>
+                      </p:stCondLst>
+                      <p:childTnLst>
+                        <p:par>
+                          <p:cTn id="13" fill="hold">
+                            <p:stCondLst>
+                              <p:cond delay="0"/>
+                            </p:stCondLst>
+                            <p:childTnLst>
+                              <p:par>
+                                <p:cTn id="14" presetID="10" presetClass="entr" presetSubtype="0" fill="hold" nodeType="clickEffect">
+                                  <p:stCondLst>
+                                    <p:cond delay="0"/>
+                                  </p:stCondLst>
+                                  <p:childTnLst>
+                                    <p:set>
+                                      <p:cBhvr>
+                                        <p:cTn id="15" dur="1" fill="hold">
+                                          <p:stCondLst>
+                                            <p:cond delay="0"/>
+                                          </p:stCondLst>
+                                        </p:cTn>
+                                        <p:tgtEl>
+                                          <p:spTgt spid="26"/>
+                                        </p:tgtEl>
+                                        <p:attrNameLst>
+                                          <p:attrName>style.visibility</p:attrName>
+                                        </p:attrNameLst>
+                                      </p:cBhvr>
+                                      <p:to>
+                                        <p:strVal val="visible"/>
+                                      </p:to>
+                                    </p:set>
+                                    <p:animEffect transition="in" filter="fade">
+                                      <p:cBhvr>
+                                        <p:cTn id="16" dur="500"/>
+                                        <p:tgtEl>
+                                          <p:spTgt spid="26"/>
+                                        </p:tgtEl>
+                                      </p:cBhvr>
+                                    </p:animEffect>
+                                  </p:childTnLst>
+                                </p:cTn>
+                              </p:par>
+                            </p:childTnLst>
+                          </p:cTn>
+                        </p:par>
+                      </p:childTnLst>
+                    </p:cTn>
+                  </p:par>
+                </p:childTnLst>
+              </p:cTn>
+              <p:prevCondLst>
+                <p:cond evt="onPrev" delay="0">
+                  <p:tgtEl>
+                    <p:sldTgt/>
+                  </p:tgtEl>
+                </p:cond>
+              </p:prevCondLst>
+              <p:nextCondLst>
+                <p:cond evt="onNext" delay="0">
+                  <p:tgtEl>
+                    <p:sldTgt/>
+                  </p:tgtEl>
+                </p:cond>
+              </p:nextCondLst>
+            </p:seq>
+          </p:childTnLst>
+        </p:cTn>
+      </p:par>
+    </p:tnLst>
+    <p:bldLst>
+      <p:bldP spid="16" grpId="0" animBg="1"/>
+    </p:bldLst>
+  </p:timing>
+</p:sld>
+</file>
+
 <file path=ppt/theme/theme1.xml><?xml version="1.0" encoding="utf-8"?>
 <a:theme xmlns:a="http://schemas.openxmlformats.org/drawingml/2006/main" name="Office Theme">
   <a:themeElements>
